--- a/ICN materials 204/Lecture6_Application Layer_1.pptx
+++ b/ICN materials 204/Lecture6_Application Layer_1.pptx
@@ -156,6 +156,1574 @@
 </p:presentation>
 </file>
 
+<file path=ppt/ink/ink1.xml><?xml version="1.0" encoding="utf-8"?>
+<inkml:ink xmlns:inkml="http://www.w3.org/2003/InkML">
+  <inkml:definitions>
+    <inkml:context xml:id="ctx0">
+      <inkml:inkSource xml:id="inkSrc0">
+        <inkml:traceFormat>
+          <inkml:channel name="X" type="integer" min="-2.14748E9" max="2.14748E9" units="cm"/>
+          <inkml:channel name="Y" type="integer" min="-2.14748E9" max="2.14748E9" units="cm"/>
+          <inkml:channel name="F" type="integer" max="32767" units="dev"/>
+        </inkml:traceFormat>
+        <inkml:channelProperties>
+          <inkml:channelProperty channel="X" name="resolution" value="1000" units="1/cm"/>
+          <inkml:channelProperty channel="Y" name="resolution" value="1000" units="1/cm"/>
+          <inkml:channelProperty channel="F" name="resolution" value="0" units="1/dev"/>
+        </inkml:channelProperties>
+      </inkml:inkSource>
+      <inkml:timestamp xml:id="ts0" timeString="2024-01-12T05:25:23.717"/>
+    </inkml:context>
+    <inkml:brush xml:id="br0">
+      <inkml:brushProperty name="width" value="0.05" units="cm"/>
+      <inkml:brushProperty name="height" value="0.05" units="cm"/>
+      <inkml:brushProperty name="color" value="#E71224"/>
+    </inkml:brush>
+  </inkml:definitions>
+  <inkml:trace contextRef="#ctx0" brushRef="#br0">246 2 24575,'-16'59'0,"-16"117"0,13-62 0,-147 957 0,161-1041 0,2-11 0,1-1 0,0 1 0,1-1 0,1 1 0,4 30 0,-4-46 0,1 0 0,0-1 0,0 1 0,0 0 0,0 0 0,0-1 0,1 1 0,-1-1 0,1 1 0,-1-1 0,1 0 0,0 1 0,0-1 0,0 0 0,0 0 0,0 0 0,1-1 0,-1 1 0,1-1 0,-1 1 0,1-1 0,-1 0 0,1 1 0,0-2 0,0 1 0,-1 0 0,1 0 0,5 0 0,6 0 0,-1-1 0,1 0 0,0-1 0,25-5 0,-17 3 0,34-4 0,0 2 0,0 3 0,0 2 0,1 3 0,91 15 0,145 41 18,284 49-1072,422-13 847,-970-94 207,-2 1 0,1-2 0,-1 0 0,0-2 0,54-9 0,-78 10-2,0 0 0,0 0 0,0 0 1,0 0-1,0 0 0,-1-1 0,1 1 1,0-1-1,-1 0 0,1 0 0,-1 0 1,1 0-1,-1 0 0,0 0 0,0-1 1,0 1-1,0-1 0,0 1 0,-1-1 1,1 0-1,-1 0 0,1 0 0,-1 0 1,0 0-1,0 0 0,-1 0 0,1 0 1,0-4-1,-1-6 31,-1 0-1,0 0 1,0 1 0,-2-1 0,-5-20 0,4 17 56,-81-272 1043,-6-24-1220,63 177 92,-16-199 0,33-142 0,13 449 0,-1 15 0,0 1 0,-1-1 0,0 0 0,-3-13 0,3 23 0,-1-1 0,1 1 0,-1-1 0,0 1 0,0 0 0,0 0 0,0-1 0,0 1 0,0 0 0,0 0 0,-1 0 0,1 0 0,-1 0 0,0 0 0,0 1 0,1-1 0,-1 0 0,0 1 0,0 0 0,0-1 0,-1 1 0,1 0 0,0 0 0,-5-1 0,-10-1 0,0 0 0,0 2 0,0 0 0,0 1 0,0 0 0,-1 2 0,-29 6 0,-23 1 0,-743 1 0,501-33-19,-13 0 116,224 20-818,-122 12-1,169-3-6104</inkml:trace>
+</inkml:ink>
+</file>
+
+<file path=ppt/ink/ink10.xml><?xml version="1.0" encoding="utf-8"?>
+<inkml:ink xmlns:inkml="http://www.w3.org/2003/InkML">
+  <inkml:definitions>
+    <inkml:context xml:id="ctx0">
+      <inkml:inkSource xml:id="inkSrc0">
+        <inkml:traceFormat>
+          <inkml:channel name="X" type="integer" min="-2.14748E9" max="2.14748E9" units="cm"/>
+          <inkml:channel name="Y" type="integer" min="-2.14748E9" max="2.14748E9" units="cm"/>
+          <inkml:channel name="F" type="integer" max="32767" units="dev"/>
+        </inkml:traceFormat>
+        <inkml:channelProperties>
+          <inkml:channelProperty channel="X" name="resolution" value="1000" units="1/cm"/>
+          <inkml:channelProperty channel="Y" name="resolution" value="1000" units="1/cm"/>
+          <inkml:channelProperty channel="F" name="resolution" value="0" units="1/dev"/>
+        </inkml:channelProperties>
+      </inkml:inkSource>
+      <inkml:timestamp xml:id="ts0" timeString="2024-01-12T05:25:34.974"/>
+    </inkml:context>
+    <inkml:brush xml:id="br0">
+      <inkml:brushProperty name="width" value="0.05" units="cm"/>
+      <inkml:brushProperty name="height" value="0.05" units="cm"/>
+      <inkml:brushProperty name="color" value="#E71224"/>
+    </inkml:brush>
+  </inkml:definitions>
+  <inkml:trace contextRef="#ctx0" brushRef="#br0">343 1 24575,'-2'2'0,"0"0"0,0 0 0,1 0 0,-1 0 0,-1 0 0,1 0 0,0 0 0,0-1 0,-1 1 0,1-1 0,-1 0 0,1 1 0,-1-1 0,-4 1 0,-2 2 0,2-1 0,0 1 0,1 0 0,-1 0 0,1 1 0,-11 9 0,15-12 0,1 0 0,-1 0 0,1 0 0,-1 0 0,1 0 0,0 0 0,-1 0 0,1 0 0,0 1 0,1-1 0,-1 1 0,0-1 0,1 0 0,-1 1 0,1-1 0,0 1 0,0-1 0,0 1 0,0 0 0,0-1 0,0 1 0,2 3 0,8 24 0,1-1 0,2 0 0,27 44 0,12 28 0,-49-94 0,5 11 0,-1 1 0,9 35 0,-14-49 0,-1 0 0,-1 0 0,1 0 0,-1 0 0,0 0 0,0 0 0,0 0 0,-1 0 0,1 0 0,-1 0 0,-1 0 0,1 0 0,-1 0 0,1 0 0,-2-1 0,-2 7 0,-5 3 0,-1-1 0,0 0 0,-1-1 0,0 0 0,-28 19 0,-77 43 0,86-56 0,-39 24-1365,6-4-5461</inkml:trace>
+</inkml:ink>
+</file>
+
+<file path=ppt/ink/ink11.xml><?xml version="1.0" encoding="utf-8"?>
+<inkml:ink xmlns:inkml="http://www.w3.org/2003/InkML">
+  <inkml:definitions>
+    <inkml:context xml:id="ctx0">
+      <inkml:inkSource xml:id="inkSrc0">
+        <inkml:traceFormat>
+          <inkml:channel name="X" type="integer" min="-2.14748E9" max="2.14748E9" units="cm"/>
+          <inkml:channel name="Y" type="integer" min="-2.14748E9" max="2.14748E9" units="cm"/>
+          <inkml:channel name="F" type="integer" max="32767" units="dev"/>
+        </inkml:traceFormat>
+        <inkml:channelProperties>
+          <inkml:channelProperty channel="X" name="resolution" value="1000" units="1/cm"/>
+          <inkml:channelProperty channel="Y" name="resolution" value="1000" units="1/cm"/>
+          <inkml:channelProperty channel="F" name="resolution" value="0" units="1/dev"/>
+        </inkml:channelProperties>
+      </inkml:inkSource>
+      <inkml:timestamp xml:id="ts0" timeString="2024-01-12T05:25:38.776"/>
+    </inkml:context>
+    <inkml:brush xml:id="br0">
+      <inkml:brushProperty name="width" value="0.05" units="cm"/>
+      <inkml:brushProperty name="height" value="0.05" units="cm"/>
+      <inkml:brushProperty name="color" value="#E71224"/>
+    </inkml:brush>
+  </inkml:definitions>
+  <inkml:trace contextRef="#ctx0" brushRef="#br0">441 1 24575,'-11'0'0,"0"2"0,-1-1 0,1 2 0,0-1 0,0 2 0,0-1 0,0 2 0,1-1 0,-1 1 0,1 1 0,1 0 0,-1 0 0,1 1 0,-14 12 0,-7 11 0,0 1 0,-37 51 0,66-80 0,-4 5 0,-21 25 0,2 1 0,-27 51 0,45-73 0,1 0 0,0 0 0,1 0 0,0 1 0,1 0 0,0-1 0,1 1 0,1 0 0,0 1 0,0-1 0,1 0 0,3 22 0,-3-29 0,1 0 0,1 1 0,-1-1 0,1 0 0,0 0 0,0 0 0,1 0 0,-1 0 0,1-1 0,0 1 0,0-1 0,1 0 0,-1 1 0,1-2 0,5 6 0,-3-5 0,0 0 0,1 0 0,-1-1 0,1 0 0,0 0 0,-1 0 0,1-1 0,0 0 0,1 0 0,8 0 0,2 0 0,1-2 0,-1 0 0,1-1 0,-1-1 0,1 0 0,-1-2 0,0 0 0,19-7 0,-4-2-52,-2-2-1,41-24 0,-36 18-1154,13-5-5619</inkml:trace>
+</inkml:ink>
+</file>
+
+<file path=ppt/ink/ink12.xml><?xml version="1.0" encoding="utf-8"?>
+<inkml:ink xmlns:inkml="http://www.w3.org/2003/InkML">
+  <inkml:definitions>
+    <inkml:context xml:id="ctx0">
+      <inkml:inkSource xml:id="inkSrc0">
+        <inkml:traceFormat>
+          <inkml:channel name="X" type="integer" min="-2.14748E9" max="2.14748E9" units="cm"/>
+          <inkml:channel name="Y" type="integer" min="-2.14748E9" max="2.14748E9" units="cm"/>
+          <inkml:channel name="F" type="integer" max="32767" units="dev"/>
+        </inkml:traceFormat>
+        <inkml:channelProperties>
+          <inkml:channelProperty channel="X" name="resolution" value="1000" units="1/cm"/>
+          <inkml:channelProperty channel="Y" name="resolution" value="1000" units="1/cm"/>
+          <inkml:channelProperty channel="F" name="resolution" value="0" units="1/dev"/>
+        </inkml:channelProperties>
+      </inkml:inkSource>
+      <inkml:timestamp xml:id="ts0" timeString="2024-01-12T05:25:39.932"/>
+    </inkml:context>
+    <inkml:brush xml:id="br0">
+      <inkml:brushProperty name="width" value="0.05" units="cm"/>
+      <inkml:brushProperty name="height" value="0.05" units="cm"/>
+      <inkml:brushProperty name="color" value="#E71224"/>
+    </inkml:brush>
+  </inkml:definitions>
+  <inkml:trace contextRef="#ctx0" brushRef="#br0">131 0 24575,'-14'19'0,"0"1"0,1 0 0,2 1 0,0 0 0,1 1 0,-9 27 0,17-43 0,-6 16 0,0 1 0,2 0 0,-5 34 0,9-44 0,1 0 0,0 0 0,1 0 0,1 1 0,0-1 0,0 0 0,7 21 0,-6-28 0,0 0 0,1-1 0,0 1 0,0-1 0,0 0 0,1 1 0,0-2 0,0 1 0,0 0 0,1-1 0,-1 0 0,1 0 0,0 0 0,0 0 0,1-1 0,-1 0 0,1 0 0,-1-1 0,1 1 0,0-1 0,0 0 0,0-1 0,7 2 0,9 0 0,1 0 0,0-1 0,0-1 0,44-4 0,0-6-1365,-9-1-5461</inkml:trace>
+</inkml:ink>
+</file>
+
+<file path=ppt/ink/ink13.xml><?xml version="1.0" encoding="utf-8"?>
+<inkml:ink xmlns:inkml="http://www.w3.org/2003/InkML">
+  <inkml:definitions>
+    <inkml:context xml:id="ctx0">
+      <inkml:inkSource xml:id="inkSrc0">
+        <inkml:traceFormat>
+          <inkml:channel name="X" type="integer" min="-2.14748E9" max="2.14748E9" units="cm"/>
+          <inkml:channel name="Y" type="integer" min="-2.14748E9" max="2.14748E9" units="cm"/>
+          <inkml:channel name="F" type="integer" max="32767" units="dev"/>
+        </inkml:traceFormat>
+        <inkml:channelProperties>
+          <inkml:channelProperty channel="X" name="resolution" value="1000" units="1/cm"/>
+          <inkml:channelProperty channel="Y" name="resolution" value="1000" units="1/cm"/>
+          <inkml:channelProperty channel="F" name="resolution" value="0" units="1/dev"/>
+        </inkml:channelProperties>
+      </inkml:inkSource>
+      <inkml:timestamp xml:id="ts0" timeString="2024-01-12T05:25:42.676"/>
+    </inkml:context>
+    <inkml:brush xml:id="br0">
+      <inkml:brushProperty name="width" value="0.05" units="cm"/>
+      <inkml:brushProperty name="height" value="0.05" units="cm"/>
+      <inkml:brushProperty name="color" value="#E71224"/>
+    </inkml:brush>
+  </inkml:definitions>
+  <inkml:trace contextRef="#ctx0" brushRef="#br0">106 110 24575,'-6'14'0,"1"0"0,0 0 0,-4 27 0,0-3 0,4-20 0,-48 205 0,47-190 0,2 0 0,1 1 0,2-1 0,5 62 0,-3-93 0,-1 1 0,1-1 0,-1 0 0,1 0 0,0 1 0,0-1 0,0 0 0,0 0 0,0 0 0,1 0 0,-1 0 0,1 0 0,-1-1 0,1 1 0,-1 0 0,1-1 0,0 1 0,0-1 0,0 0 0,0 0 0,0 1 0,0-1 0,0 0 0,4 1 0,6 1 0,-1 0 0,1-1 0,22 1 0,-10 0 0,-5-1 0,344 33 0,-346-34 0,-1-1 0,1 0 0,0-1 0,-1-1 0,1-1 0,-1-1 0,23-7 0,-15 3 0,-6 3 0,-1-2 0,0 0 0,19-11 0,-32 16 0,1-1 0,-1 1 0,-1-1 0,1 0 0,0-1 0,-1 1 0,1-1 0,-1 1 0,0-1 0,-1 0 0,1 0 0,0 0 0,-1 0 0,0-1 0,0 1 0,-1-1 0,3-5 0,0-20 0,-1 1 0,-1-60 0,-3 51 0,6-43 0,40-173 0,-34 199 0,-10 52 0,0 0 0,-1 1 0,1-1 0,-1 0 0,0 1 0,0-1 0,0 0 0,0 0 0,-1 1 0,1-1 0,-1 0 0,1 1 0,-1-1 0,0 1 0,0-1 0,0 1 0,0-1 0,-1 1 0,-2-4 0,2 3 0,-1 1 0,0 0 0,0 0 0,0 0 0,0 0 0,0 0 0,0 1 0,-1-1 0,1 1 0,-1 0 0,1 0 0,0 0 0,-1 1 0,0-1 0,-3 1 0,-63-4 0,-103 7 0,38 1 0,99-4-455,1 1 0,-45 8 0,52-3-6371</inkml:trace>
+</inkml:ink>
+</file>
+
+<file path=ppt/ink/ink14.xml><?xml version="1.0" encoding="utf-8"?>
+<inkml:ink xmlns:inkml="http://www.w3.org/2003/InkML">
+  <inkml:definitions>
+    <inkml:context xml:id="ctx0">
+      <inkml:inkSource xml:id="inkSrc0">
+        <inkml:traceFormat>
+          <inkml:channel name="X" type="integer" min="-2.14748E9" max="2.14748E9" units="cm"/>
+          <inkml:channel name="Y" type="integer" min="-2.14748E9" max="2.14748E9" units="cm"/>
+          <inkml:channel name="F" type="integer" max="32767" units="dev"/>
+        </inkml:traceFormat>
+        <inkml:channelProperties>
+          <inkml:channelProperty channel="X" name="resolution" value="1000" units="1/cm"/>
+          <inkml:channelProperty channel="Y" name="resolution" value="1000" units="1/cm"/>
+          <inkml:channelProperty channel="F" name="resolution" value="0" units="1/dev"/>
+        </inkml:channelProperties>
+      </inkml:inkSource>
+      <inkml:timestamp xml:id="ts0" timeString="2024-01-12T05:25:43.696"/>
+    </inkml:context>
+    <inkml:brush xml:id="br0">
+      <inkml:brushProperty name="width" value="0.05" units="cm"/>
+      <inkml:brushProperty name="height" value="0.05" units="cm"/>
+      <inkml:brushProperty name="color" value="#E71224"/>
+    </inkml:brush>
+  </inkml:definitions>
+  <inkml:trace contextRef="#ctx0" brushRef="#br0">0 79 24575,'4'0'0,"6"0"0,6-4 0,4-2 0,3-4 0,2-4 0,1-1 0,5 4 0,1 2 0,0 4 0,-1 2 0,-2 2 0,-6 0-8191</inkml:trace>
+</inkml:ink>
+</file>
+
+<file path=ppt/ink/ink15.xml><?xml version="1.0" encoding="utf-8"?>
+<inkml:ink xmlns:inkml="http://www.w3.org/2003/InkML">
+  <inkml:definitions>
+    <inkml:context xml:id="ctx0">
+      <inkml:inkSource xml:id="inkSrc0">
+        <inkml:traceFormat>
+          <inkml:channel name="X" type="integer" min="-2.14748E9" max="2.14748E9" units="cm"/>
+          <inkml:channel name="Y" type="integer" min="-2.14748E9" max="2.14748E9" units="cm"/>
+          <inkml:channel name="F" type="integer" max="32767" units="dev"/>
+        </inkml:traceFormat>
+        <inkml:channelProperties>
+          <inkml:channelProperty channel="X" name="resolution" value="1000" units="1/cm"/>
+          <inkml:channelProperty channel="Y" name="resolution" value="1000" units="1/cm"/>
+          <inkml:channelProperty channel="F" name="resolution" value="0" units="1/dev"/>
+        </inkml:channelProperties>
+      </inkml:inkSource>
+      <inkml:timestamp xml:id="ts0" timeString="2024-01-12T05:25:44.356"/>
+    </inkml:context>
+    <inkml:brush xml:id="br0">
+      <inkml:brushProperty name="width" value="0.05" units="cm"/>
+      <inkml:brushProperty name="height" value="0.05" units="cm"/>
+      <inkml:brushProperty name="color" value="#E71224"/>
+    </inkml:brush>
+  </inkml:definitions>
+  <inkml:trace contextRef="#ctx0" brushRef="#br0">529 1 24575,'-37'2'0,"0"2"0,0 2 0,-55 15 0,65-14 0,0 0 0,0 1 0,1 1 0,1 1 0,-37 21 0,51-25 0,0 1 0,0 0 0,1 1 0,0 0 0,1 1 0,-1 0 0,2 0 0,-1 1 0,1 0 0,1 0 0,-11 21 0,16-29 0,1 0 0,0 0 0,0 0 0,0 1 0,0-1 0,1 0 0,-1 1 0,1-1 0,-1 0 0,1 1 0,0-1 0,0 0 0,0 1 0,0-1 0,0 1 0,0-1 0,1 0 0,-1 1 0,1-1 0,0 0 0,1 5 0,0-5 0,0 0 0,1 0 0,-1 0 0,0 0 0,1 0 0,-1-1 0,1 1 0,-1-1 0,1 0 0,0 1 0,-1-1 0,1 0 0,0 0 0,0-1 0,0 1 0,0-1 0,4 1 0,41 2-330,85-4 0,-112 1-375,21-2-6121</inkml:trace>
+</inkml:ink>
+</file>
+
+<file path=ppt/ink/ink16.xml><?xml version="1.0" encoding="utf-8"?>
+<inkml:ink xmlns:inkml="http://www.w3.org/2003/InkML">
+  <inkml:definitions>
+    <inkml:context xml:id="ctx0">
+      <inkml:inkSource xml:id="inkSrc0">
+        <inkml:traceFormat>
+          <inkml:channel name="X" type="integer" min="-2.14748E9" max="2.14748E9" units="cm"/>
+          <inkml:channel name="Y" type="integer" min="-2.14748E9" max="2.14748E9" units="cm"/>
+          <inkml:channel name="F" type="integer" max="32767" units="dev"/>
+        </inkml:traceFormat>
+        <inkml:channelProperties>
+          <inkml:channelProperty channel="X" name="resolution" value="1000" units="1/cm"/>
+          <inkml:channelProperty channel="Y" name="resolution" value="1000" units="1/cm"/>
+          <inkml:channelProperty channel="F" name="resolution" value="0" units="1/dev"/>
+        </inkml:channelProperties>
+      </inkml:inkSource>
+      <inkml:timestamp xml:id="ts0" timeString="2024-01-12T05:26:58.366"/>
+    </inkml:context>
+    <inkml:brush xml:id="br0">
+      <inkml:brushProperty name="width" value="0.05" units="cm"/>
+      <inkml:brushProperty name="height" value="0.05" units="cm"/>
+      <inkml:brushProperty name="color" value="#E71224"/>
+    </inkml:brush>
+  </inkml:definitions>
+  <inkml:trace contextRef="#ctx0" brushRef="#br0">1 503 24575,'0'20'0,"0"-36"0,0-19 0,0-437 0,0 472 0,0 0 0,0 0 0,0 0 0,0 1 0,0-1 0,0 0 0,0 0 0,0 0 0,0 0 0,0 0 0,0 0 0,0 0 0,0 0 0,0 0 0,0 0 0,0 0 0,0 0 0,1 0 0,-1 0 0,0 0 0,0 0 0,0 0 0,0 0 0,0 0 0,0 0 0,0 0 0,0 0 0,0 0 0,0 0 0,0 0 0,0 0 0,0 0 0,0 0 0,0 0 0,0 0 0,1 0 0,-1-1 0,0 1 0,0 0 0,0 0 0,5 14 0,9 27 0,-10-26 0,10 26 0,-3-1 0,3-1 0,1-1 0,33 60 0,-45-93 0,0 0 0,1 0 0,0 0 0,-1 0 0,2-1 0,-1 0 0,7 5 0,-10-8 0,0 0 0,0-1 0,0 1 0,1 0 0,-1-1 0,0 1 0,1-1 0,-1 0 0,0 1 0,1-1 0,-1 0 0,0 0 0,1 0 0,-1 0 0,1 0 0,-1 0 0,0 0 0,1 0 0,-1 0 0,1-1 0,-1 1 0,0-1 0,1 1 0,-1-1 0,0 1 0,0-1 0,1 0 0,-1 0 0,0 0 0,0 1 0,0-1 0,0 0 0,0 0 0,1-3 0,17-17 0,-9 8 0,2 0 0,-1 1 0,15-11 0,-25 22 0,0 1 0,0-1 0,-1 0 0,1 1 0,0-1 0,0 1 0,0-1 0,0 1 0,1 0 0,-1-1 0,0 1 0,0 0 0,0-1 0,0 1 0,0 0 0,0 0 0,0 0 0,0 0 0,1 0 0,-1 0 0,0 1 0,0-1 0,0 0 0,0 1 0,0-1 0,0 0 0,0 1 0,0-1 0,0 1 0,0 0 0,0-1 0,0 1 0,0 0 0,-1-1 0,1 1 0,0 0 0,0 0 0,-1 0 0,1 0 0,0 0 0,-1 0 0,1 0 0,0 1 0,3 7 0,0 0 0,0 0 0,-1 1 0,2 10 0,-3-12 0,127 493 0,-61-197 0,-48-201 0,-13-71-1365,-1-11-5461</inkml:trace>
+</inkml:ink>
+</file>
+
+<file path=ppt/ink/ink17.xml><?xml version="1.0" encoding="utf-8"?>
+<inkml:ink xmlns:inkml="http://www.w3.org/2003/InkML">
+  <inkml:definitions>
+    <inkml:context xml:id="ctx0">
+      <inkml:inkSource xml:id="inkSrc0">
+        <inkml:traceFormat>
+          <inkml:channel name="X" type="integer" min="-2.14748E9" max="2.14748E9" units="cm"/>
+          <inkml:channel name="Y" type="integer" min="-2.14748E9" max="2.14748E9" units="cm"/>
+          <inkml:channel name="F" type="integer" max="32767" units="dev"/>
+        </inkml:traceFormat>
+        <inkml:channelProperties>
+          <inkml:channelProperty channel="X" name="resolution" value="1000" units="1/cm"/>
+          <inkml:channelProperty channel="Y" name="resolution" value="1000" units="1/cm"/>
+          <inkml:channelProperty channel="F" name="resolution" value="0" units="1/dev"/>
+        </inkml:channelProperties>
+      </inkml:inkSource>
+      <inkml:timestamp xml:id="ts0" timeString="2024-01-12T05:26:59.633"/>
+    </inkml:context>
+    <inkml:brush xml:id="br0">
+      <inkml:brushProperty name="width" value="0.05" units="cm"/>
+      <inkml:brushProperty name="height" value="0.05" units="cm"/>
+      <inkml:brushProperty name="color" value="#E71224"/>
+    </inkml:brush>
+  </inkml:definitions>
+  <inkml:trace contextRef="#ctx0" brushRef="#br0">221 0 24575,'-3'1'0,"-1"-1"0,1 1 0,0 0 0,0 0 0,0 0 0,0 1 0,0-1 0,0 1 0,0-1 0,1 1 0,-1 0 0,1 0 0,-1 0 0,1 1 0,-3 2 0,-30 41 0,24-27 0,2 1 0,0 0 0,2 0 0,0 1 0,1 0 0,1 0 0,-4 32 0,3 10 0,3 80 0,5-118 0,1-1 0,8 34 0,-7-43 0,-1 0 0,0 0 0,-1-1 0,0 2 0,-2-1 0,1 0 0,-2 0 0,0 0 0,-3 15 0,2-27-49,1 0 1,0-1-1,0 1 0,-1 0 0,1-1 1,-1 1-1,0-1 0,0 0 0,0 1 1,0-1-1,0 0 0,-1 0 0,1 0 1,-1-1-1,1 1 0,-1 0 0,1-1 1,-1 0-1,0 0 0,0 0 0,0 0 1,0 0-1,0 0 0,0-1 0,0 1 0,0-1 1,-4 0-1,-14 1-6777</inkml:trace>
+</inkml:ink>
+</file>
+
+<file path=ppt/ink/ink18.xml><?xml version="1.0" encoding="utf-8"?>
+<inkml:ink xmlns:inkml="http://www.w3.org/2003/InkML">
+  <inkml:definitions>
+    <inkml:context xml:id="ctx0">
+      <inkml:inkSource xml:id="inkSrc0">
+        <inkml:traceFormat>
+          <inkml:channel name="X" type="integer" min="-2.14748E9" max="2.14748E9" units="cm"/>
+          <inkml:channel name="Y" type="integer" min="-2.14748E9" max="2.14748E9" units="cm"/>
+          <inkml:channel name="F" type="integer" max="32767" units="dev"/>
+        </inkml:traceFormat>
+        <inkml:channelProperties>
+          <inkml:channelProperty channel="X" name="resolution" value="1000" units="1/cm"/>
+          <inkml:channelProperty channel="Y" name="resolution" value="1000" units="1/cm"/>
+          <inkml:channelProperty channel="F" name="resolution" value="0" units="1/dev"/>
+        </inkml:channelProperties>
+      </inkml:inkSource>
+      <inkml:timestamp xml:id="ts0" timeString="2024-01-12T05:27:01.626"/>
+    </inkml:context>
+    <inkml:brush xml:id="br0">
+      <inkml:brushProperty name="width" value="0.05" units="cm"/>
+      <inkml:brushProperty name="height" value="0.05" units="cm"/>
+      <inkml:brushProperty name="color" value="#E71224"/>
+    </inkml:brush>
+  </inkml:definitions>
+  <inkml:trace contextRef="#ctx0" brushRef="#br0">1 476 24575,'0'5'0,"0"5"0,0 5 0,0 5 0,0 3 0,0 2 0,17-3 0,32-23 0,46-41 0,46-36 0,38-25 0,10-9 0,-10 7 0,-31 16 0,-40 23-8191</inkml:trace>
+</inkml:ink>
+</file>
+
+<file path=ppt/ink/ink19.xml><?xml version="1.0" encoding="utf-8"?>
+<inkml:ink xmlns:inkml="http://www.w3.org/2003/InkML">
+  <inkml:definitions>
+    <inkml:context xml:id="ctx0">
+      <inkml:inkSource xml:id="inkSrc0">
+        <inkml:traceFormat>
+          <inkml:channel name="X" type="integer" min="-2.14748E9" max="2.14748E9" units="cm"/>
+          <inkml:channel name="Y" type="integer" min="-2.14748E9" max="2.14748E9" units="cm"/>
+          <inkml:channel name="F" type="integer" max="32767" units="dev"/>
+        </inkml:traceFormat>
+        <inkml:channelProperties>
+          <inkml:channelProperty channel="X" name="resolution" value="1000" units="1/cm"/>
+          <inkml:channelProperty channel="Y" name="resolution" value="1000" units="1/cm"/>
+          <inkml:channelProperty channel="F" name="resolution" value="0" units="1/dev"/>
+        </inkml:channelProperties>
+      </inkml:inkSource>
+      <inkml:timestamp xml:id="ts0" timeString="2024-01-12T05:27:37.891"/>
+    </inkml:context>
+    <inkml:brush xml:id="br0">
+      <inkml:brushProperty name="width" value="0.05" units="cm"/>
+      <inkml:brushProperty name="height" value="0.05" units="cm"/>
+      <inkml:brushProperty name="color" value="#E71224"/>
+    </inkml:brush>
+  </inkml:definitions>
+  <inkml:trace contextRef="#ctx0" brushRef="#br0">0 493 24575,'1'-3'0,"0"1"0,1-1 0,-1 1 0,0-1 0,1 1 0,-1-1 0,1 1 0,0 0 0,0 0 0,0 0 0,0 0 0,0 0 0,0 0 0,0 1 0,1-1 0,-1 1 0,5-3 0,2-2 0,148-98 0,201-97 0,-271 158 1,73-41-1367,-135 70-5460</inkml:trace>
+</inkml:ink>
+</file>
+
+<file path=ppt/ink/ink2.xml><?xml version="1.0" encoding="utf-8"?>
+<inkml:ink xmlns:inkml="http://www.w3.org/2003/InkML">
+  <inkml:definitions>
+    <inkml:context xml:id="ctx0">
+      <inkml:inkSource xml:id="inkSrc0">
+        <inkml:traceFormat>
+          <inkml:channel name="X" type="integer" min="-2.14748E9" max="2.14748E9" units="cm"/>
+          <inkml:channel name="Y" type="integer" min="-2.14748E9" max="2.14748E9" units="cm"/>
+          <inkml:channel name="F" type="integer" max="32767" units="dev"/>
+        </inkml:traceFormat>
+        <inkml:channelProperties>
+          <inkml:channelProperty channel="X" name="resolution" value="1000" units="1/cm"/>
+          <inkml:channelProperty channel="Y" name="resolution" value="1000" units="1/cm"/>
+          <inkml:channelProperty channel="F" name="resolution" value="0" units="1/dev"/>
+        </inkml:channelProperties>
+      </inkml:inkSource>
+      <inkml:timestamp xml:id="ts0" timeString="2024-01-12T05:25:24.237"/>
+    </inkml:context>
+    <inkml:brush xml:id="br0">
+      <inkml:brushProperty name="width" value="0.05" units="cm"/>
+      <inkml:brushProperty name="height" value="0.05" units="cm"/>
+      <inkml:brushProperty name="color" value="#E71224"/>
+    </inkml:brush>
+  </inkml:definitions>
+  <inkml:trace contextRef="#ctx0" brushRef="#br0">1023 0 24575,'0'13'0,"-4"26"0,-11 23 0,-19 41 0,-21 36 0,-15 26 0,-12 23 0,-15 10 0,-11 10-1100,-5-4 1100,3-15 0,13-32 25,13-33-25,22-33 0,16-33 0,17-22 0,13-16-7116</inkml:trace>
+</inkml:ink>
+</file>
+
+<file path=ppt/ink/ink20.xml><?xml version="1.0" encoding="utf-8"?>
+<inkml:ink xmlns:inkml="http://www.w3.org/2003/InkML">
+  <inkml:definitions>
+    <inkml:context xml:id="ctx0">
+      <inkml:inkSource xml:id="inkSrc0">
+        <inkml:traceFormat>
+          <inkml:channel name="X" type="integer" min="-2.14748E9" max="2.14748E9" units="cm"/>
+          <inkml:channel name="Y" type="integer" min="-2.14748E9" max="2.14748E9" units="cm"/>
+          <inkml:channel name="F" type="integer" max="32767" units="dev"/>
+        </inkml:traceFormat>
+        <inkml:channelProperties>
+          <inkml:channelProperty channel="X" name="resolution" value="1000" units="1/cm"/>
+          <inkml:channelProperty channel="Y" name="resolution" value="1000" units="1/cm"/>
+          <inkml:channelProperty channel="F" name="resolution" value="0" units="1/dev"/>
+        </inkml:channelProperties>
+      </inkml:inkSource>
+      <inkml:timestamp xml:id="ts0" timeString="2024-01-12T05:27:39.107"/>
+    </inkml:context>
+    <inkml:brush xml:id="br0">
+      <inkml:brushProperty name="width" value="0.05" units="cm"/>
+      <inkml:brushProperty name="height" value="0.05" units="cm"/>
+      <inkml:brushProperty name="color" value="#E71224"/>
+    </inkml:brush>
+  </inkml:definitions>
+  <inkml:trace contextRef="#ctx0" brushRef="#br0">1 30 24575,'13'-1'0,"0"0"0,0-1 0,15-4 0,20-4 0,-38 9 0,25-3 0,1 1 0,-1 2 0,63 5 0,-95-3 0,0 0 0,-1 0 0,1 0 0,-1 0 0,0 1 0,1-1 0,-1 1 0,0-1 0,0 1 0,0 0 0,0 0 0,0 0 0,0 0 0,0 0 0,-1 0 0,1 1 0,-1-1 0,1 0 0,-1 1 0,0-1 0,0 1 0,0 0 0,-1-1 0,1 1 0,0 0 0,-1 4 0,3 8 0,-2 1 0,0 0 0,-1 20 0,0-32 0,0-2 0,-2 44 0,-7 50 0,7-83 0,-1 0 0,0 1 0,-1-1 0,0 0 0,-1-1 0,0 1 0,-1-1 0,-11 16 0,2-7-1365,3-3-5461</inkml:trace>
+</inkml:ink>
+</file>
+
+<file path=ppt/ink/ink21.xml><?xml version="1.0" encoding="utf-8"?>
+<inkml:ink xmlns:inkml="http://www.w3.org/2003/InkML">
+  <inkml:definitions>
+    <inkml:context xml:id="ctx0">
+      <inkml:inkSource xml:id="inkSrc0">
+        <inkml:traceFormat>
+          <inkml:channel name="X" type="integer" min="-2.14748E9" max="2.14748E9" units="cm"/>
+          <inkml:channel name="Y" type="integer" min="-2.14748E9" max="2.14748E9" units="cm"/>
+          <inkml:channel name="F" type="integer" max="32767" units="dev"/>
+        </inkml:traceFormat>
+        <inkml:channelProperties>
+          <inkml:channelProperty channel="X" name="resolution" value="1000" units="1/cm"/>
+          <inkml:channelProperty channel="Y" name="resolution" value="1000" units="1/cm"/>
+          <inkml:channelProperty channel="F" name="resolution" value="0" units="1/dev"/>
+        </inkml:channelProperties>
+      </inkml:inkSource>
+      <inkml:timestamp xml:id="ts0" timeString="2024-01-12T05:28:37.045"/>
+    </inkml:context>
+    <inkml:brush xml:id="br0">
+      <inkml:brushProperty name="width" value="0.05" units="cm"/>
+      <inkml:brushProperty name="height" value="0.05" units="cm"/>
+      <inkml:brushProperty name="color" value="#E71224"/>
+    </inkml:brush>
+  </inkml:definitions>
+  <inkml:trace contextRef="#ctx0" brushRef="#br0">0 367 24575,'55'-21'0,"77"-40"0,-21 7 0,406-153 0,-486 195-1365,-7 1-5461</inkml:trace>
+</inkml:ink>
+</file>
+
+<file path=ppt/ink/ink22.xml><?xml version="1.0" encoding="utf-8"?>
+<inkml:ink xmlns:inkml="http://www.w3.org/2003/InkML">
+  <inkml:definitions>
+    <inkml:context xml:id="ctx0">
+      <inkml:inkSource xml:id="inkSrc0">
+        <inkml:traceFormat>
+          <inkml:channel name="X" type="integer" min="-2.14748E9" max="2.14748E9" units="cm"/>
+          <inkml:channel name="Y" type="integer" min="-2.14748E9" max="2.14748E9" units="cm"/>
+          <inkml:channel name="F" type="integer" max="32767" units="dev"/>
+        </inkml:traceFormat>
+        <inkml:channelProperties>
+          <inkml:channelProperty channel="X" name="resolution" value="1000" units="1/cm"/>
+          <inkml:channelProperty channel="Y" name="resolution" value="1000" units="1/cm"/>
+          <inkml:channelProperty channel="F" name="resolution" value="0" units="1/dev"/>
+        </inkml:channelProperties>
+      </inkml:inkSource>
+      <inkml:timestamp xml:id="ts0" timeString="2024-01-12T05:28:38.422"/>
+    </inkml:context>
+    <inkml:brush xml:id="br0">
+      <inkml:brushProperty name="width" value="0.05" units="cm"/>
+      <inkml:brushProperty name="height" value="0.05" units="cm"/>
+      <inkml:brushProperty name="color" value="#E71224"/>
+    </inkml:brush>
+  </inkml:definitions>
+  <inkml:trace contextRef="#ctx0" brushRef="#br0">0 2 24575,'112'-1'0,"126"3"0,-187 4 0,0 3 0,80 23 0,-131-32 0,42 14 0,-1 1 0,0 2 0,53 31 0,-92-46 0,1-1 0,0 1 0,0 0 0,-1 0 0,1 0 0,-1 0 0,0 1 0,0-1 0,0 1 0,0-1 0,0 1 0,0 0 0,-1-1 0,1 1 0,-1 0 0,0 0 0,0 0 0,0 0 0,0 1 0,0-1 0,-1 0 0,1 0 0,-1 0 0,0 5 0,-1 5 0,-1 0 0,0 0 0,-1 0 0,0-1 0,-6 15 0,-114 262 0,-27-4 0,93-178 0,-192 379-1365,220-426-5461</inkml:trace>
+</inkml:ink>
+</file>
+
+<file path=ppt/ink/ink23.xml><?xml version="1.0" encoding="utf-8"?>
+<inkml:ink xmlns:inkml="http://www.w3.org/2003/InkML">
+  <inkml:definitions>
+    <inkml:context xml:id="ctx0">
+      <inkml:inkSource xml:id="inkSrc0">
+        <inkml:traceFormat>
+          <inkml:channel name="X" type="integer" min="-2.14748E9" max="2.14748E9" units="cm"/>
+          <inkml:channel name="Y" type="integer" min="-2.14748E9" max="2.14748E9" units="cm"/>
+          <inkml:channel name="F" type="integer" max="32767" units="dev"/>
+        </inkml:traceFormat>
+        <inkml:channelProperties>
+          <inkml:channelProperty channel="X" name="resolution" value="1000" units="1/cm"/>
+          <inkml:channelProperty channel="Y" name="resolution" value="1000" units="1/cm"/>
+          <inkml:channelProperty channel="F" name="resolution" value="0" units="1/dev"/>
+        </inkml:channelProperties>
+      </inkml:inkSource>
+      <inkml:timestamp xml:id="ts0" timeString="2024-01-12T05:28:40.402"/>
+    </inkml:context>
+    <inkml:brush xml:id="br0">
+      <inkml:brushProperty name="width" value="0.05" units="cm"/>
+      <inkml:brushProperty name="height" value="0.05" units="cm"/>
+      <inkml:brushProperty name="color" value="#E71224"/>
+    </inkml:brush>
+  </inkml:definitions>
+  <inkml:trace contextRef="#ctx0" brushRef="#br0">0 1189 24575,'4'0'0,"11"-4"0,11-15 0,18-21 0,28-30 0,14-28 0,15-24 0,11-18 0,0-1 0,-7 10 0,-12 14 0,-8 18 0,-20 23 0,-16 23 0,-12 17 0,-8 10 0,-9 9-8191</inkml:trace>
+</inkml:ink>
+</file>
+
+<file path=ppt/ink/ink24.xml><?xml version="1.0" encoding="utf-8"?>
+<inkml:ink xmlns:inkml="http://www.w3.org/2003/InkML">
+  <inkml:definitions>
+    <inkml:context xml:id="ctx0">
+      <inkml:inkSource xml:id="inkSrc0">
+        <inkml:traceFormat>
+          <inkml:channel name="X" type="integer" min="-2.14748E9" max="2.14748E9" units="cm"/>
+          <inkml:channel name="Y" type="integer" min="-2.14748E9" max="2.14748E9" units="cm"/>
+          <inkml:channel name="F" type="integer" max="32767" units="dev"/>
+        </inkml:traceFormat>
+        <inkml:channelProperties>
+          <inkml:channelProperty channel="X" name="resolution" value="1000" units="1/cm"/>
+          <inkml:channelProperty channel="Y" name="resolution" value="1000" units="1/cm"/>
+          <inkml:channelProperty channel="F" name="resolution" value="0" units="1/dev"/>
+        </inkml:channelProperties>
+      </inkml:inkSource>
+      <inkml:timestamp xml:id="ts0" timeString="2024-01-12T05:28:41.431"/>
+    </inkml:context>
+    <inkml:brush xml:id="br0">
+      <inkml:brushProperty name="width" value="0.05" units="cm"/>
+      <inkml:brushProperty name="height" value="0.05" units="cm"/>
+      <inkml:brushProperty name="color" value="#E71224"/>
+    </inkml:brush>
+  </inkml:definitions>
+  <inkml:trace contextRef="#ctx0" brushRef="#br0">494 1 24575,'-16'9'0,"0"1"0,1 1 0,0 0 0,-13 14 0,-4 1 0,-11 9 0,-30 24 0,2 2 0,-75 85 0,141-140 0,1 1 0,0-1 0,0 1 0,0 0 0,1 0 0,0 0 0,1 0 0,0 1 0,0-1 0,0 1 0,1-1 0,0 1 0,0 12 0,2 9 0,1 0 0,7 38 0,-7-56 0,7 37 3,2 0 0,2-1 0,2-1 0,2 0 1,2-1-1,2-1 0,2-1 0,46 64 0,-36-63-71,2-1 1,2-2-1,2-2 1,1-1 0,2-2-1,1-2 1,70 42-1,-44-38 52,3-2 1,0-3-1,2-4 0,1-3 0,1-3 0,98 16 0,-102-28 17,0-2 1,1-4-1,-1-3 0,1-3 0,0-3 1,139-27-1,-170 21-1,0-2 0,-1-2 0,-1-2 0,0-1 0,-1-2 0,-1-2 0,-1-1 0,-1-2 0,-2-2 0,0-1 0,-1-1 0,-2-2 0,-1-1 0,32-45 0,-13 11 98,-3-3-1,-4-2 1,-2-1 0,38-99 0,-52 103-77,-3-1 0,-3-1 0,-3 0-1,-3-1 1,5-87 0,-17 135-21,0 1 0,-1-1 0,-3-34 0,2 51 0,-1 0 0,0 0 0,0 0 0,0 0 0,0 0 0,-1 0 0,0 0 0,0 1 0,-1-1 0,1 1 0,-1-1 0,0 1 0,0 0 0,0 0 0,0 0 0,-6-4 0,0 1 0,-1 1 0,1 0 0,-1 1 0,-1 0 0,1 1 0,-1 0 0,-12-4 0,-84-12 0,90 18 0,-258-34 0,-482 0 0,749 36-76,1 1 1,-1 0-1,1 0 0,-1 1 0,1 0 0,0 0 0,0 1 0,-1-1 1,2 2-1,-1-1 0,0 1 0,1 0 0,0 0 0,-1 1 1,2 0-1,-1 0 0,-7 8 0,-25 25-6750</inkml:trace>
+</inkml:ink>
+</file>
+
+<file path=ppt/ink/ink25.xml><?xml version="1.0" encoding="utf-8"?>
+<inkml:ink xmlns:inkml="http://www.w3.org/2003/InkML">
+  <inkml:definitions>
+    <inkml:context xml:id="ctx0">
+      <inkml:inkSource xml:id="inkSrc0">
+        <inkml:traceFormat>
+          <inkml:channel name="X" type="integer" min="-2.14748E9" max="2.14748E9" units="cm"/>
+          <inkml:channel name="Y" type="integer" min="-2.14748E9" max="2.14748E9" units="cm"/>
+          <inkml:channel name="F" type="integer" max="32767" units="dev"/>
+        </inkml:traceFormat>
+        <inkml:channelProperties>
+          <inkml:channelProperty channel="X" name="resolution" value="1000" units="1/cm"/>
+          <inkml:channelProperty channel="Y" name="resolution" value="1000" units="1/cm"/>
+          <inkml:channelProperty channel="F" name="resolution" value="0" units="1/dev"/>
+        </inkml:channelProperties>
+      </inkml:inkSource>
+      <inkml:timestamp xml:id="ts0" timeString="2024-01-12T05:28:42.609"/>
+    </inkml:context>
+    <inkml:brush xml:id="br0">
+      <inkml:brushProperty name="width" value="0.05" units="cm"/>
+      <inkml:brushProperty name="height" value="0.05" units="cm"/>
+      <inkml:brushProperty name="color" value="#E71224"/>
+    </inkml:brush>
+  </inkml:definitions>
+  <inkml:trace contextRef="#ctx0" brushRef="#br0">1 362 24575,'5'-1'0,"0"0"0,0-1 0,0 0 0,0 0 0,-1 0 0,1 0 0,0-1 0,-1 0 0,0 0 0,1 0 0,-1-1 0,5-5 0,1 1 0,88-79 0,-61 51 0,2 2 0,2 2 0,82-51 0,-106 75 0,-1 1 0,1 1 0,0 0 0,1 2 0,-1 0 0,1 1 0,18-1 0,130 2 0,-104 3 0,424 4 0,-441-3 0,0 2 0,0 1 0,-1 3 0,1 1 0,-2 3 0,0 1 0,45 20 0,-80-28-106,1 1 1,-1 0-1,0 0 0,0 1 0,-1 0 0,0 0 1,0 1-1,-1-1 0,0 2 0,10 16 0,-14-22-95,10 15-6625</inkml:trace>
+</inkml:ink>
+</file>
+
+<file path=ppt/ink/ink26.xml><?xml version="1.0" encoding="utf-8"?>
+<inkml:ink xmlns:inkml="http://www.w3.org/2003/InkML">
+  <inkml:definitions>
+    <inkml:context xml:id="ctx0">
+      <inkml:inkSource xml:id="inkSrc0">
+        <inkml:traceFormat>
+          <inkml:channel name="X" type="integer" min="-2.14748E9" max="2.14748E9" units="cm"/>
+          <inkml:channel name="Y" type="integer" min="-2.14748E9" max="2.14748E9" units="cm"/>
+          <inkml:channel name="F" type="integer" max="32767" units="dev"/>
+        </inkml:traceFormat>
+        <inkml:channelProperties>
+          <inkml:channelProperty channel="X" name="resolution" value="1000" units="1/cm"/>
+          <inkml:channelProperty channel="Y" name="resolution" value="1000" units="1/cm"/>
+          <inkml:channelProperty channel="F" name="resolution" value="0" units="1/dev"/>
+        </inkml:channelProperties>
+      </inkml:inkSource>
+      <inkml:timestamp xml:id="ts0" timeString="2024-01-12T05:28:44.401"/>
+    </inkml:context>
+    <inkml:brush xml:id="br0">
+      <inkml:brushProperty name="width" value="0.05" units="cm"/>
+      <inkml:brushProperty name="height" value="0.05" units="cm"/>
+      <inkml:brushProperty name="color" value="#E71224"/>
+    </inkml:brush>
+  </inkml:definitions>
+  <inkml:trace contextRef="#ctx0" brushRef="#br0">652 26 24575,'-3'-2'0,"0"0"0,0 0 0,0 0 0,0 0 0,-1 1 0,1-1 0,-1 1 0,1 0 0,-1 0 0,1 0 0,-6 0 0,-46-3 0,35 4 0,-28-3 0,1 3 0,-1 1 0,-60 10 0,86-6 0,0 0 0,0 1 0,0 1 0,1 1 0,0 1 0,0 0 0,1 2 0,1 1 0,-19 13 0,31-20 0,-28 23 0,25-13 0,10-14 0,0-1 0,0 1 0,0-1 0,-1 1 0,1-1 0,0 0 0,0 1 0,0-1 0,0 1 0,1-1 0,-1 1 0,0-1 0,0 1 0,0-1 0,0 1 0,0-1 0,0 1 0,1-1 0,-1 0 0,0 1 0,0-1 0,1 1 0,-1-1 0,0 0 0,1 1 0,-1-1 0,0 0 0,1 0 0,0 1 0,9 5 0,1-1 0,1 0 0,-1-1 0,1 0 0,-1-1 0,1 0 0,15 1 0,18 6 0,208 75 0,-182-59 0,-68-25 0,-1 0 0,0-1 0,0 1 0,1 0 0,-1 0 0,0 0 0,0 0 0,0 1 0,0-1 0,0 1 0,0-1 0,0 1 0,0 0 0,-1 0 0,1-1 0,-1 1 0,1 0 0,-1 0 0,0 1 0,0-1 0,0 0 0,0 0 0,1 3 0,-2 0 0,0-1 0,0 0 0,-1 0 0,1 0 0,-1 0 0,0 0 0,0 0 0,-1 0 0,1 0 0,-1-1 0,0 1 0,-4 6 0,-10 16 0,-1-1 0,-1 0 0,-2-2 0,0 0 0,-34 29 0,14-19 0,-1-1 0,-64 36 0,76-52-1365,5-5-5461</inkml:trace>
+</inkml:ink>
+</file>
+
+<file path=ppt/ink/ink27.xml><?xml version="1.0" encoding="utf-8"?>
+<inkml:ink xmlns:inkml="http://www.w3.org/2003/InkML">
+  <inkml:definitions>
+    <inkml:context xml:id="ctx0">
+      <inkml:inkSource xml:id="inkSrc0">
+        <inkml:traceFormat>
+          <inkml:channel name="X" type="integer" min="-2.14748E9" max="2.14748E9" units="cm"/>
+          <inkml:channel name="Y" type="integer" min="-2.14748E9" max="2.14748E9" units="cm"/>
+          <inkml:channel name="F" type="integer" max="32767" units="dev"/>
+        </inkml:traceFormat>
+        <inkml:channelProperties>
+          <inkml:channelProperty channel="X" name="resolution" value="1000" units="1/cm"/>
+          <inkml:channelProperty channel="Y" name="resolution" value="1000" units="1/cm"/>
+          <inkml:channelProperty channel="F" name="resolution" value="0" units="1/dev"/>
+        </inkml:channelProperties>
+      </inkml:inkSource>
+      <inkml:timestamp xml:id="ts0" timeString="2024-01-12T05:30:04.193"/>
+    </inkml:context>
+    <inkml:brush xml:id="br0">
+      <inkml:brushProperty name="width" value="0.05" units="cm"/>
+      <inkml:brushProperty name="height" value="0.05" units="cm"/>
+      <inkml:brushProperty name="color" value="#E71224"/>
+    </inkml:brush>
+  </inkml:definitions>
+  <inkml:trace contextRef="#ctx0" brushRef="#br0">1 1 24575,'3'0'0,"1"1"0,0 0 0,0 1 0,-1-1 0,1 1 0,-1 0 0,1-1 0,-1 1 0,0 1 0,0-1 0,0 0 0,4 5 0,19 12 0,-1-10 0,-1 0 0,1-2 0,0-1 0,1-1 0,-1-1 0,40 1 0,-31-2 0,1465 113 0,-927-76 0,30 21 0,-320-28 0,-24 1-1365,-223-31-5461</inkml:trace>
+</inkml:ink>
+</file>
+
+<file path=ppt/ink/ink28.xml><?xml version="1.0" encoding="utf-8"?>
+<inkml:ink xmlns:inkml="http://www.w3.org/2003/InkML">
+  <inkml:definitions>
+    <inkml:context xml:id="ctx0">
+      <inkml:inkSource xml:id="inkSrc0">
+        <inkml:traceFormat>
+          <inkml:channel name="X" type="integer" min="-2.14748E9" max="2.14748E9" units="cm"/>
+          <inkml:channel name="Y" type="integer" min="-2.14748E9" max="2.14748E9" units="cm"/>
+          <inkml:channel name="F" type="integer" max="32767" units="dev"/>
+        </inkml:traceFormat>
+        <inkml:channelProperties>
+          <inkml:channelProperty channel="X" name="resolution" value="1000" units="1/cm"/>
+          <inkml:channelProperty channel="Y" name="resolution" value="1000" units="1/cm"/>
+          <inkml:channelProperty channel="F" name="resolution" value="0" units="1/dev"/>
+        </inkml:channelProperties>
+      </inkml:inkSource>
+      <inkml:timestamp xml:id="ts0" timeString="2024-01-12T05:30:06.046"/>
+    </inkml:context>
+    <inkml:brush xml:id="br0">
+      <inkml:brushProperty name="width" value="0.05" units="cm"/>
+      <inkml:brushProperty name="height" value="0.05" units="cm"/>
+      <inkml:brushProperty name="color" value="#E71224"/>
+    </inkml:brush>
+  </inkml:definitions>
+  <inkml:trace contextRef="#ctx0" brushRef="#br0">1665 0 24575,'-1638'0'-1365,"1611"0"-5461</inkml:trace>
+</inkml:ink>
+</file>
+
+<file path=ppt/ink/ink29.xml><?xml version="1.0" encoding="utf-8"?>
+<inkml:ink xmlns:inkml="http://www.w3.org/2003/InkML">
+  <inkml:definitions>
+    <inkml:context xml:id="ctx0">
+      <inkml:inkSource xml:id="inkSrc0">
+        <inkml:traceFormat>
+          <inkml:channel name="X" type="integer" min="-2.14748E9" max="2.14748E9" units="cm"/>
+          <inkml:channel name="Y" type="integer" min="-2.14748E9" max="2.14748E9" units="cm"/>
+          <inkml:channel name="F" type="integer" max="32767" units="dev"/>
+        </inkml:traceFormat>
+        <inkml:channelProperties>
+          <inkml:channelProperty channel="X" name="resolution" value="1000" units="1/cm"/>
+          <inkml:channelProperty channel="Y" name="resolution" value="1000" units="1/cm"/>
+          <inkml:channelProperty channel="F" name="resolution" value="0" units="1/dev"/>
+        </inkml:channelProperties>
+      </inkml:inkSource>
+      <inkml:timestamp xml:id="ts0" timeString="2024-01-12T05:30:07.155"/>
+    </inkml:context>
+    <inkml:brush xml:id="br0">
+      <inkml:brushProperty name="width" value="0.05" units="cm"/>
+      <inkml:brushProperty name="height" value="0.05" units="cm"/>
+      <inkml:brushProperty name="color" value="#E71224"/>
+    </inkml:brush>
+  </inkml:definitions>
+  <inkml:trace contextRef="#ctx0" brushRef="#br0">0 1 24575,'197'-1'0,"214"3"0,-352 3 0,102 21 0,-93-13 0,8-6-1365,-56-6-5461</inkml:trace>
+</inkml:ink>
+</file>
+
+<file path=ppt/ink/ink3.xml><?xml version="1.0" encoding="utf-8"?>
+<inkml:ink xmlns:inkml="http://www.w3.org/2003/InkML">
+  <inkml:definitions>
+    <inkml:context xml:id="ctx0">
+      <inkml:inkSource xml:id="inkSrc0">
+        <inkml:traceFormat>
+          <inkml:channel name="X" type="integer" min="-2.14748E9" max="2.14748E9" units="cm"/>
+          <inkml:channel name="Y" type="integer" min="-2.14748E9" max="2.14748E9" units="cm"/>
+          <inkml:channel name="F" type="integer" max="32767" units="dev"/>
+        </inkml:traceFormat>
+        <inkml:channelProperties>
+          <inkml:channelProperty channel="X" name="resolution" value="1000" units="1/cm"/>
+          <inkml:channelProperty channel="Y" name="resolution" value="1000" units="1/cm"/>
+          <inkml:channelProperty channel="F" name="resolution" value="0" units="1/dev"/>
+        </inkml:channelProperties>
+      </inkml:inkSource>
+      <inkml:timestamp xml:id="ts0" timeString="2024-01-12T05:25:24.792"/>
+    </inkml:context>
+    <inkml:brush xml:id="br0">
+      <inkml:brushProperty name="width" value="0.05" units="cm"/>
+      <inkml:brushProperty name="height" value="0.05" units="cm"/>
+      <inkml:brushProperty name="color" value="#E71224"/>
+    </inkml:brush>
+  </inkml:definitions>
+  <inkml:trace contextRef="#ctx0" brushRef="#br0">1 1 24575,'4'0'0,"6"4"0,6 23 0,12 42 0,7 56 0,10 68 0,1 78 0,2 58-1997,6 69 1997,6 47-2824,-2 27 2824,-7-15 0,-4-43 0,-9-73 0,-12-109 0,-14-123 0,-9-98 0,-6-51-3370</inkml:trace>
+</inkml:ink>
+</file>
+
+<file path=ppt/ink/ink30.xml><?xml version="1.0" encoding="utf-8"?>
+<inkml:ink xmlns:inkml="http://www.w3.org/2003/InkML">
+  <inkml:definitions>
+    <inkml:context xml:id="ctx0">
+      <inkml:inkSource xml:id="inkSrc0">
+        <inkml:traceFormat>
+          <inkml:channel name="X" type="integer" min="-2.14748E9" max="2.14748E9" units="cm"/>
+          <inkml:channel name="Y" type="integer" min="-2.14748E9" max="2.14748E9" units="cm"/>
+          <inkml:channel name="F" type="integer" max="32767" units="dev"/>
+        </inkml:traceFormat>
+        <inkml:channelProperties>
+          <inkml:channelProperty channel="X" name="resolution" value="1000" units="1/cm"/>
+          <inkml:channelProperty channel="Y" name="resolution" value="1000" units="1/cm"/>
+          <inkml:channelProperty channel="F" name="resolution" value="0" units="1/dev"/>
+        </inkml:channelProperties>
+      </inkml:inkSource>
+      <inkml:timestamp xml:id="ts0" timeString="2024-01-12T05:30:26.878"/>
+    </inkml:context>
+    <inkml:brush xml:id="br0">
+      <inkml:brushProperty name="width" value="0.05" units="cm"/>
+      <inkml:brushProperty name="height" value="0.05" units="cm"/>
+      <inkml:brushProperty name="color" value="#E71224"/>
+    </inkml:brush>
+  </inkml:definitions>
+  <inkml:trace contextRef="#ctx0" brushRef="#br0">166 157 24575,'25'291'0,"-11"-178"0,-5-32 0,22 327 0,-33-52 0,2-351 0,0-1 0,0 1 0,0-1 0,1 1 0,-1-1 0,1 1 0,0-1 0,1 0 0,-1 1 0,1-1 0,-1 0 0,1 0 0,1 0 0,2 4 0,-2-5 0,0 0 0,0-1 0,0 1 0,0-1 0,1 0 0,-1 0 0,1-1 0,-1 1 0,1-1 0,0 1 0,-1-1 0,1 0 0,0-1 0,0 1 0,0-1 0,0 1 0,4-1 0,52-1 0,121-15 0,-63 2 0,350-7 0,-465 21 0,6 0 0,-1 0 0,0-1 0,0 1 0,0-1 0,12-4 0,-17 4 0,-1 0 0,1 0 0,-1 0 0,0-1 0,1 1 0,-1-1 0,0 0 0,0 1 0,0-1 0,0 0 0,-1 0 0,1 0 0,0 0 0,-1-1 0,1 1 0,-1 0 0,0-1 0,0 1 0,0-1 0,1-3 0,3-11 0,-2 0 0,0-1 0,-1 1 0,1-25 0,-7-75 0,1 59 0,7-537 0,7 154 0,-11 438 0,0 0 0,0-1 0,0 1 0,0 0 0,-1 0 0,1 0 0,-1 0 0,1 0 0,-1 0 0,0 1 0,0-1 0,-1 0 0,1 0 0,0 1 0,-1-1 0,0 0 0,0 1 0,0 0 0,-4-5 0,2 5 0,-1-1 0,0 1 0,0 0 0,0 0 0,0 1 0,0-1 0,-1 1 0,1 0 0,0 1 0,0-1 0,-10 1 0,-70 0 0,-110 15 0,-88 25 0,253-35 0,-137 26 0,-77 10 0,58-16 0,266-42 0,-51 10 0,0 1 0,1 1 0,49-2 0,-76 7 0,0 0 0,0 1 0,-1-1 0,1 1 0,0-1 0,-1 1 0,1 0 0,-1 0 0,1 0 0,-1 0 0,1 0 0,-1 1 0,0-1 0,0 1 0,1 0 0,-1-1 0,2 3 0,-1 0 0,0 0 0,-1 0 0,1 1 0,-1-1 0,1 0 0,-1 1 0,-1-1 0,3 10 0,0 6 0,-1 0 0,-1 0 0,-1 34 0,-1-38 0,-8 350-1365,7-311-5461</inkml:trace>
+</inkml:ink>
+</file>
+
+<file path=ppt/ink/ink31.xml><?xml version="1.0" encoding="utf-8"?>
+<inkml:ink xmlns:inkml="http://www.w3.org/2003/InkML">
+  <inkml:definitions>
+    <inkml:context xml:id="ctx0">
+      <inkml:inkSource xml:id="inkSrc0">
+        <inkml:traceFormat>
+          <inkml:channel name="X" type="integer" min="-2.14748E9" max="2.14748E9" units="cm"/>
+          <inkml:channel name="Y" type="integer" min="-2.14748E9" max="2.14748E9" units="cm"/>
+          <inkml:channel name="F" type="integer" max="32767" units="dev"/>
+        </inkml:traceFormat>
+        <inkml:channelProperties>
+          <inkml:channelProperty channel="X" name="resolution" value="1000" units="1/cm"/>
+          <inkml:channelProperty channel="Y" name="resolution" value="1000" units="1/cm"/>
+          <inkml:channelProperty channel="F" name="resolution" value="0" units="1/dev"/>
+        </inkml:channelProperties>
+      </inkml:inkSource>
+      <inkml:timestamp xml:id="ts0" timeString="2024-01-12T05:30:45.753"/>
+    </inkml:context>
+    <inkml:brush xml:id="br0">
+      <inkml:brushProperty name="width" value="0.05" units="cm"/>
+      <inkml:brushProperty name="height" value="0.05" units="cm"/>
+      <inkml:brushProperty name="color" value="#E71224"/>
+    </inkml:brush>
+  </inkml:definitions>
+  <inkml:trace contextRef="#ctx0" brushRef="#br0">1 26 24575,'25'-2'0,"1"0"0,27-7 0,-24 4 0,36-2 0,357 7 0,-382 4 0,0 1 0,-1 1 0,0 3 0,49 17 0,72 28 0,-115-40 0,80 15 0,-10-4 0,90 46 0,-11-4 0,-163-60 0,1-2 0,0-1 0,0-1 0,48-2 0,11 1 0,-57 1 0,-1 2 0,46 14 0,30 4 0,-61-16-105,5 1-525,74 2 0,-105-10-6196</inkml:trace>
+</inkml:ink>
+</file>
+
+<file path=ppt/ink/ink32.xml><?xml version="1.0" encoding="utf-8"?>
+<inkml:ink xmlns:inkml="http://www.w3.org/2003/InkML">
+  <inkml:definitions>
+    <inkml:context xml:id="ctx0">
+      <inkml:inkSource xml:id="inkSrc0">
+        <inkml:traceFormat>
+          <inkml:channel name="X" type="integer" min="-2.14748E9" max="2.14748E9" units="cm"/>
+          <inkml:channel name="Y" type="integer" min="-2.14748E9" max="2.14748E9" units="cm"/>
+          <inkml:channel name="F" type="integer" max="32767" units="dev"/>
+        </inkml:traceFormat>
+        <inkml:channelProperties>
+          <inkml:channelProperty channel="X" name="resolution" value="1000" units="1/cm"/>
+          <inkml:channelProperty channel="Y" name="resolution" value="1000" units="1/cm"/>
+          <inkml:channelProperty channel="F" name="resolution" value="0" units="1/dev"/>
+        </inkml:channelProperties>
+      </inkml:inkSource>
+      <inkml:timestamp xml:id="ts0" timeString="2024-01-12T05:30:53.681"/>
+    </inkml:context>
+    <inkml:brush xml:id="br0">
+      <inkml:brushProperty name="width" value="0.05" units="cm"/>
+      <inkml:brushProperty name="height" value="0.05" units="cm"/>
+      <inkml:brushProperty name="color" value="#E71224"/>
+    </inkml:brush>
+  </inkml:definitions>
+  <inkml:trace contextRef="#ctx0" brushRef="#br0">277 156 24575,'0'741'0,"-1"-738"0,1-1 0,0 1 0,0 0 0,0-1 0,0 1 0,1 0 0,-1-1 0,1 1 0,-1 0 0,1-1 0,0 1 0,0-1 0,0 0 0,1 1 0,-1-1 0,0 0 0,1 1 0,0-1 0,-1 0 0,4 2 0,0-1 0,0-1 0,0 1 0,1-1 0,-1-1 0,1 1 0,-1-1 0,1 0 0,0 0 0,11 0 0,437 6 12,-200-8-251,691 24-470,86 1 281,-893-26 428,-52 0 0,105 11 0,-173-6 254,0 1 0,23 8 0,21 4 348,-58-16-602,-1 1 0,1-2 0,0 1 0,0 0 0,0-1 0,0 0 0,0 0 0,0 0 0,-1 0 0,1 0 0,0-1 0,-1 0 0,1 0 0,-1 0 0,0 0 0,0 0 0,0-1 0,0 1 0,0-1 0,4-5 0,6-7 0,-1-1 0,19-32 0,-19 28 0,-1 1 0,0-1 0,-2-1 0,0 0 0,-2 0 0,0 0 0,4-26 0,-2-3 0,3-82 0,-10-140 0,-4 131 0,2 134 0,0-1 0,0 1 0,-1 0 0,0-1 0,0 1 0,-1 0 0,-3-8 0,4 12 0,0 0 0,-1 1 0,1-1 0,-1 1 0,0 0 0,0-1 0,0 1 0,0 0 0,0 0 0,0 0 0,0 0 0,-1 0 0,1 1 0,-1-1 0,1 1 0,-1 0 0,0-1 0,0 1 0,1 0 0,-5 0 0,-23-4 0,0 1 0,0 2 0,0 1 0,-47 4 0,15-1 0,-555 2 0,589-3 0,1 2 0,-30 6 0,27-4 0,-49 4 0,-251-9 0,103-1 0,-265 31 0,341-13 0,-128 20 0,232-29 0,0-3 0,0-2 0,0-1 0,-1-3 0,1-2 0,0-2 0,0-2 0,1-2 0,-52-18 0,57 18 0,0 2 0,-75-4 0,79 9 0,1-1 0,0-2 0,0-1 0,-49-16 0,37 4-101,28 9-80,0 1 1,-1 1-1,0 1 1,0 1-1,0 1 1,-34-3-1,34 7-6645</inkml:trace>
+</inkml:ink>
+</file>
+
+<file path=ppt/ink/ink33.xml><?xml version="1.0" encoding="utf-8"?>
+<inkml:ink xmlns:inkml="http://www.w3.org/2003/InkML">
+  <inkml:definitions>
+    <inkml:context xml:id="ctx0">
+      <inkml:inkSource xml:id="inkSrc0">
+        <inkml:traceFormat>
+          <inkml:channel name="X" type="integer" min="-2.14748E9" max="2.14748E9" units="cm"/>
+          <inkml:channel name="Y" type="integer" min="-2.14748E9" max="2.14748E9" units="cm"/>
+          <inkml:channel name="F" type="integer" max="32767" units="dev"/>
+        </inkml:traceFormat>
+        <inkml:channelProperties>
+          <inkml:channelProperty channel="X" name="resolution" value="1000" units="1/cm"/>
+          <inkml:channelProperty channel="Y" name="resolution" value="1000" units="1/cm"/>
+          <inkml:channelProperty channel="F" name="resolution" value="0" units="1/dev"/>
+        </inkml:channelProperties>
+      </inkml:inkSource>
+      <inkml:timestamp xml:id="ts0" timeString="2024-01-12T05:31:45.772"/>
+    </inkml:context>
+    <inkml:brush xml:id="br0">
+      <inkml:brushProperty name="width" value="0.05" units="cm"/>
+      <inkml:brushProperty name="height" value="0.05" units="cm"/>
+      <inkml:brushProperty name="color" value="#E71224"/>
+    </inkml:brush>
+  </inkml:definitions>
+  <inkml:trace contextRef="#ctx0" brushRef="#br0">0 1 24575,'5'0'0,"5"8"0,10 12 0,10 20 0,13 24 0,3 19 0,8 13 0,2 2 0,1 3 0,-1 0 0,-1-3 0,2-1 0,10 13 0,-3-4 0,1-6 0,-6-21 0,-5-20 0,-11-19-8191</inkml:trace>
+</inkml:ink>
+</file>
+
+<file path=ppt/ink/ink34.xml><?xml version="1.0" encoding="utf-8"?>
+<inkml:ink xmlns:inkml="http://www.w3.org/2003/InkML">
+  <inkml:definitions>
+    <inkml:context xml:id="ctx0">
+      <inkml:inkSource xml:id="inkSrc0">
+        <inkml:traceFormat>
+          <inkml:channel name="X" type="integer" min="-2.14748E9" max="2.14748E9" units="cm"/>
+          <inkml:channel name="Y" type="integer" min="-2.14748E9" max="2.14748E9" units="cm"/>
+          <inkml:channel name="F" type="integer" max="32767" units="dev"/>
+        </inkml:traceFormat>
+        <inkml:channelProperties>
+          <inkml:channelProperty channel="X" name="resolution" value="1000" units="1/cm"/>
+          <inkml:channelProperty channel="Y" name="resolution" value="1000" units="1/cm"/>
+          <inkml:channelProperty channel="F" name="resolution" value="0" units="1/dev"/>
+        </inkml:channelProperties>
+      </inkml:inkSource>
+      <inkml:timestamp xml:id="ts0" timeString="2024-01-12T05:31:46.168"/>
+    </inkml:context>
+    <inkml:brush xml:id="br0">
+      <inkml:brushProperty name="width" value="0.05" units="cm"/>
+      <inkml:brushProperty name="height" value="0.05" units="cm"/>
+      <inkml:brushProperty name="color" value="#E71224"/>
+    </inkml:brush>
+  </inkml:definitions>
+  <inkml:trace contextRef="#ctx0" brushRef="#br0">317 1 24575,'-8'4'0,"-17"14"0,-12 14 0,-4 4 0,1 2 0,-3-3 0,8 3 0,4-2 0,8-2 0,4-7 0,5-8-8191</inkml:trace>
+</inkml:ink>
+</file>
+
+<file path=ppt/ink/ink35.xml><?xml version="1.0" encoding="utf-8"?>
+<inkml:ink xmlns:inkml="http://www.w3.org/2003/InkML">
+  <inkml:definitions>
+    <inkml:context xml:id="ctx0">
+      <inkml:inkSource xml:id="inkSrc0">
+        <inkml:traceFormat>
+          <inkml:channel name="X" type="integer" min="-2.14748E9" max="2.14748E9" units="cm"/>
+          <inkml:channel name="Y" type="integer" min="-2.14748E9" max="2.14748E9" units="cm"/>
+          <inkml:channel name="F" type="integer" max="32767" units="dev"/>
+        </inkml:traceFormat>
+        <inkml:channelProperties>
+          <inkml:channelProperty channel="X" name="resolution" value="1000" units="1/cm"/>
+          <inkml:channelProperty channel="Y" name="resolution" value="1000" units="1/cm"/>
+          <inkml:channelProperty channel="F" name="resolution" value="0" units="1/dev"/>
+        </inkml:channelProperties>
+      </inkml:inkSource>
+      <inkml:timestamp xml:id="ts0" timeString="2024-01-12T05:31:54.615"/>
+    </inkml:context>
+    <inkml:brush xml:id="br0">
+      <inkml:brushProperty name="width" value="0.05" units="cm"/>
+      <inkml:brushProperty name="height" value="0.05" units="cm"/>
+      <inkml:brushProperty name="color" value="#E71224"/>
+    </inkml:brush>
+  </inkml:definitions>
+  <inkml:trace contextRef="#ctx0" brushRef="#br0">0 474 24575,'13'0'0,"56"0"0,72-4 0,138-23 0,116-20 0,117-20-4842,65-1 4842,-13 5-2448,-67 1 2448,-106 11 0,-111 14-767,-103 9 767,-81 9-134</inkml:trace>
+</inkml:ink>
+</file>
+
+<file path=ppt/ink/ink36.xml><?xml version="1.0" encoding="utf-8"?>
+<inkml:ink xmlns:inkml="http://www.w3.org/2003/InkML">
+  <inkml:definitions>
+    <inkml:context xml:id="ctx0">
+      <inkml:inkSource xml:id="inkSrc0">
+        <inkml:traceFormat>
+          <inkml:channel name="X" type="integer" min="-2.14748E9" max="2.14748E9" units="cm"/>
+          <inkml:channel name="Y" type="integer" min="-2.14748E9" max="2.14748E9" units="cm"/>
+          <inkml:channel name="F" type="integer" max="32767" units="dev"/>
+        </inkml:traceFormat>
+        <inkml:channelProperties>
+          <inkml:channelProperty channel="X" name="resolution" value="1000" units="1/cm"/>
+          <inkml:channelProperty channel="Y" name="resolution" value="1000" units="1/cm"/>
+          <inkml:channelProperty channel="F" name="resolution" value="0" units="1/dev"/>
+        </inkml:channelProperties>
+      </inkml:inkSource>
+      <inkml:timestamp xml:id="ts0" timeString="2024-01-12T05:31:55.246"/>
+    </inkml:context>
+    <inkml:brush xml:id="br0">
+      <inkml:brushProperty name="width" value="0.05" units="cm"/>
+      <inkml:brushProperty name="height" value="0.05" units="cm"/>
+      <inkml:brushProperty name="color" value="#E71224"/>
+    </inkml:brush>
+  </inkml:definitions>
+  <inkml:trace contextRef="#ctx0" brushRef="#br0">0 1 24575,'10'0'0,"-6"0"0,1-1 0,-1 1 0,1 0 0,-1 1 0,1-1 0,-1 1 0,1-1 0,-1 1 0,0 1 0,1-1 0,-1 1 0,0-1 0,0 1 0,0 1 0,0-1 0,0 0 0,0 1 0,3 3 0,40 37 0,285 257 0,101 53 0,-415-340 0,-11-8 0,1 0 0,-1 0 0,0 1 0,-1 0 0,1 0 0,-1 1 0,0-1 0,-1 1 0,0 1 0,6 10 0,-10-15 0,0-1 0,0 1 0,-1-1 0,0 1 0,1 0 0,-1-1 0,0 1 0,0 0 0,0 0 0,-1-1 0,1 1 0,-1 0 0,0-1 0,1 1 0,-1-1 0,0 1 0,0-1 0,-1 1 0,1-1 0,0 0 0,-1 1 0,1-1 0,-1 0 0,-2 2 0,-5 5 0,0-1 0,0 0 0,-1 0 0,-11 6 0,-346 188-394,299-168-577,13-5-5855</inkml:trace>
+</inkml:ink>
+</file>
+
+<file path=ppt/ink/ink37.xml><?xml version="1.0" encoding="utf-8"?>
+<inkml:ink xmlns:inkml="http://www.w3.org/2003/InkML">
+  <inkml:definitions>
+    <inkml:context xml:id="ctx0">
+      <inkml:inkSource xml:id="inkSrc0">
+        <inkml:traceFormat>
+          <inkml:channel name="X" type="integer" min="-2.14748E9" max="2.14748E9" units="cm"/>
+          <inkml:channel name="Y" type="integer" min="-2.14748E9" max="2.14748E9" units="cm"/>
+          <inkml:channel name="F" type="integer" max="32767" units="dev"/>
+        </inkml:traceFormat>
+        <inkml:channelProperties>
+          <inkml:channelProperty channel="X" name="resolution" value="1000" units="1/cm"/>
+          <inkml:channelProperty channel="Y" name="resolution" value="1000" units="1/cm"/>
+          <inkml:channelProperty channel="F" name="resolution" value="0" units="1/dev"/>
+        </inkml:channelProperties>
+      </inkml:inkSource>
+      <inkml:timestamp xml:id="ts0" timeString="2024-01-12T05:30:41.250"/>
+    </inkml:context>
+    <inkml:brush xml:id="br0">
+      <inkml:brushProperty name="width" value="0.05" units="cm"/>
+      <inkml:brushProperty name="height" value="0.05" units="cm"/>
+      <inkml:brushProperty name="color" value="#E71224"/>
+    </inkml:brush>
+  </inkml:definitions>
+  <inkml:trace contextRef="#ctx0" brushRef="#br0">1 0 24575,'-1'55'0,"3"63"0,-2-115 0,0-1 0,0 1 0,1-1 0,-1 1 0,1-1 0,-1 0 0,1 1 0,0-1 0,0 0 0,0 0 0,0 1 0,0-1 0,0 0 0,1 0 0,-1 0 0,1 0 0,0-1 0,-1 1 0,1 0 0,0-1 0,0 1 0,0-1 0,0 0 0,0 1 0,0-1 0,0 0 0,1 0 0,-1 0 0,0-1 0,1 1 0,-1-1 0,1 1 0,3-1 0,6 1 0,-1-1 0,1-1 0,-1 0 0,1-1 0,21-6 0,132-35 0,139-34 0,-48 23-1365,-202 43-5461</inkml:trace>
+</inkml:ink>
+</file>
+
+<file path=ppt/ink/ink38.xml><?xml version="1.0" encoding="utf-8"?>
+<inkml:ink xmlns:inkml="http://www.w3.org/2003/InkML">
+  <inkml:definitions>
+    <inkml:context xml:id="ctx0">
+      <inkml:inkSource xml:id="inkSrc0">
+        <inkml:traceFormat>
+          <inkml:channel name="X" type="integer" min="-2.14748E9" max="2.14748E9" units="cm"/>
+          <inkml:channel name="Y" type="integer" min="-2.14748E9" max="2.14748E9" units="cm"/>
+          <inkml:channel name="F" type="integer" max="32767" units="dev"/>
+        </inkml:traceFormat>
+        <inkml:channelProperties>
+          <inkml:channelProperty channel="X" name="resolution" value="1000" units="1/cm"/>
+          <inkml:channelProperty channel="Y" name="resolution" value="1000" units="1/cm"/>
+          <inkml:channelProperty channel="F" name="resolution" value="0" units="1/dev"/>
+        </inkml:channelProperties>
+      </inkml:inkSource>
+      <inkml:timestamp xml:id="ts0" timeString="2024-01-12T05:30:41.832"/>
+    </inkml:context>
+    <inkml:brush xml:id="br0">
+      <inkml:brushProperty name="width" value="0.05" units="cm"/>
+      <inkml:brushProperty name="height" value="0.05" units="cm"/>
+      <inkml:brushProperty name="color" value="#E71224"/>
+    </inkml:brush>
+  </inkml:definitions>
+  <inkml:trace contextRef="#ctx0" brushRef="#br0">1 85 24575,'1'20'0,"1"-1"0,1 1 0,0-1 0,2 0 0,0 0 0,1-1 0,1 1 0,1-1 0,1-1 0,0 0 0,1 0 0,1 0 0,0-2 0,19 21 0,-25-32 0,-1 1 0,1-1 0,1 0 0,-1-1 0,1 1 0,-1-1 0,1 0 0,0 0 0,0-1 0,0 0 0,1 0 0,-1 0 0,0-1 0,1 0 0,-1 0 0,1 0 0,-1-1 0,1 0 0,-1 0 0,1-1 0,-1 0 0,1 0 0,-1-1 0,11-3 0,11-6 0,-1-1 0,0-1 0,0-1 0,28-21 0,-27 17 0,50-27 0,1 4 0,2 3 0,1 4 0,2 4 0,2 3 0,0 4 0,169-23 0,-119 31-1365,-26 7-5461</inkml:trace>
+</inkml:ink>
+</file>
+
+<file path=ppt/ink/ink39.xml><?xml version="1.0" encoding="utf-8"?>
+<inkml:ink xmlns:inkml="http://www.w3.org/2003/InkML">
+  <inkml:definitions>
+    <inkml:context xml:id="ctx0">
+      <inkml:inkSource xml:id="inkSrc0">
+        <inkml:traceFormat>
+          <inkml:channel name="X" type="integer" min="-2.14748E9" max="2.14748E9" units="cm"/>
+          <inkml:channel name="Y" type="integer" min="-2.14748E9" max="2.14748E9" units="cm"/>
+          <inkml:channel name="F" type="integer" max="32767" units="dev"/>
+        </inkml:traceFormat>
+        <inkml:channelProperties>
+          <inkml:channelProperty channel="X" name="resolution" value="1000" units="1/cm"/>
+          <inkml:channelProperty channel="Y" name="resolution" value="1000" units="1/cm"/>
+          <inkml:channelProperty channel="F" name="resolution" value="0" units="1/dev"/>
+        </inkml:channelProperties>
+      </inkml:inkSource>
+      <inkml:timestamp xml:id="ts0" timeString="2024-01-12T05:30:42.303"/>
+    </inkml:context>
+    <inkml:brush xml:id="br0">
+      <inkml:brushProperty name="width" value="0.05" units="cm"/>
+      <inkml:brushProperty name="height" value="0.05" units="cm"/>
+      <inkml:brushProperty name="color" value="#E71224"/>
+    </inkml:brush>
+  </inkml:definitions>
+  <inkml:trace contextRef="#ctx0" brushRef="#br0">51 0 24575,'-4'9'0,"-2"11"0,-4 7 0,0 7 0,2 7 0,2 9 0,1 0 0,3-3 0,5-10 0,16-8 0,21-3 0,26-7 0,23-6 0,18-6 0,17 1 0,9-2 0,-19-1-8191</inkml:trace>
+</inkml:ink>
+</file>
+
+<file path=ppt/ink/ink4.xml><?xml version="1.0" encoding="utf-8"?>
+<inkml:ink xmlns:inkml="http://www.w3.org/2003/InkML">
+  <inkml:definitions>
+    <inkml:context xml:id="ctx0">
+      <inkml:inkSource xml:id="inkSrc0">
+        <inkml:traceFormat>
+          <inkml:channel name="X" type="integer" min="-2.14748E9" max="2.14748E9" units="cm"/>
+          <inkml:channel name="Y" type="integer" min="-2.14748E9" max="2.14748E9" units="cm"/>
+          <inkml:channel name="F" type="integer" max="32767" units="dev"/>
+        </inkml:traceFormat>
+        <inkml:channelProperties>
+          <inkml:channelProperty channel="X" name="resolution" value="1000" units="1/cm"/>
+          <inkml:channelProperty channel="Y" name="resolution" value="1000" units="1/cm"/>
+          <inkml:channelProperty channel="F" name="resolution" value="0" units="1/dev"/>
+        </inkml:channelProperties>
+      </inkml:inkSource>
+      <inkml:timestamp xml:id="ts0" timeString="2024-01-12T05:25:25.364"/>
+    </inkml:context>
+    <inkml:brush xml:id="br0">
+      <inkml:brushProperty name="width" value="0.05" units="cm"/>
+      <inkml:brushProperty name="height" value="0.05" units="cm"/>
+      <inkml:brushProperty name="color" value="#E71224"/>
+    </inkml:brush>
+  </inkml:definitions>
+  <inkml:trace contextRef="#ctx0" brushRef="#br0">1 0 24575,'93'154'0,"21"31"0,51 72-766,248 401-3187,-21-33 2753,17-18-36,105 76 1230,44-48 118,-247-346-93,-293-274-19,-8-6 190,1 1 0,0-1 0,1-1 0,0 0 0,0-1-1,0 0 1,27 9 0,-38-15-199,1-1-1,-1 0 0,0 1 1,0-1-1,0 0 0,0 0 0,0 0 1,1 0-1,-1 0 0,0 0 1,0 0-1,0 0 0,0 0 1,0-1-1,0 1 0,1-1 1,-1 1-1,0 0 0,2-2 1,5-14-2478</inkml:trace>
+</inkml:ink>
+</file>
+
+<file path=ppt/ink/ink40.xml><?xml version="1.0" encoding="utf-8"?>
+<inkml:ink xmlns:inkml="http://www.w3.org/2003/InkML">
+  <inkml:definitions>
+    <inkml:context xml:id="ctx0">
+      <inkml:inkSource xml:id="inkSrc0">
+        <inkml:traceFormat>
+          <inkml:channel name="X" type="integer" min="-2.14748E9" max="2.14748E9" units="cm"/>
+          <inkml:channel name="Y" type="integer" min="-2.14748E9" max="2.14748E9" units="cm"/>
+          <inkml:channel name="F" type="integer" max="32767" units="dev"/>
+        </inkml:traceFormat>
+        <inkml:channelProperties>
+          <inkml:channelProperty channel="X" name="resolution" value="1000" units="1/cm"/>
+          <inkml:channelProperty channel="Y" name="resolution" value="1000" units="1/cm"/>
+          <inkml:channelProperty channel="F" name="resolution" value="0" units="1/dev"/>
+        </inkml:channelProperties>
+      </inkml:inkSource>
+      <inkml:timestamp xml:id="ts0" timeString="2024-01-12T05:30:42.871"/>
+    </inkml:context>
+    <inkml:brush xml:id="br0">
+      <inkml:brushProperty name="width" value="0.05" units="cm"/>
+      <inkml:brushProperty name="height" value="0.05" units="cm"/>
+      <inkml:brushProperty name="color" value="#E71224"/>
+    </inkml:brush>
+  </inkml:definitions>
+  <inkml:trace contextRef="#ctx0" brushRef="#br0">2 968 24575,'0'19'0,"-1"-9"0,1 1 0,0-1 0,1 1 0,0-1 0,4 16 0,-3-23 0,-1 0 0,0 1 0,1-1 0,0 0 0,0 0 0,0 0 0,0 0 0,0 0 0,0-1 0,1 1 0,0-1 0,-1 1 0,1-1 0,0 0 0,0 0 0,0 0 0,0 0 0,0-1 0,1 1 0,5 1 0,4 0 0,0 0 0,1-1 0,-1 0 0,1-1 0,-1-1 0,1 0 0,-1-1 0,1 0 0,19-5 0,59-13 0,0-4 0,93-38 0,86-41-438,676-327-1833,-239 101 2234,-490 235-1240,-58 26-2891</inkml:trace>
+</inkml:ink>
+</file>
+
+<file path=ppt/ink/ink41.xml><?xml version="1.0" encoding="utf-8"?>
+<inkml:ink xmlns:inkml="http://www.w3.org/2003/InkML">
+  <inkml:definitions>
+    <inkml:context xml:id="ctx0">
+      <inkml:inkSource xml:id="inkSrc0">
+        <inkml:traceFormat>
+          <inkml:channel name="X" type="integer" min="-2.14748E9" max="2.14748E9" units="cm"/>
+          <inkml:channel name="Y" type="integer" min="-2.14748E9" max="2.14748E9" units="cm"/>
+          <inkml:channel name="F" type="integer" max="32767" units="dev"/>
+        </inkml:traceFormat>
+        <inkml:channelProperties>
+          <inkml:channelProperty channel="X" name="resolution" value="1000" units="1/cm"/>
+          <inkml:channelProperty channel="Y" name="resolution" value="1000" units="1/cm"/>
+          <inkml:channelProperty channel="F" name="resolution" value="0" units="1/dev"/>
+        </inkml:channelProperties>
+      </inkml:inkSource>
+      <inkml:timestamp xml:id="ts0" timeString="2024-01-12T05:31:51.995"/>
+    </inkml:context>
+    <inkml:brush xml:id="br0">
+      <inkml:brushProperty name="width" value="0.05" units="cm"/>
+      <inkml:brushProperty name="height" value="0.05" units="cm"/>
+      <inkml:brushProperty name="color" value="#E71224"/>
+    </inkml:brush>
+  </inkml:definitions>
+  <inkml:trace contextRef="#ctx0" brushRef="#br0">97 0 24575,'-1'37'0,"-8"40"0,0 7 0,2 288 0,-2 19 0,5-331 0,-6 182 0,10-234 0,0 1 0,1-1 0,0 0 0,0 1 0,1-1 0,0 0 0,0 0 0,1 0 0,0 0 0,7 11 0,-5-11 0,0-1 0,1 0 0,0 0 0,1-1 0,0 0 0,0 0 0,0 0 0,0-1 0,15 8 0,84 44 0,3-4 0,2-5 0,2-5 0,2-5 0,202 39 0,-214-62 0,1-4 0,152-4 0,210-34 0,-96 3 0,454 17 0,-510 8 0,-290-1 0,0-2 0,-1-1 0,1-1 0,-1-1 0,0 0 0,0-2 0,0-1 0,-1-1 0,25-13 0,-43 19 0,0 0 0,-1 0 0,1 0 0,-1 0 0,1 0 0,-1-1 0,0 1 0,0-1 0,-1 0 0,1 0 0,-1 0 0,0 0 0,0 0 0,0-1 0,2-8 0,1-6 0,-1-1 0,3-29 0,-4 21 0,26-259 0,-9-376 0,-20 638 0,-1 1 0,-1-1 0,-1 1 0,-8-37 0,7 51 0,1 0 0,-1 1 0,0-1 0,-1 1 0,0 0 0,-1 0 0,0 0 0,0 1 0,-1-1 0,0 2 0,-1-1 0,1 1 0,-11-8 0,-12-5 0,0 1 0,-1 2 0,0 1 0,-48-17 0,21 13 0,-104-21 0,94 29 0,-115-3 0,-71 14 0,194 2 0,-142 15 0,146-9 0,0-2 0,0-3 0,-105-9 0,112 0 0,-77-12 0,-139-2 0,170 20 0,-233-12 0,157 4 0,148 10 0,0 0 0,0 2 0,0 0 0,0 2 0,-30 10 0,5 3 0,0-2 0,-1-3 0,-96 14 0,-502 75-1161,630-99 957,-35 7-6622</inkml:trace>
+</inkml:ink>
+</file>
+
+<file path=ppt/ink/ink42.xml><?xml version="1.0" encoding="utf-8"?>
+<inkml:ink xmlns:inkml="http://www.w3.org/2003/InkML">
+  <inkml:definitions>
+    <inkml:context xml:id="ctx0">
+      <inkml:inkSource xml:id="inkSrc0">
+        <inkml:traceFormat>
+          <inkml:channel name="X" type="integer" min="-2.14748E9" max="2.14748E9" units="cm"/>
+          <inkml:channel name="Y" type="integer" min="-2.14748E9" max="2.14748E9" units="cm"/>
+          <inkml:channel name="F" type="integer" max="32767" units="dev"/>
+        </inkml:traceFormat>
+        <inkml:channelProperties>
+          <inkml:channelProperty channel="X" name="resolution" value="1000" units="1/cm"/>
+          <inkml:channelProperty channel="Y" name="resolution" value="1000" units="1/cm"/>
+          <inkml:channelProperty channel="F" name="resolution" value="0" units="1/dev"/>
+        </inkml:channelProperties>
+      </inkml:inkSource>
+      <inkml:timestamp xml:id="ts0" timeString="2024-01-12T05:31:53.230"/>
+    </inkml:context>
+    <inkml:brush xml:id="br0">
+      <inkml:brushProperty name="width" value="0.05" units="cm"/>
+      <inkml:brushProperty name="height" value="0.05" units="cm"/>
+      <inkml:brushProperty name="color" value="#E71224"/>
+    </inkml:brush>
+  </inkml:definitions>
+  <inkml:trace contextRef="#ctx0" brushRef="#br0">1 1 24575,'1'0'0,"0"0"0,0 1 0,0-1 0,0 1 0,-1-1 0,1 1 0,0-1 0,0 1 0,0-1 0,-1 1 0,1 0 0,0 0 0,-1-1 0,1 1 0,0 0 0,-1 0 0,1 0 0,-1 0 0,1 0 0,-1 0 0,0 0 0,1-1 0,-1 2 0,10 32 0,-7-23 0,48 173 0,64 197 0,-113-374 0,1 0 0,-1-1 0,1 1 0,1 0 0,-1-1 0,1 0 0,0 0 0,1 0 0,6 7 0,-8-11 0,0 0 0,0-1 0,-1 1 0,1-1 0,0 1 0,0-1 0,1 0 0,-1 0 0,0-1 0,0 1 0,0-1 0,1 1 0,-1-1 0,0 0 0,0 0 0,1 0 0,-1-1 0,0 1 0,0-1 0,1 0 0,-1 0 0,0 0 0,3-1 0,36-15 0,0-2 0,-2-2 0,52-34 0,-22 12 0,20-9-99,231-146-1167,-284 171-5560</inkml:trace>
+</inkml:ink>
+</file>
+
+<file path=ppt/ink/ink43.xml><?xml version="1.0" encoding="utf-8"?>
+<inkml:ink xmlns:inkml="http://www.w3.org/2003/InkML">
+  <inkml:definitions>
+    <inkml:context xml:id="ctx0">
+      <inkml:inkSource xml:id="inkSrc0">
+        <inkml:traceFormat>
+          <inkml:channel name="X" type="integer" min="-2.14748E9" max="2.14748E9" units="cm"/>
+          <inkml:channel name="Y" type="integer" min="-2.14748E9" max="2.14748E9" units="cm"/>
+          <inkml:channel name="F" type="integer" max="32767" units="dev"/>
+        </inkml:traceFormat>
+        <inkml:channelProperties>
+          <inkml:channelProperty channel="X" name="resolution" value="1000" units="1/cm"/>
+          <inkml:channelProperty channel="Y" name="resolution" value="1000" units="1/cm"/>
+          <inkml:channelProperty channel="F" name="resolution" value="0" units="1/dev"/>
+        </inkml:channelProperties>
+      </inkml:inkSource>
+      <inkml:timestamp xml:id="ts0" timeString="2024-01-12T05:31:58.872"/>
+    </inkml:context>
+    <inkml:brush xml:id="br0">
+      <inkml:brushProperty name="width" value="0.05" units="cm"/>
+      <inkml:brushProperty name="height" value="0.05" units="cm"/>
+      <inkml:brushProperty name="color" value="#E71224"/>
+    </inkml:brush>
+  </inkml:definitions>
+  <inkml:trace contextRef="#ctx0" brushRef="#br0">345 2 24575,'-1'366'0,"3"383"0,-2-720 0,0-13 0,0 1 0,0-1 0,2 0 0,0 0 0,1 0 0,7 22 0,-10-36 0,1 0 0,0 0 0,1 1 0,-1-1 0,0 0 0,1 0 0,-1 0 0,1 0 0,-1-1 0,1 1 0,0 0 0,0-1 0,0 1 0,0-1 0,0 1 0,0-1 0,0 0 0,0 0 0,5 2 0,0-2 0,-1 0 0,1 0 0,-1-1 0,1 0 0,-1 0 0,14-2 0,34-7 0,77-23 0,-53 11 0,488-102-269,-378 93 134,205-6 0,-302 36 135,0 3 0,0 5 0,123 26 0,555 116 539,-642-126-539,1-6 0,170 3 0,-63-22 0,264 10 0,-205 21 0,-291-29 0,1-1 0,-1 0 0,0 0 0,0 0 0,1 0 0,-1 0 0,0-1 0,0 1 0,0-1 0,1 0 0,-1 0 0,0 0 0,0-1 0,0 1 0,-1-1 0,1 1 0,0-1 0,0 0 0,-1 0 0,1 0 0,1-3 0,0-1 0,0 0 0,0 0 0,-1 0 0,0 0 0,-1-1 0,1 1 0,-1-1 0,0 1 0,1-10 0,31-215 0,-12 69 0,-8 59 0,22-105 0,-33 192 0,1-1 0,-2 1 0,0-1 0,-1 0 0,-3-31 0,1 41 0,1 0 0,-2 0 0,1 0 0,-1 1 0,0-1 0,0 1 0,-1-1 0,0 1 0,0 0 0,0 0 0,-1 0 0,0 0 0,0 1 0,-1 0 0,1-1 0,-11-7 0,-17-9 0,-1 1 0,-1 2 0,-42-17 0,-115-37 0,129 50 0,17 6 0,-2 2 0,0 3 0,0 1 0,-1 2 0,0 3 0,-75-1 0,94 7 0,-257-7 0,-53-14 0,143 11 0,-519-1 0,464 13 0,207-1 0,0 2 0,0 2 0,0 2 0,1 2 0,0 1 0,-51 21 0,60-22 0,-1 0 0,0-2 0,0-2 0,-1-1 0,-56-2 0,21 0 0,22 4 0,-1 1 0,2 3 0,-1 2 0,-66 26 0,87-29 0,-13 3 0,-65 9 0,5-2 0,-38 22 0,21-5 0,61-22 0,26-7 0,-57 20 0,34-8 0,-79 18 0,27-8 0,1 2-1365,5-1-5461</inkml:trace>
+</inkml:ink>
+</file>
+
+<file path=ppt/ink/ink44.xml><?xml version="1.0" encoding="utf-8"?>
+<inkml:ink xmlns:inkml="http://www.w3.org/2003/InkML">
+  <inkml:definitions>
+    <inkml:context xml:id="ctx0">
+      <inkml:inkSource xml:id="inkSrc0">
+        <inkml:traceFormat>
+          <inkml:channel name="X" type="integer" min="-2.14748E9" max="2.14748E9" units="cm"/>
+          <inkml:channel name="Y" type="integer" min="-2.14748E9" max="2.14748E9" units="cm"/>
+          <inkml:channel name="F" type="integer" max="32767" units="dev"/>
+        </inkml:traceFormat>
+        <inkml:channelProperties>
+          <inkml:channelProperty channel="X" name="resolution" value="1000" units="1/cm"/>
+          <inkml:channelProperty channel="Y" name="resolution" value="1000" units="1/cm"/>
+          <inkml:channelProperty channel="F" name="resolution" value="0" units="1/dev"/>
+        </inkml:channelProperties>
+      </inkml:inkSource>
+      <inkml:timestamp xml:id="ts0" timeString="2024-01-12T05:32:00.930"/>
+    </inkml:context>
+    <inkml:brush xml:id="br0">
+      <inkml:brushProperty name="width" value="0.05" units="cm"/>
+      <inkml:brushProperty name="height" value="0.05" units="cm"/>
+      <inkml:brushProperty name="color" value="#E71224"/>
+    </inkml:brush>
+  </inkml:definitions>
+  <inkml:trace contextRef="#ctx0" brushRef="#br0">53 1 24575,'-9'159'0,"2"-71"0,0 26 0,-22 661 0,28-770 0,1 1 0,0-1 0,1 1 0,0-1 0,-1 0 0,2 1 0,-1-1 0,0 0 0,1 0 0,0 0 0,1 0 0,2 6 0,0-6 0,-1 0 0,1-1 0,0 1 0,1-1 0,-1 0 0,1 0 0,-1-1 0,1 0 0,0 0 0,13 4 0,98 35-75,239 49 0,-310-81-24,540 102-1190,10-48 1329,-550-61 9,91-7 0,-126 3-135,0-1-1,0 0 0,0 0 1,0-1-1,-1 0 0,1-1 1,-1 0-1,0-1 0,0 0 1,0-1-1,-1 0 0,1 0 0,12-13 1,-8 3-5492</inkml:trace>
+</inkml:ink>
+</file>
+
+<file path=ppt/ink/ink45.xml><?xml version="1.0" encoding="utf-8"?>
+<inkml:ink xmlns:inkml="http://www.w3.org/2003/InkML">
+  <inkml:definitions>
+    <inkml:context xml:id="ctx0">
+      <inkml:inkSource xml:id="inkSrc0">
+        <inkml:traceFormat>
+          <inkml:channel name="X" type="integer" min="-2.14748E9" max="2.14748E9" units="cm"/>
+          <inkml:channel name="Y" type="integer" min="-2.14748E9" max="2.14748E9" units="cm"/>
+          <inkml:channel name="F" type="integer" max="32767" units="dev"/>
+        </inkml:traceFormat>
+        <inkml:channelProperties>
+          <inkml:channelProperty channel="X" name="resolution" value="1000" units="1/cm"/>
+          <inkml:channelProperty channel="Y" name="resolution" value="1000" units="1/cm"/>
+          <inkml:channelProperty channel="F" name="resolution" value="0" units="1/dev"/>
+        </inkml:channelProperties>
+      </inkml:inkSource>
+      <inkml:timestamp xml:id="ts0" timeString="2024-01-12T05:32:01.579"/>
+    </inkml:context>
+    <inkml:brush xml:id="br0">
+      <inkml:brushProperty name="width" value="0.05" units="cm"/>
+      <inkml:brushProperty name="height" value="0.05" units="cm"/>
+      <inkml:brushProperty name="color" value="#E71224"/>
+    </inkml:brush>
+  </inkml:definitions>
+  <inkml:trace contextRef="#ctx0" brushRef="#br0">184 0 24575,'-8'20'0,"0"0"0,1 1 0,-6 31 0,3-10 0,-3 6 0,-71 296 0,69-263 0,3 2 0,-1 110 0,13-183 0,0 0 0,1 0 0,1 0 0,0 0 0,0 0 0,1-1 0,0 1 0,0-1 0,1 0 0,1 0 0,-1 0 0,9 11 0,-3-7 0,0 0 0,1-2 0,1 1 0,-1-1 0,2-1 0,0 0 0,14 9 0,12 2 0,1-1 0,1-2 0,0-2 0,75 20 0,-15-13 0,0-5 0,143 8 0,209-13 0,-437-13 0,304-1-1365,-207-1-5461</inkml:trace>
+</inkml:ink>
+</file>
+
+<file path=ppt/ink/ink46.xml><?xml version="1.0" encoding="utf-8"?>
+<inkml:ink xmlns:inkml="http://www.w3.org/2003/InkML">
+  <inkml:definitions>
+    <inkml:context xml:id="ctx0">
+      <inkml:inkSource xml:id="inkSrc0">
+        <inkml:traceFormat>
+          <inkml:channel name="X" type="integer" min="-2.14748E9" max="2.14748E9" units="cm"/>
+          <inkml:channel name="Y" type="integer" min="-2.14748E9" max="2.14748E9" units="cm"/>
+          <inkml:channel name="F" type="integer" max="32767" units="dev"/>
+        </inkml:traceFormat>
+        <inkml:channelProperties>
+          <inkml:channelProperty channel="X" name="resolution" value="1000" units="1/cm"/>
+          <inkml:channelProperty channel="Y" name="resolution" value="1000" units="1/cm"/>
+          <inkml:channelProperty channel="F" name="resolution" value="0" units="1/dev"/>
+        </inkml:channelProperties>
+      </inkml:inkSource>
+      <inkml:timestamp xml:id="ts0" timeString="2024-01-12T05:32:02.301"/>
+    </inkml:context>
+    <inkml:brush xml:id="br0">
+      <inkml:brushProperty name="width" value="0.05" units="cm"/>
+      <inkml:brushProperty name="height" value="0.05" units="cm"/>
+      <inkml:brushProperty name="color" value="#E71224"/>
+    </inkml:brush>
+  </inkml:definitions>
+  <inkml:trace contextRef="#ctx0" brushRef="#br0">28 0 24575,'-12'173'0,"1"-41"0,7 245 0,8-280 0,32 175 0,-35-267 0,0 1 0,1-1 0,-1 0 0,1 0 0,0 0 0,0 0 0,6 9 0,-6-12 0,0 0 0,0 1 0,0-1 0,1 0 0,-1 0 0,0-1 0,1 1 0,0 0 0,-1-1 0,1 0 0,0 0 0,0 1 0,0-1 0,-1-1 0,7 2 0,14 1 0,1-1 0,42-1 0,-22-1 0,373 6 0,346-2 0,-695-7-682,103-18-1,-114 11-6143</inkml:trace>
+</inkml:ink>
+</file>
+
+<file path=ppt/ink/ink47.xml><?xml version="1.0" encoding="utf-8"?>
+<inkml:ink xmlns:inkml="http://www.w3.org/2003/InkML">
+  <inkml:definitions>
+    <inkml:context xml:id="ctx0">
+      <inkml:inkSource xml:id="inkSrc0">
+        <inkml:traceFormat>
+          <inkml:channel name="X" type="integer" min="-2.14748E9" max="2.14748E9" units="cm"/>
+          <inkml:channel name="Y" type="integer" min="-2.14748E9" max="2.14748E9" units="cm"/>
+          <inkml:channel name="F" type="integer" max="32767" units="dev"/>
+        </inkml:traceFormat>
+        <inkml:channelProperties>
+          <inkml:channelProperty channel="X" name="resolution" value="1000" units="1/cm"/>
+          <inkml:channelProperty channel="Y" name="resolution" value="1000" units="1/cm"/>
+          <inkml:channelProperty channel="F" name="resolution" value="0" units="1/dev"/>
+        </inkml:channelProperties>
+      </inkml:inkSource>
+      <inkml:timestamp xml:id="ts0" timeString="2024-01-12T05:32:04.373"/>
+    </inkml:context>
+    <inkml:brush xml:id="br0">
+      <inkml:brushProperty name="width" value="0.05" units="cm"/>
+      <inkml:brushProperty name="height" value="0.05" units="cm"/>
+      <inkml:brushProperty name="color" value="#E71224"/>
+    </inkml:brush>
+  </inkml:definitions>
+  <inkml:trace contextRef="#ctx0" brushRef="#br0">1 1816 24575,'0'5'0,"1"0"0,1 0 0,-1 0 0,1 0 0,0 0 0,0 0 0,0 0 0,0-1 0,1 1 0,3 4 0,5 9 0,261 438 0,-254-427 0,-9-12 0,1 0 0,1-1 0,15 16 0,-23-28 0,0-1 0,0 0 0,0 0 0,1 0 0,0 0 0,-1-1 0,1 1 0,0-1 0,0 0 0,0 0 0,1 0 0,-1-1 0,0 1 0,1-1 0,-1 0 0,1 0 0,-1-1 0,8 1 0,-2-3 0,0 0 0,1 0 0,-1-1 0,0 0 0,0 0 0,-1-1 0,14-8 0,130-81 0,77-66-412,89-63-1235,92-53 617,2201-1323-4303,-2479 1525 5316,-46 27 265</inkml:trace>
+</inkml:ink>
+</file>
+
+<file path=ppt/ink/ink48.xml><?xml version="1.0" encoding="utf-8"?>
+<inkml:ink xmlns:inkml="http://www.w3.org/2003/InkML">
+  <inkml:definitions>
+    <inkml:context xml:id="ctx0">
+      <inkml:inkSource xml:id="inkSrc0">
+        <inkml:traceFormat>
+          <inkml:channel name="X" type="integer" min="-2.14748E9" max="2.14748E9" units="cm"/>
+          <inkml:channel name="Y" type="integer" min="-2.14748E9" max="2.14748E9" units="cm"/>
+          <inkml:channel name="F" type="integer" max="32767" units="dev"/>
+        </inkml:traceFormat>
+        <inkml:channelProperties>
+          <inkml:channelProperty channel="X" name="resolution" value="1000" units="1/cm"/>
+          <inkml:channelProperty channel="Y" name="resolution" value="1000" units="1/cm"/>
+          <inkml:channelProperty channel="F" name="resolution" value="0" units="1/dev"/>
+        </inkml:channelProperties>
+      </inkml:inkSource>
+      <inkml:timestamp xml:id="ts0" timeString="2024-01-12T05:42:46.598"/>
+    </inkml:context>
+    <inkml:brush xml:id="br0">
+      <inkml:brushProperty name="width" value="0.05" units="cm"/>
+      <inkml:brushProperty name="height" value="0.05" units="cm"/>
+      <inkml:brushProperty name="color" value="#E71224"/>
+    </inkml:brush>
+  </inkml:definitions>
+  <inkml:trace contextRef="#ctx0" brushRef="#br0">1 0 24575,'33'67'0,"76"166"0,-31-28-108,54 233 0,-96-287-79,-7 2 1,14 224-1,-42-313 187,-3 0 0,-3 1 0,-2-1 0,-4-1 0,-2 0 0,-2 0 0,-4-2 0,-32 75 0,-30 91 650,72-194-629,2 1 0,2 1 0,0-1 0,3 1 0,1 36 0,5-20-16,3-1 0,1 0-1,3-1 1,2 0 0,36 88-1,1-25-186,86 139-1,373 495-1542,-171-271 1695,-317-443-33,120 193-194,-125-196 254,-2 1 0,-1 1 0,-1 0-1,-2 1 1,11 54 0,-19-71 68,-1 0 0,0 0 0,-1 1 0,-1-1 0,0 0 0,-7 26 0,-32 87 1466,24-81-1462,-96 300-322,17 4 1,-73 508 0,113-230-26,54-492 186,5 0-1,35 213 1,-33-313 130,15 103 547,-19-119-470,-2 0 0,0 0 0,-1 0 0,-7 37 0,-2-18 10,-2-1 0,-1 0 0,-25 50 0,-66 104-143,97-181 26,-111 179-463,-8-6 0,-191 217 0,294-375-6371</inkml:trace>
+</inkml:ink>
+</file>
+
+<file path=ppt/ink/ink49.xml><?xml version="1.0" encoding="utf-8"?>
+<inkml:ink xmlns:inkml="http://www.w3.org/2003/InkML">
+  <inkml:definitions>
+    <inkml:context xml:id="ctx0">
+      <inkml:inkSource xml:id="inkSrc0">
+        <inkml:traceFormat>
+          <inkml:channel name="X" type="integer" min="-2.14748E9" max="2.14748E9" units="cm"/>
+          <inkml:channel name="Y" type="integer" min="-2.14748E9" max="2.14748E9" units="cm"/>
+          <inkml:channel name="F" type="integer" max="32767" units="dev"/>
+        </inkml:traceFormat>
+        <inkml:channelProperties>
+          <inkml:channelProperty channel="X" name="resolution" value="1000" units="1/cm"/>
+          <inkml:channelProperty channel="Y" name="resolution" value="1000" units="1/cm"/>
+          <inkml:channelProperty channel="F" name="resolution" value="0" units="1/dev"/>
+        </inkml:channelProperties>
+      </inkml:inkSource>
+      <inkml:timestamp xml:id="ts0" timeString="2024-01-12T05:42:47.400"/>
+    </inkml:context>
+    <inkml:brush xml:id="br0">
+      <inkml:brushProperty name="width" value="0.05" units="cm"/>
+      <inkml:brushProperty name="height" value="0.05" units="cm"/>
+      <inkml:brushProperty name="color" value="#E71224"/>
+    </inkml:brush>
+  </inkml:definitions>
+  <inkml:trace contextRef="#ctx0" brushRef="#br0">0 0 24575,'4'9'0,"2"6"0,-1 11 0,4 13 0,0 21 0,-2 23 0,3 31 0,-1 27 0,3 28 0,-1 7 0,-3 4 0,-1-12 0,1-34 0,-1-40-8191</inkml:trace>
+</inkml:ink>
+</file>
+
+<file path=ppt/ink/ink5.xml><?xml version="1.0" encoding="utf-8"?>
+<inkml:ink xmlns:inkml="http://www.w3.org/2003/InkML">
+  <inkml:definitions>
+    <inkml:context xml:id="ctx0">
+      <inkml:inkSource xml:id="inkSrc0">
+        <inkml:traceFormat>
+          <inkml:channel name="X" type="integer" min="-2.14748E9" max="2.14748E9" units="cm"/>
+          <inkml:channel name="Y" type="integer" min="-2.14748E9" max="2.14748E9" units="cm"/>
+          <inkml:channel name="F" type="integer" max="32767" units="dev"/>
+        </inkml:traceFormat>
+        <inkml:channelProperties>
+          <inkml:channelProperty channel="X" name="resolution" value="1000" units="1/cm"/>
+          <inkml:channelProperty channel="Y" name="resolution" value="1000" units="1/cm"/>
+          <inkml:channelProperty channel="F" name="resolution" value="0" units="1/dev"/>
+        </inkml:channelProperties>
+      </inkml:inkSource>
+      <inkml:timestamp xml:id="ts0" timeString="2024-01-12T05:25:26.550"/>
+    </inkml:context>
+    <inkml:brush xml:id="br0">
+      <inkml:brushProperty name="width" value="0.05" units="cm"/>
+      <inkml:brushProperty name="height" value="0.05" units="cm"/>
+      <inkml:brushProperty name="color" value="#E71224"/>
+    </inkml:brush>
+  </inkml:definitions>
+  <inkml:trace contextRef="#ctx0" brushRef="#br0">241 0 24575,'-4'0'0,"-2"4"0,-4 6 0,-4 6 0,-5 8 0,-2 5 0,1 2 0,0-1 0,0 0 0,2-2 0,0-1 0,0 0 0,-3-5 0,4-3 0,3 1 0,14-4 0,6-4-8191</inkml:trace>
+</inkml:ink>
+</file>
+
+<file path=ppt/ink/ink50.xml><?xml version="1.0" encoding="utf-8"?>
+<inkml:ink xmlns:inkml="http://www.w3.org/2003/InkML">
+  <inkml:definitions>
+    <inkml:context xml:id="ctx0">
+      <inkml:inkSource xml:id="inkSrc0">
+        <inkml:traceFormat>
+          <inkml:channel name="X" type="integer" min="-2.14748E9" max="2.14748E9" units="cm"/>
+          <inkml:channel name="Y" type="integer" min="-2.14748E9" max="2.14748E9" units="cm"/>
+          <inkml:channel name="F" type="integer" max="32767" units="dev"/>
+        </inkml:traceFormat>
+        <inkml:channelProperties>
+          <inkml:channelProperty channel="X" name="resolution" value="1000" units="1/cm"/>
+          <inkml:channelProperty channel="Y" name="resolution" value="1000" units="1/cm"/>
+          <inkml:channelProperty channel="F" name="resolution" value="0" units="1/dev"/>
+        </inkml:channelProperties>
+      </inkml:inkSource>
+      <inkml:timestamp xml:id="ts0" timeString="2024-01-12T05:42:48.045"/>
+    </inkml:context>
+    <inkml:brush xml:id="br0">
+      <inkml:brushProperty name="width" value="0.05" units="cm"/>
+      <inkml:brushProperty name="height" value="0.05" units="cm"/>
+      <inkml:brushProperty name="color" value="#E71224"/>
+    </inkml:brush>
+  </inkml:definitions>
+  <inkml:trace contextRef="#ctx0" brushRef="#br0">160 118 24575,'14'-13'0,"1"0"0,1 2 0,0 0 0,0 0 0,1 2 0,1 0 0,-1 1 0,1 1 0,1 0 0,-1 1 0,33-5 0,-48 11 0,0-1 0,0 1 0,0 0 0,0 0 0,0 0 0,0 0 0,0 0 0,1 1 0,-1-1 0,0 1 0,0 0 0,-1 0 0,1 0 0,0 0 0,0 0 0,0 1 0,-1-1 0,1 1 0,-1 0 0,1 0 0,-1 0 0,0 0 0,1 0 0,-1 0 0,0 1 0,-1-1 0,1 1 0,0 0 0,-1-1 0,1 1 0,-1 0 0,0 0 0,2 5 0,1 7 0,-1 0 0,-1-1 0,0 1 0,0 0 0,-2 0 0,0 16 0,-4 17 0,-1-1 0,-3 0 0,-1 0 0,-3-1 0,-1 0 0,-3-1 0,-1-1 0,-25 43 0,1-12 0,-3-1 0,-4-3 0,-91 105 0,123-158 0,-33 41 0,45-53 0,0 0 0,1 0 0,-1 0 0,1 1 0,1-1 0,-1 1 0,1-1 0,-2 10 0,4-16 0,0 1 0,-1 0 0,1 0 0,0-1 0,0 1 0,0 0 0,0 0 0,0 0 0,0-1 0,0 1 0,1 0 0,-1 0 0,0 0 0,0-1 0,1 1 0,-1 0 0,0 0 0,1-1 0,-1 1 0,0 0 0,1-1 0,-1 1 0,1-1 0,0 1 0,-1 0 0,1-1 0,-1 1 0,1-1 0,0 1 0,-1-1 0,1 0 0,0 1 0,-1-1 0,1 0 0,0 1 0,0-1 0,-1 0 0,1 0 0,0 0 0,0 0 0,0 0 0,-1 0 0,1 0 0,0 0 0,0 0 0,0 0 0,-1 0 0,1 0 0,0 0 0,0-1 0,-1 1 0,1 0 0,1-1 0,8-2 0,0 0 0,-1-1 0,12-5 0,-19 8 0,339-195 0,-36 18 0,-267 157-1365,-11 6-5461</inkml:trace>
+</inkml:ink>
+</file>
+
+<file path=ppt/ink/ink51.xml><?xml version="1.0" encoding="utf-8"?>
+<inkml:ink xmlns:inkml="http://www.w3.org/2003/InkML">
+  <inkml:definitions>
+    <inkml:context xml:id="ctx0">
+      <inkml:inkSource xml:id="inkSrc0">
+        <inkml:traceFormat>
+          <inkml:channel name="X" type="integer" min="-2.14748E9" max="2.14748E9" units="cm"/>
+          <inkml:channel name="Y" type="integer" min="-2.14748E9" max="2.14748E9" units="cm"/>
+          <inkml:channel name="F" type="integer" max="32767" units="dev"/>
+        </inkml:traceFormat>
+        <inkml:channelProperties>
+          <inkml:channelProperty channel="X" name="resolution" value="1000" units="1/cm"/>
+          <inkml:channelProperty channel="Y" name="resolution" value="1000" units="1/cm"/>
+          <inkml:channelProperty channel="F" name="resolution" value="0" units="1/dev"/>
+        </inkml:channelProperties>
+      </inkml:inkSource>
+      <inkml:timestamp xml:id="ts0" timeString="2024-01-12T05:42:49.284"/>
+    </inkml:context>
+    <inkml:brush xml:id="br0">
+      <inkml:brushProperty name="width" value="0.05" units="cm"/>
+      <inkml:brushProperty name="height" value="0.05" units="cm"/>
+      <inkml:brushProperty name="color" value="#E71224"/>
+    </inkml:brush>
+  </inkml:definitions>
+  <inkml:trace contextRef="#ctx0" brushRef="#br0">1 378 24575,'30'-2'0,"1"-2"0,-1-1 0,0-1 0,0-2 0,29-11 0,9-2 0,158-37 0,-212 53 0,-1 0 0,0-1 0,0 0 0,0-1 0,-1-1 0,22-17 0,27-15 0,-43 31 0,0 1 0,1 0 0,0 2 0,0 0 0,1 1 0,0 1 0,24-2 0,143 3 0,-156 4 0,-11-1 8,0-2 0,0 0-1,0 0 1,36-11 0,73-33-197,-56 18-1026,-56 23-5611</inkml:trace>
+</inkml:ink>
+</file>
+
+<file path=ppt/ink/ink52.xml><?xml version="1.0" encoding="utf-8"?>
+<inkml:ink xmlns:inkml="http://www.w3.org/2003/InkML">
+  <inkml:definitions>
+    <inkml:context xml:id="ctx0">
+      <inkml:inkSource xml:id="inkSrc0">
+        <inkml:traceFormat>
+          <inkml:channel name="X" type="integer" min="-2.14748E9" max="2.14748E9" units="cm"/>
+          <inkml:channel name="Y" type="integer" min="-2.14748E9" max="2.14748E9" units="cm"/>
+          <inkml:channel name="F" type="integer" max="32767" units="dev"/>
+        </inkml:traceFormat>
+        <inkml:channelProperties>
+          <inkml:channelProperty channel="X" name="resolution" value="1000" units="1/cm"/>
+          <inkml:channelProperty channel="Y" name="resolution" value="1000" units="1/cm"/>
+          <inkml:channelProperty channel="F" name="resolution" value="0" units="1/dev"/>
+        </inkml:channelProperties>
+      </inkml:inkSource>
+      <inkml:timestamp xml:id="ts0" timeString="2024-01-12T05:42:51.187"/>
+    </inkml:context>
+    <inkml:brush xml:id="br0">
+      <inkml:brushProperty name="width" value="0.05" units="cm"/>
+      <inkml:brushProperty name="height" value="0.05" units="cm"/>
+      <inkml:brushProperty name="color" value="#E71224"/>
+    </inkml:brush>
+  </inkml:definitions>
+  <inkml:trace contextRef="#ctx0" brushRef="#br0">0 628 24575,'7'-1'0,"0"0"0,0-1 0,-1 0 0,1 0 0,0-1 0,-1 0 0,0 0 0,1 0 0,-1-1 0,7-6 0,12-5 0,63-35 0,153-80 0,20-15 0,-44 21 0,-171 101 0,2 2 0,86-27 0,-102 41 45,1 1-1,44-1 1,35-7-1544,-94 10-5327</inkml:trace>
+</inkml:ink>
+</file>
+
+<file path=ppt/ink/ink53.xml><?xml version="1.0" encoding="utf-8"?>
+<inkml:ink xmlns:inkml="http://www.w3.org/2003/InkML">
+  <inkml:definitions>
+    <inkml:context xml:id="ctx0">
+      <inkml:inkSource xml:id="inkSrc0">
+        <inkml:traceFormat>
+          <inkml:channel name="X" type="integer" min="-2.14748E9" max="2.14748E9" units="cm"/>
+          <inkml:channel name="Y" type="integer" min="-2.14748E9" max="2.14748E9" units="cm"/>
+          <inkml:channel name="F" type="integer" max="32767" units="dev"/>
+        </inkml:traceFormat>
+        <inkml:channelProperties>
+          <inkml:channelProperty channel="X" name="resolution" value="1000" units="1/cm"/>
+          <inkml:channelProperty channel="Y" name="resolution" value="1000" units="1/cm"/>
+          <inkml:channelProperty channel="F" name="resolution" value="0" units="1/dev"/>
+        </inkml:channelProperties>
+      </inkml:inkSource>
+      <inkml:timestamp xml:id="ts0" timeString="2024-01-12T05:43:02.535"/>
+    </inkml:context>
+    <inkml:brush xml:id="br0">
+      <inkml:brushProperty name="width" value="0.05" units="cm"/>
+      <inkml:brushProperty name="height" value="0.05" units="cm"/>
+      <inkml:brushProperty name="color" value="#E71224"/>
+    </inkml:brush>
+  </inkml:definitions>
+  <inkml:trace contextRef="#ctx0" brushRef="#br0">0 1 24575,'5'34'0,"18"43"0,31 63 0,20 30 0,18 33 0,16 22 0,6-3-1138,-7-12 1138,-14-25 0,-13-26 0,-21-37 279,-16-34-279,-11-27 0,-10-25-7332</inkml:trace>
+</inkml:ink>
+</file>
+
+<file path=ppt/ink/ink54.xml><?xml version="1.0" encoding="utf-8"?>
+<inkml:ink xmlns:inkml="http://www.w3.org/2003/InkML">
+  <inkml:definitions>
+    <inkml:context xml:id="ctx0">
+      <inkml:inkSource xml:id="inkSrc0">
+        <inkml:traceFormat>
+          <inkml:channel name="X" type="integer" min="-2.14748E9" max="2.14748E9" units="cm"/>
+          <inkml:channel name="Y" type="integer" min="-2.14748E9" max="2.14748E9" units="cm"/>
+          <inkml:channel name="F" type="integer" max="32767" units="dev"/>
+        </inkml:traceFormat>
+        <inkml:channelProperties>
+          <inkml:channelProperty channel="X" name="resolution" value="1000" units="1/cm"/>
+          <inkml:channelProperty channel="Y" name="resolution" value="1000" units="1/cm"/>
+          <inkml:channelProperty channel="F" name="resolution" value="0" units="1/dev"/>
+        </inkml:channelProperties>
+      </inkml:inkSource>
+      <inkml:timestamp xml:id="ts0" timeString="2024-01-12T05:43:03.304"/>
+    </inkml:context>
+    <inkml:brush xml:id="br0">
+      <inkml:brushProperty name="width" value="0.05" units="cm"/>
+      <inkml:brushProperty name="height" value="0.05" units="cm"/>
+      <inkml:brushProperty name="color" value="#E71224"/>
+    </inkml:brush>
+  </inkml:definitions>
+  <inkml:trace contextRef="#ctx0" brushRef="#br0">1 0 24575,'30'678'0,"37"-4"0,-6-75 0,-43-394 0,-18-205 0,0 0 0,0 0 0,0 0 0,0 0 0,0 0 0,0 0 0,0 0 0,0 0 0,0 0 0,0 0 0,0 0 0,0 0 0,0 0 0,0 0 0,1 0 0,-1 0 0,0 0 0,0 0 0,0 0 0,0 0 0,0 0 0,0 0 0,0 0 0,0 0 0,0 0 0,0 0 0,2-15 0,1-32 0,10-102-110,7 2 0,5 0 0,8 2 0,70-199-1,-52 211 75,6 2-1,140-234 0,-185 345 37,-3 5 0,0 0 0,1 0 0,0 1 0,1 0 0,26-24 0,-37 37 0,1 1 0,0-1 0,0 0 0,-1 1 0,1-1 0,0 0 0,0 1 0,0-1 0,0 1 0,0 0 0,0-1 0,0 1 0,0 0 0,0 0 0,0-1 0,0 1 0,0 0 0,0 0 0,0 0 0,0 0 0,0 0 0,0 0 0,0 1 0,0-1 0,0 0 0,0 0 0,0 1 0,0-1 0,0 0 0,-1 1 0,1-1 0,0 1 0,0 0 0,0-1 0,0 1 0,-1 0 0,1-1 0,1 2 0,1 3 0,0 1 0,0-1 0,0 1 0,-1-1 0,3 11 0,-4-16 0,17 60 243,19 114-1,-7 72-10,-22-175-288,18 215 56,13 103 0,-37-372 0,-2-11 0,0-1 0,1 0 0,-1 0 0,1 0 0,0 0 0,1 0 0,-1 0 0,1 0 0,3 5 0,-5-10 0,1 0 0,-1-1 0,0 1 0,1 0 0,-1 0 0,1 0 0,-1 0 0,0-1 0,1 1 0,-1 0 0,1 0 0,-1 0 0,0-1 0,1 1 0,-1 0 0,0-1 0,0 1 0,1 0 0,-1-1 0,0 1 0,0 0 0,1-1 0,-1 1 0,0-1 0,0 1 0,0 0 0,0-1 0,0 1 0,0-1 0,1 1 0,-1 0 0,0-1 0,0 1 0,0-1 0,0 1 0,-1-1 0,18-89-381,-14 65-603,8-49-5842</inkml:trace>
+</inkml:ink>
+</file>
+
+<file path=ppt/ink/ink55.xml><?xml version="1.0" encoding="utf-8"?>
+<inkml:ink xmlns:inkml="http://www.w3.org/2003/InkML">
+  <inkml:definitions>
+    <inkml:context xml:id="ctx0">
+      <inkml:inkSource xml:id="inkSrc0">
+        <inkml:traceFormat>
+          <inkml:channel name="X" type="integer" min="-2.14748E9" max="2.14748E9" units="cm"/>
+          <inkml:channel name="Y" type="integer" min="-2.14748E9" max="2.14748E9" units="cm"/>
+          <inkml:channel name="F" type="integer" max="32767" units="dev"/>
+        </inkml:traceFormat>
+        <inkml:channelProperties>
+          <inkml:channelProperty channel="X" name="resolution" value="1000" units="1/cm"/>
+          <inkml:channelProperty channel="Y" name="resolution" value="1000" units="1/cm"/>
+          <inkml:channelProperty channel="F" name="resolution" value="0" units="1/dev"/>
+        </inkml:channelProperties>
+      </inkml:inkSource>
+      <inkml:timestamp xml:id="ts0" timeString="2024-01-12T05:43:03.808"/>
+    </inkml:context>
+    <inkml:brush xml:id="br0">
+      <inkml:brushProperty name="width" value="0.05" units="cm"/>
+      <inkml:brushProperty name="height" value="0.05" units="cm"/>
+      <inkml:brushProperty name="color" value="#E71224"/>
+    </inkml:brush>
+  </inkml:definitions>
+  <inkml:trace contextRef="#ctx0" brushRef="#br0">0 0 24575,'9'39'0,"18"47"0,-6-24 0,-14-38 30,219 665-315,58-16-284,-35-209 569,153 328 34,-378-732-46,-10-24-258,1 0 0,2 0-1,25 37 1,-21-46-6038</inkml:trace>
+</inkml:ink>
+</file>
+
+<file path=ppt/ink/ink56.xml><?xml version="1.0" encoding="utf-8"?>
+<inkml:ink xmlns:inkml="http://www.w3.org/2003/InkML">
+  <inkml:definitions>
+    <inkml:context xml:id="ctx0">
+      <inkml:inkSource xml:id="inkSrc0">
+        <inkml:traceFormat>
+          <inkml:channel name="X" type="integer" min="-2.14748E9" max="2.14748E9" units="cm"/>
+          <inkml:channel name="Y" type="integer" min="-2.14748E9" max="2.14748E9" units="cm"/>
+          <inkml:channel name="F" type="integer" max="32767" units="dev"/>
+        </inkml:traceFormat>
+        <inkml:channelProperties>
+          <inkml:channelProperty channel="X" name="resolution" value="1000" units="1/cm"/>
+          <inkml:channelProperty channel="Y" name="resolution" value="1000" units="1/cm"/>
+          <inkml:channelProperty channel="F" name="resolution" value="0" units="1/dev"/>
+        </inkml:channelProperties>
+      </inkml:inkSource>
+      <inkml:timestamp xml:id="ts0" timeString="2024-01-12T05:43:04.594"/>
+    </inkml:context>
+    <inkml:brush xml:id="br0">
+      <inkml:brushProperty name="width" value="0.05" units="cm"/>
+      <inkml:brushProperty name="height" value="0.05" units="cm"/>
+      <inkml:brushProperty name="color" value="#E71224"/>
+    </inkml:brush>
+  </inkml:definitions>
+  <inkml:trace contextRef="#ctx0" brushRef="#br0">123 1394 24575,'30'-61'0,"-4"-2"0,34-122 0,4-134 0,-34 27 0,-28 235 0,-3 0 0,-2 0 0,-12-60 0,12 103 0,0 0 0,-1 0 0,-1 1 0,0-1 0,-1 1 0,0 0 0,-1 1 0,-1 0 0,-9-13 0,15 22 0,-1 0 0,1 0 0,-1 0 0,0 0 0,0 0 0,-1 0 0,1 1 0,-1-1 0,1 1 0,-1 0 0,1 0 0,-1 1 0,0-1 0,0 1 0,0-1 0,0 1 0,0 1 0,0-1 0,-1 0 0,1 1 0,0 0 0,0 0 0,0 0 0,0 1 0,-1-1 0,1 1 0,0 0 0,0 0 0,0 0 0,0 1 0,0 0 0,1-1 0,-1 1 0,0 0 0,-3 3 0,0 1 0,0-1 0,0 2 0,0-1 0,1 1 0,0-1 0,0 2 0,1-1 0,0 1 0,0 0 0,-6 15 0,2-1 0,0 0 0,2 0 0,-4 24 0,9-37 0,0-1 0,1 1 0,0-1 0,1 1 0,0 0 0,0-1 0,0 1 0,2 0 0,-1-1 0,5 17 0,-3-19 0,-1 0 0,2 0 0,-1 0 0,1 0 0,-1-1 0,1 1 0,1-1 0,-1 0 0,1 0 0,0 0 0,0-1 0,1 0 0,-1 0 0,10 5 0,6 2 0,0-2 0,1 0 0,0-2 0,0 0 0,0-2 0,43 6 0,144 0 0,-148-9 0,-54-2 0,1 0 0,-1 0 0,0 1 0,0 1 0,1-1 0,-1 1 0,0 0 0,0 1 0,-1 0 0,1 0 0,0 0 0,-1 1 0,0 0 0,0 0 0,0 0 0,0 1 0,-1 0 0,0 0 0,0 0 0,4 7 0,23 23 0,66 57 0,-72-71 0,-1 2 0,-1 0 0,-1 1 0,-1 2 0,32 48 0,-24-13 0,-3 1 0,-2 1 0,19 78 0,14 38 0,41 74 59,41 110-1483,-110-273-5402</inkml:trace>
+</inkml:ink>
+</file>
+
+<file path=ppt/ink/ink6.xml><?xml version="1.0" encoding="utf-8"?>
+<inkml:ink xmlns:inkml="http://www.w3.org/2003/InkML">
+  <inkml:definitions>
+    <inkml:context xml:id="ctx0">
+      <inkml:inkSource xml:id="inkSrc0">
+        <inkml:traceFormat>
+          <inkml:channel name="X" type="integer" min="-2.14748E9" max="2.14748E9" units="cm"/>
+          <inkml:channel name="Y" type="integer" min="-2.14748E9" max="2.14748E9" units="cm"/>
+          <inkml:channel name="F" type="integer" max="32767" units="dev"/>
+        </inkml:traceFormat>
+        <inkml:channelProperties>
+          <inkml:channelProperty channel="X" name="resolution" value="1000" units="1/cm"/>
+          <inkml:channelProperty channel="Y" name="resolution" value="1000" units="1/cm"/>
+          <inkml:channelProperty channel="F" name="resolution" value="0" units="1/dev"/>
+        </inkml:channelProperties>
+      </inkml:inkSource>
+      <inkml:timestamp xml:id="ts0" timeString="2024-01-12T05:25:27.493"/>
+    </inkml:context>
+    <inkml:brush xml:id="br0">
+      <inkml:brushProperty name="width" value="0.05" units="cm"/>
+      <inkml:brushProperty name="height" value="0.05" units="cm"/>
+      <inkml:brushProperty name="color" value="#E71224"/>
+    </inkml:brush>
+  </inkml:definitions>
+  <inkml:trace contextRef="#ctx0" brushRef="#br0">1648 0 24575,'-1'6'0,"0"0"0,0 1 0,-1-1 0,0 0 0,0 0 0,0 0 0,-1-1 0,0 1 0,-5 7 0,-2 7 0,-528 902 0,405-707 0,-311 445 0,227-332 0,158-233 0,-38 39 0,86-119-100,-10 16-216,0 0 0,2 1-1,-26 60 1,37-70-6510</inkml:trace>
+</inkml:ink>
+</file>
+
+<file path=ppt/ink/ink7.xml><?xml version="1.0" encoding="utf-8"?>
+<inkml:ink xmlns:inkml="http://www.w3.org/2003/InkML">
+  <inkml:definitions>
+    <inkml:context xml:id="ctx0">
+      <inkml:inkSource xml:id="inkSrc0">
+        <inkml:traceFormat>
+          <inkml:channel name="X" type="integer" min="-2.14748E9" max="2.14748E9" units="cm"/>
+          <inkml:channel name="Y" type="integer" min="-2.14748E9" max="2.14748E9" units="cm"/>
+          <inkml:channel name="F" type="integer" max="32767" units="dev"/>
+        </inkml:traceFormat>
+        <inkml:channelProperties>
+          <inkml:channelProperty channel="X" name="resolution" value="1000" units="1/cm"/>
+          <inkml:channelProperty channel="Y" name="resolution" value="1000" units="1/cm"/>
+          <inkml:channelProperty channel="F" name="resolution" value="0" units="1/dev"/>
+        </inkml:channelProperties>
+      </inkml:inkSource>
+      <inkml:timestamp xml:id="ts0" timeString="2024-01-12T05:25:29.266"/>
+    </inkml:context>
+    <inkml:brush xml:id="br0">
+      <inkml:brushProperty name="width" value="0.05" units="cm"/>
+      <inkml:brushProperty name="height" value="0.05" units="cm"/>
+      <inkml:brushProperty name="color" value="#E71224"/>
+    </inkml:brush>
+  </inkml:definitions>
+  <inkml:trace contextRef="#ctx0" brushRef="#br0">0 0 24575,'2'0'0,"1"0"0,-1 1 0,0-1 0,1 1 0,-1 0 0,0-1 0,0 1 0,0 0 0,1 0 0,-1 0 0,0 1 0,0-1 0,-1 0 0,1 1 0,0 0 0,0-1 0,-1 1 0,1 0 0,-1 0 0,1 0 0,0 2 0,4 6 0,-1 0 0,0 0 0,4 13 0,-6-16 0,10 31 0,-2 0 0,-1 2 0,-3-1 0,5 66 0,-6 165 0,-7-228 0,-1-3 0,1-29 0,0 0 0,1 1 0,0-1 0,1 0 0,0 1 0,0-1 0,4 12 0,-4-20 0,-1 0 0,2 0 0,-1 0 0,0 0 0,0 0 0,1-1 0,-1 1 0,0 0 0,1-1 0,0 1 0,-1-1 0,1 1 0,0-1 0,0 0 0,0 0 0,0 0 0,0 0 0,0 0 0,0 0 0,0-1 0,0 1 0,1-1 0,-1 1 0,0-1 0,0 0 0,0 0 0,3 0 0,7 0 0,0-1 0,0 0 0,22-6 0,-21 4 0,75-9 0,0 3 0,145 5 0,-70 3 0,-157 1 0,10 0 0,0-1 0,0-1 0,31-6 0,-43 7 0,-1 0 0,0 0 0,0 0 0,0 0 0,1-1 0,-1 1 0,-1-1 0,1 0 0,0 0 0,0 0 0,-1 0 0,1 0 0,-1-1 0,1 1 0,-1-1 0,0 1 0,0-1 0,0 0 0,-1 0 0,1 0 0,-1 0 0,1 0 0,-1 0 0,0-1 0,1-3 0,-1-15 0,-1-1 0,0 1 0,-2-1 0,-1 1 0,0 0 0,-2 0 0,-10-30 0,3 6 0,-4-23 0,-3 1 0,-49-114 0,66 177 0,-1 0 0,0 1 0,0-1 0,-1 1 0,1-1 0,-1 1 0,0 1 0,0-1 0,0 0 0,-1 1 0,1 0 0,-1 0 0,0 0 0,0 1 0,0-1 0,0 1 0,0 0 0,0 1 0,-7-2 0,-10-1 0,1 2 0,0 0 0,-37 2 0,34 1 0,-379 7-1365,327-6-5461</inkml:trace>
+</inkml:ink>
+</file>
+
+<file path=ppt/ink/ink8.xml><?xml version="1.0" encoding="utf-8"?>
+<inkml:ink xmlns:inkml="http://www.w3.org/2003/InkML">
+  <inkml:definitions>
+    <inkml:context xml:id="ctx0">
+      <inkml:inkSource xml:id="inkSrc0">
+        <inkml:traceFormat>
+          <inkml:channel name="X" type="integer" min="-2.14748E9" max="2.14748E9" units="cm"/>
+          <inkml:channel name="Y" type="integer" min="-2.14748E9" max="2.14748E9" units="cm"/>
+          <inkml:channel name="F" type="integer" max="32767" units="dev"/>
+        </inkml:traceFormat>
+        <inkml:channelProperties>
+          <inkml:channelProperty channel="X" name="resolution" value="1000" units="1/cm"/>
+          <inkml:channelProperty channel="Y" name="resolution" value="1000" units="1/cm"/>
+          <inkml:channelProperty channel="F" name="resolution" value="0" units="1/dev"/>
+        </inkml:channelProperties>
+      </inkml:inkSource>
+      <inkml:timestamp xml:id="ts0" timeString="2024-01-12T05:25:30.738"/>
+    </inkml:context>
+    <inkml:brush xml:id="br0">
+      <inkml:brushProperty name="width" value="0.05" units="cm"/>
+      <inkml:brushProperty name="height" value="0.05" units="cm"/>
+      <inkml:brushProperty name="color" value="#E71224"/>
+    </inkml:brush>
+  </inkml:definitions>
+  <inkml:trace contextRef="#ctx0" brushRef="#br0">0 4312 24575,'4'-45'0,"1"1"0,2 1 0,2-1 0,26-71 0,-17 55 0,65-198-487,119-250-1,153-228-488,352-513 980,-440 797-91,-135 224-121,109-258 1,-241 483 283,1 1 1,0-1-1,1 0 1,-1 1-1,0-1 1,1 1 0,0-1-1,-1 1 1,1 0-1,0-1 1,0 1-1,0 0 1,0 0-1,1 1 1,3-4-1,-2 4 36,-1 0-1,1 1 0,0-1 1,0 1-1,0 0 1,-1 0-1,1 0 0,0 0 1,0 1-1,6 1 0,73 7-111,1-4 0,95-6 0,56 2 0,-194 2 0,-1 1 0,0 2 0,69 21 0,-98-23 0,0 1 0,1 0 0,-2 1 0,1 0 0,-1 1 0,0 0 0,17 17 0,55 65 0,-75-78 0,0 1 0,0 0 0,-2 0 0,1 0 0,-1 1 0,-1 0 0,0 0 0,-1 0 0,1 15 0,10 31 0,118 471 0,-129-515 0,67 383 0,-27 4 0,-4 52 0,-23-354 0,4-1 0,48 141 0,-57-208 0,31 100 0,-38-113 0,0 1 0,-1 0 0,-1 0 0,-1 38 0,-4 11-1365,2-48-5461</inkml:trace>
+</inkml:ink>
+</file>
+
+<file path=ppt/ink/ink9.xml><?xml version="1.0" encoding="utf-8"?>
+<inkml:ink xmlns:inkml="http://www.w3.org/2003/InkML">
+  <inkml:definitions>
+    <inkml:context xml:id="ctx0">
+      <inkml:inkSource xml:id="inkSrc0">
+        <inkml:traceFormat>
+          <inkml:channel name="X" type="integer" min="-2.14748E9" max="2.14748E9" units="cm"/>
+          <inkml:channel name="Y" type="integer" min="-2.14748E9" max="2.14748E9" units="cm"/>
+          <inkml:channel name="F" type="integer" max="32767" units="dev"/>
+        </inkml:traceFormat>
+        <inkml:channelProperties>
+          <inkml:channelProperty channel="X" name="resolution" value="1000" units="1/cm"/>
+          <inkml:channelProperty channel="Y" name="resolution" value="1000" units="1/cm"/>
+          <inkml:channelProperty channel="F" name="resolution" value="0" units="1/dev"/>
+        </inkml:channelProperties>
+      </inkml:inkSource>
+      <inkml:timestamp xml:id="ts0" timeString="2024-01-12T05:25:32.251"/>
+    </inkml:context>
+    <inkml:brush xml:id="br0">
+      <inkml:brushProperty name="width" value="0.05" units="cm"/>
+      <inkml:brushProperty name="height" value="0.05" units="cm"/>
+      <inkml:brushProperty name="color" value="#E71224"/>
+    </inkml:brush>
+  </inkml:definitions>
+  <inkml:trace contextRef="#ctx0" brushRef="#br0">176 261 24575,'0'652'0,"0"-649"0,0 5 0,0-1 0,0 1 0,1-1 0,0 0 0,3 14 0,-3-19 0,0 0 0,0 0 0,0-1 0,0 1 0,0 0 0,0-1 0,0 1 0,1 0 0,-1-1 0,1 0 0,-1 1 0,1-1 0,-1 0 0,1 0 0,0 0 0,-1 0 0,1 0 0,0 0 0,0 0 0,0 0 0,0-1 0,0 1 0,0-1 0,0 0 0,0 1 0,2-1 0,13 1 0,0-1 0,0-1 0,-1-1 0,1 0 0,27-7 0,84-33 0,-32 9 0,55-8 0,2 6 0,159-14 0,-111 30 0,232 8 0,-424 11 0,0 1 0,0-1 0,0 0 0,0-1 0,0 0 0,15-3 0,-22 3 0,0 1 0,-1-1 0,1 0 0,0 0 0,0 0 0,0 0 0,-1-1 0,1 1 0,-1 0 0,1 0 0,-1-1 0,0 1 0,1-1 0,-1 0 0,0 1 0,0-1 0,0 0 0,0 0 0,0 0 0,0 1 0,-1-1 0,1 0 0,-1 0 0,1 0 0,-1 0 0,0 0 0,0 0 0,0 0 0,0-4 0,-2-16 0,-1 0 0,-2 0 0,0 0 0,-1 0 0,-1 1 0,-11-24 0,-9-27 0,-67-281 0,94 350 0,-2-8 0,0 1 0,-1 0 0,0 0 0,-8-16 0,10 23 0,0 1 0,-1 0 0,0-1 0,1 1 0,-1 0 0,0 0 0,0 0 0,0 0 0,0 0 0,0 1 0,0-1 0,-1 1 0,1-1 0,-1 1 0,1 0 0,-1 0 0,1 0 0,-1 0 0,0 0 0,1 1 0,-1-1 0,0 1 0,-2 0 0,-17 0 0,0 2 0,0 0 0,-39 11 0,18-4 0,-1162 210 0,918-177-1365,254-40-5461</inkml:trace>
+</inkml:ink>
+</file>
+
 <file path=ppt/slideLayouts/slideLayout1.xml><?xml version="1.0" encoding="utf-8"?>
 <p:sldLayout xmlns:a="http://schemas.openxmlformats.org/drawingml/2006/main" xmlns:r="http://schemas.openxmlformats.org/officeDocument/2006/relationships" xmlns:p="http://schemas.openxmlformats.org/presentationml/2006/main" type="obj" preserve="1">
   <p:cSld name="Title Slide">
@@ -295,7 +1863,7 @@
           <a:p>
             <a:fld id="{1D8BD707-D9CF-40AE-B4C6-C98DA3205C09}" type="datetimeFigureOut">
               <a:rPr lang="en-US"/>
-              <a:t>1/5/2024</a:t>
+              <a:t>1/12/2024</a:t>
             </a:fld>
             <a:endParaRPr lang="en-US"/>
           </a:p>
@@ -472,7 +2040,7 @@
           <a:p>
             <a:fld id="{1D8BD707-D9CF-40AE-B4C6-C98DA3205C09}" type="datetimeFigureOut">
               <a:rPr lang="en-US"/>
-              <a:t>1/5/2024</a:t>
+              <a:t>1/12/2024</a:t>
             </a:fld>
             <a:endParaRPr lang="en-US"/>
           </a:p>
@@ -698,7 +2266,7 @@
           <a:p>
             <a:fld id="{1D8BD707-D9CF-40AE-B4C6-C98DA3205C09}" type="datetimeFigureOut">
               <a:rPr lang="en-US"/>
-              <a:t>1/5/2024</a:t>
+              <a:t>1/12/2024</a:t>
             </a:fld>
             <a:endParaRPr lang="en-US"/>
           </a:p>
@@ -846,7 +2414,7 @@
           <a:p>
             <a:fld id="{1D8BD707-D9CF-40AE-B4C6-C98DA3205C09}" type="datetimeFigureOut">
               <a:rPr lang="en-US"/>
-              <a:t>1/5/2024</a:t>
+              <a:t>1/12/2024</a:t>
             </a:fld>
             <a:endParaRPr lang="en-US"/>
           </a:p>
@@ -1147,7 +2715,7 @@
           <a:p>
             <a:fld id="{1D8BD707-D9CF-40AE-B4C6-C98DA3205C09}" type="datetimeFigureOut">
               <a:rPr lang="en-US"/>
-              <a:t>1/5/2024</a:t>
+              <a:t>1/12/2024</a:t>
             </a:fld>
             <a:endParaRPr lang="en-US"/>
           </a:p>
@@ -1430,7 +2998,7 @@
           <a:p>
             <a:fld id="{1D8BD707-D9CF-40AE-B4C6-C98DA3205C09}" type="datetimeFigureOut">
               <a:rPr lang="en-US"/>
-              <a:t>1/5/2024</a:t>
+              <a:t>1/12/2024</a:t>
             </a:fld>
             <a:endParaRPr lang="en-US"/>
           </a:p>
@@ -2694,6 +4262,210 @@
           </a:p>
         </p:txBody>
       </p:sp>
+      <mc:AlternateContent xmlns:mc="http://schemas.openxmlformats.org/markup-compatibility/2006">
+        <mc:Choice xmlns:p14="http://schemas.microsoft.com/office/powerpoint/2010/main" Requires="p14">
+          <p:contentPart p14:bwMode="auto" r:id="rId2">
+            <p14:nvContentPartPr>
+              <p14:cNvPr id="5" name="Ink 4">
+                <a:extLst>
+                  <a:ext uri="{FF2B5EF4-FFF2-40B4-BE49-F238E27FC236}">
+                    <a16:creationId xmlns:a16="http://schemas.microsoft.com/office/drawing/2014/main" id="{17884ED1-3ECB-80C7-2769-146BD8187A96}"/>
+                  </a:ext>
+                </a:extLst>
+              </p14:cNvPr>
+              <p14:cNvContentPartPr/>
+              <p14:nvPr/>
+            </p14:nvContentPartPr>
+            <p14:xfrm>
+              <a:off x="4187736" y="2496096"/>
+              <a:ext cx="1286280" cy="137520"/>
+            </p14:xfrm>
+          </p:contentPart>
+        </mc:Choice>
+        <mc:Fallback>
+          <p:pic>
+            <p:nvPicPr>
+              <p:cNvPr id="5" name="Ink 4">
+                <a:extLst>
+                  <a:ext uri="{FF2B5EF4-FFF2-40B4-BE49-F238E27FC236}">
+                    <a16:creationId xmlns:a16="http://schemas.microsoft.com/office/drawing/2014/main" id="{17884ED1-3ECB-80C7-2769-146BD8187A96}"/>
+                  </a:ext>
+                </a:extLst>
+              </p:cNvPr>
+              <p:cNvPicPr/>
+              <p:nvPr/>
+            </p:nvPicPr>
+            <p:blipFill>
+              <a:blip r:embed="rId3"/>
+              <a:stretch>
+                <a:fillRect/>
+              </a:stretch>
+            </p:blipFill>
+            <p:spPr>
+              <a:xfrm>
+                <a:off x="4179096" y="2487456"/>
+                <a:ext cx="1303920" cy="155160"/>
+              </a:xfrm>
+              <a:prstGeom prst="rect">
+                <a:avLst/>
+              </a:prstGeom>
+            </p:spPr>
+          </p:pic>
+        </mc:Fallback>
+      </mc:AlternateContent>
+      <mc:AlternateContent xmlns:mc="http://schemas.openxmlformats.org/markup-compatibility/2006">
+        <mc:Choice xmlns:p14="http://schemas.microsoft.com/office/powerpoint/2010/main" Requires="p14">
+          <p:contentPart p14:bwMode="auto" r:id="rId4">
+            <p14:nvContentPartPr>
+              <p14:cNvPr id="6" name="Ink 5">
+                <a:extLst>
+                  <a:ext uri="{FF2B5EF4-FFF2-40B4-BE49-F238E27FC236}">
+                    <a16:creationId xmlns:a16="http://schemas.microsoft.com/office/drawing/2014/main" id="{C8736850-2563-0235-5FED-E91C494EF02F}"/>
+                  </a:ext>
+                </a:extLst>
+              </p14:cNvPr>
+              <p14:cNvContentPartPr/>
+              <p14:nvPr/>
+            </p14:nvContentPartPr>
+            <p14:xfrm>
+              <a:off x="8690976" y="3292056"/>
+              <a:ext cx="599760" cy="360"/>
+            </p14:xfrm>
+          </p:contentPart>
+        </mc:Choice>
+        <mc:Fallback>
+          <p:pic>
+            <p:nvPicPr>
+              <p:cNvPr id="6" name="Ink 5">
+                <a:extLst>
+                  <a:ext uri="{FF2B5EF4-FFF2-40B4-BE49-F238E27FC236}">
+                    <a16:creationId xmlns:a16="http://schemas.microsoft.com/office/drawing/2014/main" id="{C8736850-2563-0235-5FED-E91C494EF02F}"/>
+                  </a:ext>
+                </a:extLst>
+              </p:cNvPr>
+              <p:cNvPicPr/>
+              <p:nvPr/>
+            </p:nvPicPr>
+            <p:blipFill>
+              <a:blip r:embed="rId5"/>
+              <a:stretch>
+                <a:fillRect/>
+              </a:stretch>
+            </p:blipFill>
+            <p:spPr>
+              <a:xfrm>
+                <a:off x="8681976" y="3283056"/>
+                <a:ext cx="617400" cy="18000"/>
+              </a:xfrm>
+              <a:prstGeom prst="rect">
+                <a:avLst/>
+              </a:prstGeom>
+            </p:spPr>
+          </p:pic>
+        </mc:Fallback>
+      </mc:AlternateContent>
+      <mc:AlternateContent xmlns:mc="http://schemas.openxmlformats.org/markup-compatibility/2006">
+        <mc:Choice xmlns:p14="http://schemas.microsoft.com/office/powerpoint/2010/main" Requires="p14">
+          <p:contentPart p14:bwMode="auto" r:id="rId6">
+            <p14:nvContentPartPr>
+              <p14:cNvPr id="7" name="Ink 6">
+                <a:extLst>
+                  <a:ext uri="{FF2B5EF4-FFF2-40B4-BE49-F238E27FC236}">
+                    <a16:creationId xmlns:a16="http://schemas.microsoft.com/office/drawing/2014/main" id="{48C57A71-B6C0-2160-EBAD-5ACA101A55B9}"/>
+                  </a:ext>
+                </a:extLst>
+              </p14:cNvPr>
+              <p14:cNvContentPartPr/>
+              <p14:nvPr/>
+            </p14:nvContentPartPr>
+            <p14:xfrm>
+              <a:off x="8677656" y="3702816"/>
+              <a:ext cx="357480" cy="19800"/>
+            </p14:xfrm>
+          </p:contentPart>
+        </mc:Choice>
+        <mc:Fallback>
+          <p:pic>
+            <p:nvPicPr>
+              <p:cNvPr id="7" name="Ink 6">
+                <a:extLst>
+                  <a:ext uri="{FF2B5EF4-FFF2-40B4-BE49-F238E27FC236}">
+                    <a16:creationId xmlns:a16="http://schemas.microsoft.com/office/drawing/2014/main" id="{48C57A71-B6C0-2160-EBAD-5ACA101A55B9}"/>
+                  </a:ext>
+                </a:extLst>
+              </p:cNvPr>
+              <p:cNvPicPr/>
+              <p:nvPr/>
+            </p:nvPicPr>
+            <p:blipFill>
+              <a:blip r:embed="rId7"/>
+              <a:stretch>
+                <a:fillRect/>
+              </a:stretch>
+            </p:blipFill>
+            <p:spPr>
+              <a:xfrm>
+                <a:off x="8668656" y="3693816"/>
+                <a:ext cx="375120" cy="37440"/>
+              </a:xfrm>
+              <a:prstGeom prst="rect">
+                <a:avLst/>
+              </a:prstGeom>
+            </p:spPr>
+          </p:pic>
+        </mc:Fallback>
+      </mc:AlternateContent>
+      <mc:AlternateContent xmlns:mc="http://schemas.openxmlformats.org/markup-compatibility/2006">
+        <mc:Choice xmlns:p14="http://schemas.microsoft.com/office/powerpoint/2010/main" Requires="p14">
+          <p:contentPart p14:bwMode="auto" r:id="rId8">
+            <p14:nvContentPartPr>
+              <p14:cNvPr id="8" name="Ink 7">
+                <a:extLst>
+                  <a:ext uri="{FF2B5EF4-FFF2-40B4-BE49-F238E27FC236}">
+                    <a16:creationId xmlns:a16="http://schemas.microsoft.com/office/drawing/2014/main" id="{6B6E1524-7494-8F10-705C-0F72CA364CFB}"/>
+                  </a:ext>
+                </a:extLst>
+              </p14:cNvPr>
+              <p14:cNvContentPartPr/>
+              <p14:nvPr/>
+            </p14:nvContentPartPr>
+            <p14:xfrm>
+              <a:off x="5335056" y="4844736"/>
+              <a:ext cx="462240" cy="540720"/>
+            </p14:xfrm>
+          </p:contentPart>
+        </mc:Choice>
+        <mc:Fallback>
+          <p:pic>
+            <p:nvPicPr>
+              <p:cNvPr id="8" name="Ink 7">
+                <a:extLst>
+                  <a:ext uri="{FF2B5EF4-FFF2-40B4-BE49-F238E27FC236}">
+                    <a16:creationId xmlns:a16="http://schemas.microsoft.com/office/drawing/2014/main" id="{6B6E1524-7494-8F10-705C-0F72CA364CFB}"/>
+                  </a:ext>
+                </a:extLst>
+              </p:cNvPr>
+              <p:cNvPicPr/>
+              <p:nvPr/>
+            </p:nvPicPr>
+            <p:blipFill>
+              <a:blip r:embed="rId9"/>
+              <a:stretch>
+                <a:fillRect/>
+              </a:stretch>
+            </p:blipFill>
+            <p:spPr>
+              <a:xfrm>
+                <a:off x="5326416" y="4835736"/>
+                <a:ext cx="479880" cy="558360"/>
+              </a:xfrm>
+              <a:prstGeom prst="rect">
+                <a:avLst/>
+              </a:prstGeom>
+            </p:spPr>
+          </p:pic>
+        </mc:Fallback>
+      </mc:AlternateContent>
     </p:spTree>
   </p:cSld>
   <p:clrMapOvr>
@@ -3326,6 +5098,957 @@
           </a:p>
         </p:txBody>
       </p:sp>
+      <mc:AlternateContent xmlns:mc="http://schemas.openxmlformats.org/markup-compatibility/2006">
+        <mc:Choice xmlns:p14="http://schemas.microsoft.com/office/powerpoint/2010/main" Requires="p14">
+          <p:contentPart p14:bwMode="auto" r:id="rId2">
+            <p14:nvContentPartPr>
+              <p14:cNvPr id="9" name="Ink 8">
+                <a:extLst>
+                  <a:ext uri="{FF2B5EF4-FFF2-40B4-BE49-F238E27FC236}">
+                    <a16:creationId xmlns:a16="http://schemas.microsoft.com/office/drawing/2014/main" id="{53CE7F2C-2A1D-51FB-E43F-75DE1B2E4CA5}"/>
+                  </a:ext>
+                </a:extLst>
+              </p14:cNvPr>
+              <p14:cNvContentPartPr/>
+              <p14:nvPr/>
+            </p14:nvContentPartPr>
+            <p14:xfrm>
+              <a:off x="749376" y="1353096"/>
+              <a:ext cx="905040" cy="146880"/>
+            </p14:xfrm>
+          </p:contentPart>
+        </mc:Choice>
+        <mc:Fallback>
+          <p:pic>
+            <p:nvPicPr>
+              <p:cNvPr id="9" name="Ink 8">
+                <a:extLst>
+                  <a:ext uri="{FF2B5EF4-FFF2-40B4-BE49-F238E27FC236}">
+                    <a16:creationId xmlns:a16="http://schemas.microsoft.com/office/drawing/2014/main" id="{53CE7F2C-2A1D-51FB-E43F-75DE1B2E4CA5}"/>
+                  </a:ext>
+                </a:extLst>
+              </p:cNvPr>
+              <p:cNvPicPr/>
+              <p:nvPr/>
+            </p:nvPicPr>
+            <p:blipFill>
+              <a:blip r:embed="rId3"/>
+              <a:stretch>
+                <a:fillRect/>
+              </a:stretch>
+            </p:blipFill>
+            <p:spPr>
+              <a:xfrm>
+                <a:off x="740736" y="1344456"/>
+                <a:ext cx="922680" cy="164520"/>
+              </a:xfrm>
+              <a:prstGeom prst="rect">
+                <a:avLst/>
+              </a:prstGeom>
+            </p:spPr>
+          </p:pic>
+        </mc:Fallback>
+      </mc:AlternateContent>
+      <mc:AlternateContent xmlns:mc="http://schemas.openxmlformats.org/markup-compatibility/2006">
+        <mc:Choice xmlns:p14="http://schemas.microsoft.com/office/powerpoint/2010/main" Requires="p14">
+          <p:contentPart p14:bwMode="auto" r:id="rId4">
+            <p14:nvContentPartPr>
+              <p14:cNvPr id="10" name="Ink 9">
+                <a:extLst>
+                  <a:ext uri="{FF2B5EF4-FFF2-40B4-BE49-F238E27FC236}">
+                    <a16:creationId xmlns:a16="http://schemas.microsoft.com/office/drawing/2014/main" id="{32DF4503-8765-69CA-4487-334ED0CD67D4}"/>
+                  </a:ext>
+                </a:extLst>
+              </p14:cNvPr>
+              <p14:cNvContentPartPr/>
+              <p14:nvPr/>
+            </p14:nvContentPartPr>
+            <p14:xfrm>
+              <a:off x="1107576" y="3537576"/>
+              <a:ext cx="1380600" cy="382320"/>
+            </p14:xfrm>
+          </p:contentPart>
+        </mc:Choice>
+        <mc:Fallback>
+          <p:pic>
+            <p:nvPicPr>
+              <p:cNvPr id="10" name="Ink 9">
+                <a:extLst>
+                  <a:ext uri="{FF2B5EF4-FFF2-40B4-BE49-F238E27FC236}">
+                    <a16:creationId xmlns:a16="http://schemas.microsoft.com/office/drawing/2014/main" id="{32DF4503-8765-69CA-4487-334ED0CD67D4}"/>
+                  </a:ext>
+                </a:extLst>
+              </p:cNvPr>
+              <p:cNvPicPr/>
+              <p:nvPr/>
+            </p:nvPicPr>
+            <p:blipFill>
+              <a:blip r:embed="rId5"/>
+              <a:stretch>
+                <a:fillRect/>
+              </a:stretch>
+            </p:blipFill>
+            <p:spPr>
+              <a:xfrm>
+                <a:off x="1098576" y="3528936"/>
+                <a:ext cx="1398240" cy="399960"/>
+              </a:xfrm>
+              <a:prstGeom prst="rect">
+                <a:avLst/>
+              </a:prstGeom>
+            </p:spPr>
+          </p:pic>
+        </mc:Fallback>
+      </mc:AlternateContent>
+      <p:grpSp>
+        <p:nvGrpSpPr>
+          <p:cNvPr id="13" name="Group 12">
+            <a:extLst>
+              <a:ext uri="{FF2B5EF4-FFF2-40B4-BE49-F238E27FC236}">
+                <a16:creationId xmlns:a16="http://schemas.microsoft.com/office/drawing/2014/main" id="{67740667-83FB-2FEA-12FC-8C6B57F0D084}"/>
+              </a:ext>
+            </a:extLst>
+          </p:cNvPr>
+          <p:cNvGrpSpPr/>
+          <p:nvPr/>
+        </p:nvGrpSpPr>
+        <p:grpSpPr>
+          <a:xfrm>
+            <a:off x="1791936" y="4178736"/>
+            <a:ext cx="348120" cy="468720"/>
+            <a:chOff x="1791936" y="4178736"/>
+            <a:chExt cx="348120" cy="468720"/>
+          </a:xfrm>
+        </p:grpSpPr>
+        <mc:AlternateContent xmlns:mc="http://schemas.openxmlformats.org/markup-compatibility/2006">
+          <mc:Choice xmlns:p14="http://schemas.microsoft.com/office/powerpoint/2010/main" Requires="p14">
+            <p:contentPart p14:bwMode="auto" r:id="rId6">
+              <p14:nvContentPartPr>
+                <p14:cNvPr id="11" name="Ink 10">
+                  <a:extLst>
+                    <a:ext uri="{FF2B5EF4-FFF2-40B4-BE49-F238E27FC236}">
+                      <a16:creationId xmlns:a16="http://schemas.microsoft.com/office/drawing/2014/main" id="{701BE61C-88E5-70A9-8C91-DB38C66E8DD4}"/>
+                    </a:ext>
+                  </a:extLst>
+                </p14:cNvPr>
+                <p14:cNvContentPartPr/>
+                <p14:nvPr/>
+              </p14:nvContentPartPr>
+              <p14:xfrm>
+                <a:off x="1791936" y="4178736"/>
+                <a:ext cx="302760" cy="468720"/>
+              </p14:xfrm>
+            </p:contentPart>
+          </mc:Choice>
+          <mc:Fallback>
+            <p:pic>
+              <p:nvPicPr>
+                <p:cNvPr id="11" name="Ink 10">
+                  <a:extLst>
+                    <a:ext uri="{FF2B5EF4-FFF2-40B4-BE49-F238E27FC236}">
+                      <a16:creationId xmlns:a16="http://schemas.microsoft.com/office/drawing/2014/main" id="{701BE61C-88E5-70A9-8C91-DB38C66E8DD4}"/>
+                    </a:ext>
+                  </a:extLst>
+                </p:cNvPr>
+                <p:cNvPicPr/>
+                <p:nvPr/>
+              </p:nvPicPr>
+              <p:blipFill>
+                <a:blip r:embed="rId7"/>
+                <a:stretch>
+                  <a:fillRect/>
+                </a:stretch>
+              </p:blipFill>
+              <p:spPr>
+                <a:xfrm>
+                  <a:off x="1782936" y="4170096"/>
+                  <a:ext cx="320400" cy="486360"/>
+                </a:xfrm>
+                <a:prstGeom prst="rect">
+                  <a:avLst/>
+                </a:prstGeom>
+              </p:spPr>
+            </p:pic>
+          </mc:Fallback>
+        </mc:AlternateContent>
+        <mc:AlternateContent xmlns:mc="http://schemas.openxmlformats.org/markup-compatibility/2006">
+          <mc:Choice xmlns:p14="http://schemas.microsoft.com/office/powerpoint/2010/main" Requires="p14">
+            <p:contentPart p14:bwMode="auto" r:id="rId8">
+              <p14:nvContentPartPr>
+                <p14:cNvPr id="12" name="Ink 11">
+                  <a:extLst>
+                    <a:ext uri="{FF2B5EF4-FFF2-40B4-BE49-F238E27FC236}">
+                      <a16:creationId xmlns:a16="http://schemas.microsoft.com/office/drawing/2014/main" id="{BCC790F5-9693-7405-05AA-34B3D3D48DEC}"/>
+                    </a:ext>
+                  </a:extLst>
+                </p14:cNvPr>
+                <p14:cNvContentPartPr/>
+                <p14:nvPr/>
+              </p14:nvContentPartPr>
+              <p14:xfrm>
+                <a:off x="2025576" y="4453056"/>
+                <a:ext cx="114480" cy="114480"/>
+              </p14:xfrm>
+            </p:contentPart>
+          </mc:Choice>
+          <mc:Fallback>
+            <p:pic>
+              <p:nvPicPr>
+                <p:cNvPr id="12" name="Ink 11">
+                  <a:extLst>
+                    <a:ext uri="{FF2B5EF4-FFF2-40B4-BE49-F238E27FC236}">
+                      <a16:creationId xmlns:a16="http://schemas.microsoft.com/office/drawing/2014/main" id="{BCC790F5-9693-7405-05AA-34B3D3D48DEC}"/>
+                    </a:ext>
+                  </a:extLst>
+                </p:cNvPr>
+                <p:cNvPicPr/>
+                <p:nvPr/>
+              </p:nvPicPr>
+              <p:blipFill>
+                <a:blip r:embed="rId9"/>
+                <a:stretch>
+                  <a:fillRect/>
+                </a:stretch>
+              </p:blipFill>
+              <p:spPr>
+                <a:xfrm>
+                  <a:off x="2016936" y="4444416"/>
+                  <a:ext cx="132120" cy="132120"/>
+                </a:xfrm>
+                <a:prstGeom prst="rect">
+                  <a:avLst/>
+                </a:prstGeom>
+              </p:spPr>
+            </p:pic>
+          </mc:Fallback>
+        </mc:AlternateContent>
+      </p:grpSp>
+      <p:grpSp>
+        <p:nvGrpSpPr>
+          <p:cNvPr id="19" name="Group 18">
+            <a:extLst>
+              <a:ext uri="{FF2B5EF4-FFF2-40B4-BE49-F238E27FC236}">
+                <a16:creationId xmlns:a16="http://schemas.microsoft.com/office/drawing/2014/main" id="{35393546-33FB-F15D-50BA-B55327DE8A19}"/>
+              </a:ext>
+            </a:extLst>
+          </p:cNvPr>
+          <p:cNvGrpSpPr/>
+          <p:nvPr/>
+        </p:nvGrpSpPr>
+        <p:grpSpPr>
+          <a:xfrm>
+            <a:off x="3118176" y="5266656"/>
+            <a:ext cx="1641600" cy="429120"/>
+            <a:chOff x="3118176" y="5266656"/>
+            <a:chExt cx="1641600" cy="429120"/>
+          </a:xfrm>
+        </p:grpSpPr>
+        <mc:AlternateContent xmlns:mc="http://schemas.openxmlformats.org/markup-compatibility/2006">
+          <mc:Choice xmlns:p14="http://schemas.microsoft.com/office/powerpoint/2010/main" Requires="p14">
+            <p:contentPart p14:bwMode="auto" r:id="rId10">
+              <p14:nvContentPartPr>
+                <p14:cNvPr id="17" name="Ink 16">
+                  <a:extLst>
+                    <a:ext uri="{FF2B5EF4-FFF2-40B4-BE49-F238E27FC236}">
+                      <a16:creationId xmlns:a16="http://schemas.microsoft.com/office/drawing/2014/main" id="{26F6F880-8847-A15D-19C5-3797693E3D1C}"/>
+                    </a:ext>
+                  </a:extLst>
+                </p14:cNvPr>
+                <p14:cNvContentPartPr/>
+                <p14:nvPr/>
+              </p14:nvContentPartPr>
+              <p14:xfrm>
+                <a:off x="3118176" y="5452776"/>
+                <a:ext cx="1436760" cy="171000"/>
+              </p14:xfrm>
+            </p:contentPart>
+          </mc:Choice>
+          <mc:Fallback>
+            <p:pic>
+              <p:nvPicPr>
+                <p:cNvPr id="17" name="Ink 16">
+                  <a:extLst>
+                    <a:ext uri="{FF2B5EF4-FFF2-40B4-BE49-F238E27FC236}">
+                      <a16:creationId xmlns:a16="http://schemas.microsoft.com/office/drawing/2014/main" id="{26F6F880-8847-A15D-19C5-3797693E3D1C}"/>
+                    </a:ext>
+                  </a:extLst>
+                </p:cNvPr>
+                <p:cNvPicPr/>
+                <p:nvPr/>
+              </p:nvPicPr>
+              <p:blipFill>
+                <a:blip r:embed="rId11"/>
+                <a:stretch>
+                  <a:fillRect/>
+                </a:stretch>
+              </p:blipFill>
+              <p:spPr>
+                <a:xfrm>
+                  <a:off x="3109176" y="5444136"/>
+                  <a:ext cx="1454400" cy="188640"/>
+                </a:xfrm>
+                <a:prstGeom prst="rect">
+                  <a:avLst/>
+                </a:prstGeom>
+              </p:spPr>
+            </p:pic>
+          </mc:Fallback>
+        </mc:AlternateContent>
+        <mc:AlternateContent xmlns:mc="http://schemas.openxmlformats.org/markup-compatibility/2006">
+          <mc:Choice xmlns:p14="http://schemas.microsoft.com/office/powerpoint/2010/main" Requires="p14">
+            <p:contentPart p14:bwMode="auto" r:id="rId12">
+              <p14:nvContentPartPr>
+                <p14:cNvPr id="18" name="Ink 17">
+                  <a:extLst>
+                    <a:ext uri="{FF2B5EF4-FFF2-40B4-BE49-F238E27FC236}">
+                      <a16:creationId xmlns:a16="http://schemas.microsoft.com/office/drawing/2014/main" id="{E879BFB7-1487-CFD2-CD80-D752028455C4}"/>
+                    </a:ext>
+                  </a:extLst>
+                </p14:cNvPr>
+                <p14:cNvContentPartPr/>
+                <p14:nvPr/>
+              </p14:nvContentPartPr>
+              <p14:xfrm>
+                <a:off x="4398336" y="5266656"/>
+                <a:ext cx="361440" cy="429120"/>
+              </p14:xfrm>
+            </p:contentPart>
+          </mc:Choice>
+          <mc:Fallback>
+            <p:pic>
+              <p:nvPicPr>
+                <p:cNvPr id="18" name="Ink 17">
+                  <a:extLst>
+                    <a:ext uri="{FF2B5EF4-FFF2-40B4-BE49-F238E27FC236}">
+                      <a16:creationId xmlns:a16="http://schemas.microsoft.com/office/drawing/2014/main" id="{E879BFB7-1487-CFD2-CD80-D752028455C4}"/>
+                    </a:ext>
+                  </a:extLst>
+                </p:cNvPr>
+                <p:cNvPicPr/>
+                <p:nvPr/>
+              </p:nvPicPr>
+              <p:blipFill>
+                <a:blip r:embed="rId13"/>
+                <a:stretch>
+                  <a:fillRect/>
+                </a:stretch>
+              </p:blipFill>
+              <p:spPr>
+                <a:xfrm>
+                  <a:off x="4389336" y="5257656"/>
+                  <a:ext cx="379080" cy="446760"/>
+                </a:xfrm>
+                <a:prstGeom prst="rect">
+                  <a:avLst/>
+                </a:prstGeom>
+              </p:spPr>
+            </p:pic>
+          </mc:Fallback>
+        </mc:AlternateContent>
+      </p:grpSp>
+      <p:grpSp>
+        <p:nvGrpSpPr>
+          <p:cNvPr id="21" name="Group 20">
+            <a:extLst>
+              <a:ext uri="{FF2B5EF4-FFF2-40B4-BE49-F238E27FC236}">
+                <a16:creationId xmlns:a16="http://schemas.microsoft.com/office/drawing/2014/main" id="{8CD31680-8430-E359-5E82-4A48A7F10861}"/>
+              </a:ext>
+            </a:extLst>
+          </p:cNvPr>
+          <p:cNvGrpSpPr/>
+          <p:nvPr/>
+        </p:nvGrpSpPr>
+        <p:grpSpPr>
+          <a:xfrm>
+            <a:off x="1146816" y="2514456"/>
+            <a:ext cx="3630600" cy="1384920"/>
+            <a:chOff x="1146816" y="2514456"/>
+            <a:chExt cx="3630600" cy="1384920"/>
+          </a:xfrm>
+        </p:grpSpPr>
+        <mc:AlternateContent xmlns:mc="http://schemas.openxmlformats.org/markup-compatibility/2006">
+          <mc:Choice xmlns:p14="http://schemas.microsoft.com/office/powerpoint/2010/main" Requires="p14">
+            <p:contentPart p14:bwMode="auto" r:id="rId14">
+              <p14:nvContentPartPr>
+                <p14:cNvPr id="4" name="Ink 3">
+                  <a:extLst>
+                    <a:ext uri="{FF2B5EF4-FFF2-40B4-BE49-F238E27FC236}">
+                      <a16:creationId xmlns:a16="http://schemas.microsoft.com/office/drawing/2014/main" id="{BF497CDA-F886-EADE-6B13-ACC07C3E9259}"/>
+                    </a:ext>
+                  </a:extLst>
+                </p14:cNvPr>
+                <p14:cNvContentPartPr/>
+                <p14:nvPr/>
+              </p14:nvContentPartPr>
+              <p14:xfrm>
+                <a:off x="4443696" y="2514456"/>
+                <a:ext cx="333720" cy="83520"/>
+              </p14:xfrm>
+            </p:contentPart>
+          </mc:Choice>
+          <mc:Fallback>
+            <p:pic>
+              <p:nvPicPr>
+                <p:cNvPr id="4" name="Ink 3">
+                  <a:extLst>
+                    <a:ext uri="{FF2B5EF4-FFF2-40B4-BE49-F238E27FC236}">
+                      <a16:creationId xmlns:a16="http://schemas.microsoft.com/office/drawing/2014/main" id="{BF497CDA-F886-EADE-6B13-ACC07C3E9259}"/>
+                    </a:ext>
+                  </a:extLst>
+                </p:cNvPr>
+                <p:cNvPicPr/>
+                <p:nvPr/>
+              </p:nvPicPr>
+              <p:blipFill>
+                <a:blip r:embed="rId15"/>
+                <a:stretch>
+                  <a:fillRect/>
+                </a:stretch>
+              </p:blipFill>
+              <p:spPr>
+                <a:xfrm>
+                  <a:off x="4434696" y="2505456"/>
+                  <a:ext cx="351360" cy="101160"/>
+                </a:xfrm>
+                <a:prstGeom prst="rect">
+                  <a:avLst/>
+                </a:prstGeom>
+              </p:spPr>
+            </p:pic>
+          </mc:Fallback>
+        </mc:AlternateContent>
+        <mc:AlternateContent xmlns:mc="http://schemas.openxmlformats.org/markup-compatibility/2006">
+          <mc:Choice xmlns:p14="http://schemas.microsoft.com/office/powerpoint/2010/main" Requires="p14">
+            <p:contentPart p14:bwMode="auto" r:id="rId16">
+              <p14:nvContentPartPr>
+                <p14:cNvPr id="5" name="Ink 4">
+                  <a:extLst>
+                    <a:ext uri="{FF2B5EF4-FFF2-40B4-BE49-F238E27FC236}">
+                      <a16:creationId xmlns:a16="http://schemas.microsoft.com/office/drawing/2014/main" id="{D78C7EB8-2F4C-2DD6-EF85-83F7BB6858BF}"/>
+                    </a:ext>
+                  </a:extLst>
+                </p14:cNvPr>
+                <p14:cNvContentPartPr/>
+                <p14:nvPr/>
+              </p14:nvContentPartPr>
+              <p14:xfrm>
+                <a:off x="3757896" y="2922696"/>
+                <a:ext cx="558360" cy="151560"/>
+              </p14:xfrm>
+            </p:contentPart>
+          </mc:Choice>
+          <mc:Fallback>
+            <p:pic>
+              <p:nvPicPr>
+                <p:cNvPr id="5" name="Ink 4">
+                  <a:extLst>
+                    <a:ext uri="{FF2B5EF4-FFF2-40B4-BE49-F238E27FC236}">
+                      <a16:creationId xmlns:a16="http://schemas.microsoft.com/office/drawing/2014/main" id="{D78C7EB8-2F4C-2DD6-EF85-83F7BB6858BF}"/>
+                    </a:ext>
+                  </a:extLst>
+                </p:cNvPr>
+                <p:cNvPicPr/>
+                <p:nvPr/>
+              </p:nvPicPr>
+              <p:blipFill>
+                <a:blip r:embed="rId17"/>
+                <a:stretch>
+                  <a:fillRect/>
+                </a:stretch>
+              </p:blipFill>
+              <p:spPr>
+                <a:xfrm>
+                  <a:off x="3749256" y="2913696"/>
+                  <a:ext cx="576000" cy="169200"/>
+                </a:xfrm>
+                <a:prstGeom prst="rect">
+                  <a:avLst/>
+                </a:prstGeom>
+              </p:spPr>
+            </p:pic>
+          </mc:Fallback>
+        </mc:AlternateContent>
+        <mc:AlternateContent xmlns:mc="http://schemas.openxmlformats.org/markup-compatibility/2006">
+          <mc:Choice xmlns:p14="http://schemas.microsoft.com/office/powerpoint/2010/main" Requires="p14">
+            <p:contentPart p14:bwMode="auto" r:id="rId18">
+              <p14:nvContentPartPr>
+                <p14:cNvPr id="6" name="Ink 5">
+                  <a:extLst>
+                    <a:ext uri="{FF2B5EF4-FFF2-40B4-BE49-F238E27FC236}">
+                      <a16:creationId xmlns:a16="http://schemas.microsoft.com/office/drawing/2014/main" id="{6B24DD82-C789-5D95-6F41-AD93274C16EF}"/>
+                    </a:ext>
+                  </a:extLst>
+                </p14:cNvPr>
+                <p14:cNvContentPartPr/>
+                <p14:nvPr/>
+              </p14:nvContentPartPr>
+              <p14:xfrm>
+                <a:off x="3529296" y="3273336"/>
+                <a:ext cx="250560" cy="154440"/>
+              </p14:xfrm>
+            </p:contentPart>
+          </mc:Choice>
+          <mc:Fallback>
+            <p:pic>
+              <p:nvPicPr>
+                <p:cNvPr id="6" name="Ink 5">
+                  <a:extLst>
+                    <a:ext uri="{FF2B5EF4-FFF2-40B4-BE49-F238E27FC236}">
+                      <a16:creationId xmlns:a16="http://schemas.microsoft.com/office/drawing/2014/main" id="{6B24DD82-C789-5D95-6F41-AD93274C16EF}"/>
+                    </a:ext>
+                  </a:extLst>
+                </p:cNvPr>
+                <p:cNvPicPr/>
+                <p:nvPr/>
+              </p:nvPicPr>
+              <p:blipFill>
+                <a:blip r:embed="rId19"/>
+                <a:stretch>
+                  <a:fillRect/>
+                </a:stretch>
+              </p:blipFill>
+              <p:spPr>
+                <a:xfrm>
+                  <a:off x="3520296" y="3264336"/>
+                  <a:ext cx="268200" cy="172080"/>
+                </a:xfrm>
+                <a:prstGeom prst="rect">
+                  <a:avLst/>
+                </a:prstGeom>
+              </p:spPr>
+            </p:pic>
+          </mc:Fallback>
+        </mc:AlternateContent>
+        <mc:AlternateContent xmlns:mc="http://schemas.openxmlformats.org/markup-compatibility/2006">
+          <mc:Choice xmlns:p14="http://schemas.microsoft.com/office/powerpoint/2010/main" Requires="p14">
+            <p:contentPart p14:bwMode="auto" r:id="rId20">
+              <p14:nvContentPartPr>
+                <p14:cNvPr id="7" name="Ink 6">
+                  <a:extLst>
+                    <a:ext uri="{FF2B5EF4-FFF2-40B4-BE49-F238E27FC236}">
+                      <a16:creationId xmlns:a16="http://schemas.microsoft.com/office/drawing/2014/main" id="{142D9456-50FD-FE71-2A64-05D651BD7A7C}"/>
+                    </a:ext>
+                  </a:extLst>
+                </p14:cNvPr>
+                <p14:cNvContentPartPr/>
+                <p14:nvPr/>
+              </p14:nvContentPartPr>
+              <p14:xfrm>
+                <a:off x="3492216" y="3492216"/>
+                <a:ext cx="1041120" cy="407160"/>
+              </p14:xfrm>
+            </p:contentPart>
+          </mc:Choice>
+          <mc:Fallback>
+            <p:pic>
+              <p:nvPicPr>
+                <p:cNvPr id="7" name="Ink 6">
+                  <a:extLst>
+                    <a:ext uri="{FF2B5EF4-FFF2-40B4-BE49-F238E27FC236}">
+                      <a16:creationId xmlns:a16="http://schemas.microsoft.com/office/drawing/2014/main" id="{142D9456-50FD-FE71-2A64-05D651BD7A7C}"/>
+                    </a:ext>
+                  </a:extLst>
+                </p:cNvPr>
+                <p:cNvPicPr/>
+                <p:nvPr/>
+              </p:nvPicPr>
+              <p:blipFill>
+                <a:blip r:embed="rId21"/>
+                <a:stretch>
+                  <a:fillRect/>
+                </a:stretch>
+              </p:blipFill>
+              <p:spPr>
+                <a:xfrm>
+                  <a:off x="3483576" y="3483216"/>
+                  <a:ext cx="1058760" cy="424800"/>
+                </a:xfrm>
+                <a:prstGeom prst="rect">
+                  <a:avLst/>
+                </a:prstGeom>
+              </p:spPr>
+            </p:pic>
+          </mc:Fallback>
+        </mc:AlternateContent>
+        <mc:AlternateContent xmlns:mc="http://schemas.openxmlformats.org/markup-compatibility/2006">
+          <mc:Choice xmlns:p14="http://schemas.microsoft.com/office/powerpoint/2010/main" Requires="p14">
+            <p:contentPart p14:bwMode="auto" r:id="rId22">
+              <p14:nvContentPartPr>
+                <p14:cNvPr id="14" name="Ink 13">
+                  <a:extLst>
+                    <a:ext uri="{FF2B5EF4-FFF2-40B4-BE49-F238E27FC236}">
+                      <a16:creationId xmlns:a16="http://schemas.microsoft.com/office/drawing/2014/main" id="{CA3959FC-174F-5844-9141-9386832EB091}"/>
+                    </a:ext>
+                  </a:extLst>
+                </p14:cNvPr>
+                <p14:cNvContentPartPr/>
+                <p14:nvPr/>
+              </p14:nvContentPartPr>
+              <p14:xfrm>
+                <a:off x="1245096" y="3072456"/>
+                <a:ext cx="1379880" cy="642600"/>
+              </p14:xfrm>
+            </p:contentPart>
+          </mc:Choice>
+          <mc:Fallback>
+            <p:pic>
+              <p:nvPicPr>
+                <p:cNvPr id="14" name="Ink 13">
+                  <a:extLst>
+                    <a:ext uri="{FF2B5EF4-FFF2-40B4-BE49-F238E27FC236}">
+                      <a16:creationId xmlns:a16="http://schemas.microsoft.com/office/drawing/2014/main" id="{CA3959FC-174F-5844-9141-9386832EB091}"/>
+                    </a:ext>
+                  </a:extLst>
+                </p:cNvPr>
+                <p:cNvPicPr/>
+                <p:nvPr/>
+              </p:nvPicPr>
+              <p:blipFill>
+                <a:blip r:embed="rId23"/>
+                <a:stretch>
+                  <a:fillRect/>
+                </a:stretch>
+              </p:blipFill>
+              <p:spPr>
+                <a:xfrm>
+                  <a:off x="1236096" y="3063456"/>
+                  <a:ext cx="1397520" cy="660240"/>
+                </a:xfrm>
+                <a:prstGeom prst="rect">
+                  <a:avLst/>
+                </a:prstGeom>
+              </p:spPr>
+            </p:pic>
+          </mc:Fallback>
+        </mc:AlternateContent>
+        <mc:AlternateContent xmlns:mc="http://schemas.openxmlformats.org/markup-compatibility/2006">
+          <mc:Choice xmlns:p14="http://schemas.microsoft.com/office/powerpoint/2010/main" Requires="p14">
+            <p:contentPart p14:bwMode="auto" r:id="rId24">
+              <p14:nvContentPartPr>
+                <p14:cNvPr id="15" name="Ink 14">
+                  <a:extLst>
+                    <a:ext uri="{FF2B5EF4-FFF2-40B4-BE49-F238E27FC236}">
+                      <a16:creationId xmlns:a16="http://schemas.microsoft.com/office/drawing/2014/main" id="{E0B054D0-8C90-01EC-1C1E-23F7290152F3}"/>
+                    </a:ext>
+                  </a:extLst>
+                </p14:cNvPr>
+                <p14:cNvContentPartPr/>
+                <p14:nvPr/>
+              </p14:nvContentPartPr>
+              <p14:xfrm>
+                <a:off x="2624256" y="3236976"/>
+                <a:ext cx="377640" cy="257040"/>
+              </p14:xfrm>
+            </p:contentPart>
+          </mc:Choice>
+          <mc:Fallback>
+            <p:pic>
+              <p:nvPicPr>
+                <p:cNvPr id="15" name="Ink 14">
+                  <a:extLst>
+                    <a:ext uri="{FF2B5EF4-FFF2-40B4-BE49-F238E27FC236}">
+                      <a16:creationId xmlns:a16="http://schemas.microsoft.com/office/drawing/2014/main" id="{E0B054D0-8C90-01EC-1C1E-23F7290152F3}"/>
+                    </a:ext>
+                  </a:extLst>
+                </p:cNvPr>
+                <p:cNvPicPr/>
+                <p:nvPr/>
+              </p:nvPicPr>
+              <p:blipFill>
+                <a:blip r:embed="rId25"/>
+                <a:stretch>
+                  <a:fillRect/>
+                </a:stretch>
+              </p:blipFill>
+              <p:spPr>
+                <a:xfrm>
+                  <a:off x="2615616" y="3228336"/>
+                  <a:ext cx="395280" cy="274680"/>
+                </a:xfrm>
+                <a:prstGeom prst="rect">
+                  <a:avLst/>
+                </a:prstGeom>
+              </p:spPr>
+            </p:pic>
+          </mc:Fallback>
+        </mc:AlternateContent>
+        <mc:AlternateContent xmlns:mc="http://schemas.openxmlformats.org/markup-compatibility/2006">
+          <mc:Choice xmlns:p14="http://schemas.microsoft.com/office/powerpoint/2010/main" Requires="p14">
+            <p:contentPart p14:bwMode="auto" r:id="rId26">
+              <p14:nvContentPartPr>
+                <p14:cNvPr id="20" name="Ink 19">
+                  <a:extLst>
+                    <a:ext uri="{FF2B5EF4-FFF2-40B4-BE49-F238E27FC236}">
+                      <a16:creationId xmlns:a16="http://schemas.microsoft.com/office/drawing/2014/main" id="{698B6721-AF47-BB53-1FFF-FCBBAD4ABBB2}"/>
+                    </a:ext>
+                  </a:extLst>
+                </p14:cNvPr>
+                <p14:cNvContentPartPr/>
+                <p14:nvPr/>
+              </p14:nvContentPartPr>
+              <p14:xfrm>
+                <a:off x="1146816" y="2660256"/>
+                <a:ext cx="1771920" cy="491400"/>
+              </p14:xfrm>
+            </p:contentPart>
+          </mc:Choice>
+          <mc:Fallback>
+            <p:pic>
+              <p:nvPicPr>
+                <p:cNvPr id="20" name="Ink 19">
+                  <a:extLst>
+                    <a:ext uri="{FF2B5EF4-FFF2-40B4-BE49-F238E27FC236}">
+                      <a16:creationId xmlns:a16="http://schemas.microsoft.com/office/drawing/2014/main" id="{698B6721-AF47-BB53-1FFF-FCBBAD4ABBB2}"/>
+                    </a:ext>
+                  </a:extLst>
+                </p:cNvPr>
+                <p:cNvPicPr/>
+                <p:nvPr/>
+              </p:nvPicPr>
+              <p:blipFill>
+                <a:blip r:embed="rId27"/>
+                <a:stretch>
+                  <a:fillRect/>
+                </a:stretch>
+              </p:blipFill>
+              <p:spPr>
+                <a:xfrm>
+                  <a:off x="1138176" y="2651256"/>
+                  <a:ext cx="1789560" cy="509040"/>
+                </a:xfrm>
+                <a:prstGeom prst="rect">
+                  <a:avLst/>
+                </a:prstGeom>
+              </p:spPr>
+            </p:pic>
+          </mc:Fallback>
+        </mc:AlternateContent>
+      </p:grpSp>
+      <p:grpSp>
+        <p:nvGrpSpPr>
+          <p:cNvPr id="25" name="Group 24">
+            <a:extLst>
+              <a:ext uri="{FF2B5EF4-FFF2-40B4-BE49-F238E27FC236}">
+                <a16:creationId xmlns:a16="http://schemas.microsoft.com/office/drawing/2014/main" id="{5803B15B-FE27-C8BD-52A8-090138419230}"/>
+              </a:ext>
+            </a:extLst>
+          </p:cNvPr>
+          <p:cNvGrpSpPr/>
+          <p:nvPr/>
+        </p:nvGrpSpPr>
+        <p:grpSpPr>
+          <a:xfrm>
+            <a:off x="3437496" y="4571856"/>
+            <a:ext cx="1403280" cy="568800"/>
+            <a:chOff x="3437496" y="4571856"/>
+            <a:chExt cx="1403280" cy="568800"/>
+          </a:xfrm>
+        </p:grpSpPr>
+        <mc:AlternateContent xmlns:mc="http://schemas.openxmlformats.org/markup-compatibility/2006">
+          <mc:Choice xmlns:p14="http://schemas.microsoft.com/office/powerpoint/2010/main" Requires="p14">
+            <p:contentPart p14:bwMode="auto" r:id="rId28">
+              <p14:nvContentPartPr>
+                <p14:cNvPr id="22" name="Ink 21">
+                  <a:extLst>
+                    <a:ext uri="{FF2B5EF4-FFF2-40B4-BE49-F238E27FC236}">
+                      <a16:creationId xmlns:a16="http://schemas.microsoft.com/office/drawing/2014/main" id="{E0251132-EB9B-F2EE-8292-3D44E1CC4543}"/>
+                    </a:ext>
+                  </a:extLst>
+                </p14:cNvPr>
+                <p14:cNvContentPartPr/>
+                <p14:nvPr/>
+              </p14:nvContentPartPr>
+              <p14:xfrm>
+                <a:off x="3437496" y="4571856"/>
+                <a:ext cx="772200" cy="568800"/>
+              </p14:xfrm>
+            </p:contentPart>
+          </mc:Choice>
+          <mc:Fallback>
+            <p:pic>
+              <p:nvPicPr>
+                <p:cNvPr id="22" name="Ink 21">
+                  <a:extLst>
+                    <a:ext uri="{FF2B5EF4-FFF2-40B4-BE49-F238E27FC236}">
+                      <a16:creationId xmlns:a16="http://schemas.microsoft.com/office/drawing/2014/main" id="{E0251132-EB9B-F2EE-8292-3D44E1CC4543}"/>
+                    </a:ext>
+                  </a:extLst>
+                </p:cNvPr>
+                <p:cNvPicPr/>
+                <p:nvPr/>
+              </p:nvPicPr>
+              <p:blipFill>
+                <a:blip r:embed="rId29"/>
+                <a:stretch>
+                  <a:fillRect/>
+                </a:stretch>
+              </p:blipFill>
+              <p:spPr>
+                <a:xfrm>
+                  <a:off x="3428496" y="4563216"/>
+                  <a:ext cx="789840" cy="586440"/>
+                </a:xfrm>
+                <a:prstGeom prst="rect">
+                  <a:avLst/>
+                </a:prstGeom>
+              </p:spPr>
+            </p:pic>
+          </mc:Fallback>
+        </mc:AlternateContent>
+        <mc:AlternateContent xmlns:mc="http://schemas.openxmlformats.org/markup-compatibility/2006">
+          <mc:Choice xmlns:p14="http://schemas.microsoft.com/office/powerpoint/2010/main" Requires="p14">
+            <p:contentPart p14:bwMode="auto" r:id="rId30">
+              <p14:nvContentPartPr>
+                <p14:cNvPr id="23" name="Ink 22">
+                  <a:extLst>
+                    <a:ext uri="{FF2B5EF4-FFF2-40B4-BE49-F238E27FC236}">
+                      <a16:creationId xmlns:a16="http://schemas.microsoft.com/office/drawing/2014/main" id="{E428CDF4-7BB5-14B7-A065-9695677EE10E}"/>
+                    </a:ext>
+                  </a:extLst>
+                </p14:cNvPr>
+                <p14:cNvContentPartPr/>
+                <p14:nvPr/>
+              </p14:nvContentPartPr>
+              <p14:xfrm>
+                <a:off x="3838176" y="4626936"/>
+                <a:ext cx="639000" cy="478800"/>
+              </p14:xfrm>
+            </p:contentPart>
+          </mc:Choice>
+          <mc:Fallback>
+            <p:pic>
+              <p:nvPicPr>
+                <p:cNvPr id="23" name="Ink 22">
+                  <a:extLst>
+                    <a:ext uri="{FF2B5EF4-FFF2-40B4-BE49-F238E27FC236}">
+                      <a16:creationId xmlns:a16="http://schemas.microsoft.com/office/drawing/2014/main" id="{E428CDF4-7BB5-14B7-A065-9695677EE10E}"/>
+                    </a:ext>
+                  </a:extLst>
+                </p:cNvPr>
+                <p:cNvPicPr/>
+                <p:nvPr/>
+              </p:nvPicPr>
+              <p:blipFill>
+                <a:blip r:embed="rId31"/>
+                <a:stretch>
+                  <a:fillRect/>
+                </a:stretch>
+              </p:blipFill>
+              <p:spPr>
+                <a:xfrm>
+                  <a:off x="3829536" y="4617936"/>
+                  <a:ext cx="656640" cy="496440"/>
+                </a:xfrm>
+                <a:prstGeom prst="rect">
+                  <a:avLst/>
+                </a:prstGeom>
+              </p:spPr>
+            </p:pic>
+          </mc:Fallback>
+        </mc:AlternateContent>
+        <mc:AlternateContent xmlns:mc="http://schemas.openxmlformats.org/markup-compatibility/2006">
+          <mc:Choice xmlns:p14="http://schemas.microsoft.com/office/powerpoint/2010/main" Requires="p14">
+            <p:contentPart p14:bwMode="auto" r:id="rId32">
+              <p14:nvContentPartPr>
+                <p14:cNvPr id="24" name="Ink 23">
+                  <a:extLst>
+                    <a:ext uri="{FF2B5EF4-FFF2-40B4-BE49-F238E27FC236}">
+                      <a16:creationId xmlns:a16="http://schemas.microsoft.com/office/drawing/2014/main" id="{18DD3821-A7E6-AF0B-1DB0-8B4709DE6E61}"/>
+                    </a:ext>
+                  </a:extLst>
+                </p14:cNvPr>
+                <p14:cNvContentPartPr/>
+                <p14:nvPr/>
+              </p14:nvContentPartPr>
+              <p14:xfrm>
+                <a:off x="4214736" y="4709016"/>
+                <a:ext cx="626040" cy="411840"/>
+              </p14:xfrm>
+            </p:contentPart>
+          </mc:Choice>
+          <mc:Fallback>
+            <p:pic>
+              <p:nvPicPr>
+                <p:cNvPr id="24" name="Ink 23">
+                  <a:extLst>
+                    <a:ext uri="{FF2B5EF4-FFF2-40B4-BE49-F238E27FC236}">
+                      <a16:creationId xmlns:a16="http://schemas.microsoft.com/office/drawing/2014/main" id="{18DD3821-A7E6-AF0B-1DB0-8B4709DE6E61}"/>
+                    </a:ext>
+                  </a:extLst>
+                </p:cNvPr>
+                <p:cNvPicPr/>
+                <p:nvPr/>
+              </p:nvPicPr>
+              <p:blipFill>
+                <a:blip r:embed="rId33"/>
+                <a:stretch>
+                  <a:fillRect/>
+                </a:stretch>
+              </p:blipFill>
+              <p:spPr>
+                <a:xfrm>
+                  <a:off x="4206096" y="4700016"/>
+                  <a:ext cx="643680" cy="429480"/>
+                </a:xfrm>
+                <a:prstGeom prst="rect">
+                  <a:avLst/>
+                </a:prstGeom>
+              </p:spPr>
+            </p:pic>
+          </mc:Fallback>
+        </mc:AlternateContent>
+      </p:grpSp>
+      <mc:AlternateContent xmlns:mc="http://schemas.openxmlformats.org/markup-compatibility/2006">
+        <mc:Choice xmlns:p14="http://schemas.microsoft.com/office/powerpoint/2010/main" Requires="p14">
+          <p:contentPart p14:bwMode="auto" r:id="rId34">
+            <p14:nvContentPartPr>
+              <p14:cNvPr id="26" name="Ink 25">
+                <a:extLst>
+                  <a:ext uri="{FF2B5EF4-FFF2-40B4-BE49-F238E27FC236}">
+                    <a16:creationId xmlns:a16="http://schemas.microsoft.com/office/drawing/2014/main" id="{C3DCE759-DE3D-419B-C23C-60B4F01F99D9}"/>
+                  </a:ext>
+                </a:extLst>
+              </p14:cNvPr>
+              <p14:cNvContentPartPr/>
+              <p14:nvPr/>
+            </p14:nvContentPartPr>
+            <p14:xfrm>
+              <a:off x="4379976" y="1851696"/>
+              <a:ext cx="1620360" cy="899280"/>
+            </p14:xfrm>
+          </p:contentPart>
+        </mc:Choice>
+        <mc:Fallback>
+          <p:pic>
+            <p:nvPicPr>
+              <p:cNvPr id="26" name="Ink 25">
+                <a:extLst>
+                  <a:ext uri="{FF2B5EF4-FFF2-40B4-BE49-F238E27FC236}">
+                    <a16:creationId xmlns:a16="http://schemas.microsoft.com/office/drawing/2014/main" id="{C3DCE759-DE3D-419B-C23C-60B4F01F99D9}"/>
+                  </a:ext>
+                </a:extLst>
+              </p:cNvPr>
+              <p:cNvPicPr/>
+              <p:nvPr/>
+            </p:nvPicPr>
+            <p:blipFill>
+              <a:blip r:embed="rId35"/>
+              <a:stretch>
+                <a:fillRect/>
+              </a:stretch>
+            </p:blipFill>
+            <p:spPr>
+              <a:xfrm>
+                <a:off x="4371336" y="1843056"/>
+                <a:ext cx="1638000" cy="916920"/>
+              </a:xfrm>
+              <a:prstGeom prst="rect">
+                <a:avLst/>
+              </a:prstGeom>
+            </p:spPr>
+          </p:pic>
+        </mc:Fallback>
+      </mc:AlternateContent>
     </p:spTree>
   </p:cSld>
   <p:clrMapOvr>
@@ -22654,6 +25377,507 @@
           </a:p>
         </p:txBody>
       </p:sp>
+      <p:grpSp>
+        <p:nvGrpSpPr>
+          <p:cNvPr id="12" name="Group 11">
+            <a:extLst>
+              <a:ext uri="{FF2B5EF4-FFF2-40B4-BE49-F238E27FC236}">
+                <a16:creationId xmlns:a16="http://schemas.microsoft.com/office/drawing/2014/main" id="{621553D0-3B20-D75C-74FD-AD7BB12B34C5}"/>
+              </a:ext>
+            </a:extLst>
+          </p:cNvPr>
+          <p:cNvGrpSpPr/>
+          <p:nvPr/>
+        </p:nvGrpSpPr>
+        <p:grpSpPr>
+          <a:xfrm>
+            <a:off x="9719856" y="1389816"/>
+            <a:ext cx="1340640" cy="3548160"/>
+            <a:chOff x="9719856" y="1389816"/>
+            <a:chExt cx="1340640" cy="3548160"/>
+          </a:xfrm>
+        </p:grpSpPr>
+        <mc:AlternateContent xmlns:mc="http://schemas.openxmlformats.org/markup-compatibility/2006">
+          <mc:Choice xmlns:p14="http://schemas.microsoft.com/office/powerpoint/2010/main" Requires="p14">
+            <p:contentPart p14:bwMode="auto" r:id="rId3">
+              <p14:nvContentPartPr>
+                <p14:cNvPr id="4" name="Ink 3">
+                  <a:extLst>
+                    <a:ext uri="{FF2B5EF4-FFF2-40B4-BE49-F238E27FC236}">
+                      <a16:creationId xmlns:a16="http://schemas.microsoft.com/office/drawing/2014/main" id="{815C05E4-4605-65F0-4010-BADA8F23ED88}"/>
+                    </a:ext>
+                  </a:extLst>
+                </p14:cNvPr>
+                <p14:cNvContentPartPr/>
+                <p14:nvPr/>
+              </p14:nvContentPartPr>
+              <p14:xfrm>
+                <a:off x="9719856" y="1389816"/>
+                <a:ext cx="578160" cy="3548160"/>
+              </p14:xfrm>
+            </p:contentPart>
+          </mc:Choice>
+          <mc:Fallback>
+            <p:pic>
+              <p:nvPicPr>
+                <p:cNvPr id="4" name="Ink 3">
+                  <a:extLst>
+                    <a:ext uri="{FF2B5EF4-FFF2-40B4-BE49-F238E27FC236}">
+                      <a16:creationId xmlns:a16="http://schemas.microsoft.com/office/drawing/2014/main" id="{815C05E4-4605-65F0-4010-BADA8F23ED88}"/>
+                    </a:ext>
+                  </a:extLst>
+                </p:cNvPr>
+                <p:cNvPicPr/>
+                <p:nvPr/>
+              </p:nvPicPr>
+              <p:blipFill>
+                <a:blip r:embed="rId4"/>
+                <a:stretch>
+                  <a:fillRect/>
+                </a:stretch>
+              </p:blipFill>
+              <p:spPr>
+                <a:xfrm>
+                  <a:off x="9711216" y="1380816"/>
+                  <a:ext cx="595800" cy="3565800"/>
+                </a:xfrm>
+                <a:prstGeom prst="rect">
+                  <a:avLst/>
+                </a:prstGeom>
+              </p:spPr>
+            </p:pic>
+          </mc:Fallback>
+        </mc:AlternateContent>
+        <mc:AlternateContent xmlns:mc="http://schemas.openxmlformats.org/markup-compatibility/2006">
+          <mc:Choice xmlns:p14="http://schemas.microsoft.com/office/powerpoint/2010/main" Requires="p14">
+            <p:contentPart p14:bwMode="auto" r:id="rId5">
+              <p14:nvContentPartPr>
+                <p14:cNvPr id="5" name="Ink 4">
+                  <a:extLst>
+                    <a:ext uri="{FF2B5EF4-FFF2-40B4-BE49-F238E27FC236}">
+                      <a16:creationId xmlns:a16="http://schemas.microsoft.com/office/drawing/2014/main" id="{BC6BBA84-35FF-C9AC-ADC0-708049F685D0}"/>
+                    </a:ext>
+                  </a:extLst>
+                </p14:cNvPr>
+                <p14:cNvContentPartPr/>
+                <p14:nvPr/>
+              </p14:nvContentPartPr>
+              <p14:xfrm>
+                <a:off x="10470096" y="2752416"/>
+                <a:ext cx="40680" cy="507240"/>
+              </p14:xfrm>
+            </p:contentPart>
+          </mc:Choice>
+          <mc:Fallback>
+            <p:pic>
+              <p:nvPicPr>
+                <p:cNvPr id="5" name="Ink 4">
+                  <a:extLst>
+                    <a:ext uri="{FF2B5EF4-FFF2-40B4-BE49-F238E27FC236}">
+                      <a16:creationId xmlns:a16="http://schemas.microsoft.com/office/drawing/2014/main" id="{BC6BBA84-35FF-C9AC-ADC0-708049F685D0}"/>
+                    </a:ext>
+                  </a:extLst>
+                </p:cNvPr>
+                <p:cNvPicPr/>
+                <p:nvPr/>
+              </p:nvPicPr>
+              <p:blipFill>
+                <a:blip r:embed="rId6"/>
+                <a:stretch>
+                  <a:fillRect/>
+                </a:stretch>
+              </p:blipFill>
+              <p:spPr>
+                <a:xfrm>
+                  <a:off x="10461096" y="2743416"/>
+                  <a:ext cx="58320" cy="524880"/>
+                </a:xfrm>
+                <a:prstGeom prst="rect">
+                  <a:avLst/>
+                </a:prstGeom>
+              </p:spPr>
+            </p:pic>
+          </mc:Fallback>
+        </mc:AlternateContent>
+        <mc:AlternateContent xmlns:mc="http://schemas.openxmlformats.org/markup-compatibility/2006">
+          <mc:Choice xmlns:p14="http://schemas.microsoft.com/office/powerpoint/2010/main" Requires="p14">
+            <p:contentPart p14:bwMode="auto" r:id="rId7">
+              <p14:nvContentPartPr>
+                <p14:cNvPr id="7" name="Ink 6">
+                  <a:extLst>
+                    <a:ext uri="{FF2B5EF4-FFF2-40B4-BE49-F238E27FC236}">
+                      <a16:creationId xmlns:a16="http://schemas.microsoft.com/office/drawing/2014/main" id="{9696449E-028C-1190-06AA-478766880F8E}"/>
+                    </a:ext>
+                  </a:extLst>
+                </p14:cNvPr>
+                <p14:cNvContentPartPr/>
+                <p14:nvPr/>
+              </p14:nvContentPartPr>
+              <p14:xfrm>
+                <a:off x="10558656" y="2856096"/>
+                <a:ext cx="284760" cy="430200"/>
+              </p14:xfrm>
+            </p:contentPart>
+          </mc:Choice>
+          <mc:Fallback>
+            <p:pic>
+              <p:nvPicPr>
+                <p:cNvPr id="7" name="Ink 6">
+                  <a:extLst>
+                    <a:ext uri="{FF2B5EF4-FFF2-40B4-BE49-F238E27FC236}">
+                      <a16:creationId xmlns:a16="http://schemas.microsoft.com/office/drawing/2014/main" id="{9696449E-028C-1190-06AA-478766880F8E}"/>
+                    </a:ext>
+                  </a:extLst>
+                </p:cNvPr>
+                <p:cNvPicPr/>
+                <p:nvPr/>
+              </p:nvPicPr>
+              <p:blipFill>
+                <a:blip r:embed="rId8"/>
+                <a:stretch>
+                  <a:fillRect/>
+                </a:stretch>
+              </p:blipFill>
+              <p:spPr>
+                <a:xfrm>
+                  <a:off x="10549656" y="2847456"/>
+                  <a:ext cx="302400" cy="447840"/>
+                </a:xfrm>
+                <a:prstGeom prst="rect">
+                  <a:avLst/>
+                </a:prstGeom>
+              </p:spPr>
+            </p:pic>
+          </mc:Fallback>
+        </mc:AlternateContent>
+        <mc:AlternateContent xmlns:mc="http://schemas.openxmlformats.org/markup-compatibility/2006">
+          <mc:Choice xmlns:p14="http://schemas.microsoft.com/office/powerpoint/2010/main" Requires="p14">
+            <p:contentPart p14:bwMode="auto" r:id="rId9">
+              <p14:nvContentPartPr>
+                <p14:cNvPr id="9" name="Ink 8">
+                  <a:extLst>
+                    <a:ext uri="{FF2B5EF4-FFF2-40B4-BE49-F238E27FC236}">
+                      <a16:creationId xmlns:a16="http://schemas.microsoft.com/office/drawing/2014/main" id="{6771C1EE-188C-94DD-927C-0180A6291BB4}"/>
+                    </a:ext>
+                  </a:extLst>
+                </p14:cNvPr>
+                <p14:cNvContentPartPr/>
+                <p14:nvPr/>
+              </p14:nvContentPartPr>
+              <p14:xfrm>
+                <a:off x="10424016" y="3365856"/>
+                <a:ext cx="514080" cy="136080"/>
+              </p14:xfrm>
+            </p:contentPart>
+          </mc:Choice>
+          <mc:Fallback>
+            <p:pic>
+              <p:nvPicPr>
+                <p:cNvPr id="9" name="Ink 8">
+                  <a:extLst>
+                    <a:ext uri="{FF2B5EF4-FFF2-40B4-BE49-F238E27FC236}">
+                      <a16:creationId xmlns:a16="http://schemas.microsoft.com/office/drawing/2014/main" id="{6771C1EE-188C-94DD-927C-0180A6291BB4}"/>
+                    </a:ext>
+                  </a:extLst>
+                </p:cNvPr>
+                <p:cNvPicPr/>
+                <p:nvPr/>
+              </p:nvPicPr>
+              <p:blipFill>
+                <a:blip r:embed="rId10"/>
+                <a:stretch>
+                  <a:fillRect/>
+                </a:stretch>
+              </p:blipFill>
+              <p:spPr>
+                <a:xfrm>
+                  <a:off x="10415376" y="3357216"/>
+                  <a:ext cx="531720" cy="153720"/>
+                </a:xfrm>
+                <a:prstGeom prst="rect">
+                  <a:avLst/>
+                </a:prstGeom>
+              </p:spPr>
+            </p:pic>
+          </mc:Fallback>
+        </mc:AlternateContent>
+        <mc:AlternateContent xmlns:mc="http://schemas.openxmlformats.org/markup-compatibility/2006">
+          <mc:Choice xmlns:p14="http://schemas.microsoft.com/office/powerpoint/2010/main" Requires="p14">
+            <p:contentPart p14:bwMode="auto" r:id="rId11">
+              <p14:nvContentPartPr>
+                <p14:cNvPr id="11" name="Ink 10">
+                  <a:extLst>
+                    <a:ext uri="{FF2B5EF4-FFF2-40B4-BE49-F238E27FC236}">
+                      <a16:creationId xmlns:a16="http://schemas.microsoft.com/office/drawing/2014/main" id="{B0BDE871-0C99-C8DF-10BA-0810346F48C3}"/>
+                    </a:ext>
+                  </a:extLst>
+                </p14:cNvPr>
+                <p14:cNvContentPartPr/>
+                <p14:nvPr/>
+              </p14:nvContentPartPr>
+              <p14:xfrm>
+                <a:off x="10552176" y="3275856"/>
+                <a:ext cx="508320" cy="226440"/>
+              </p14:xfrm>
+            </p:contentPart>
+          </mc:Choice>
+          <mc:Fallback>
+            <p:pic>
+              <p:nvPicPr>
+                <p:cNvPr id="11" name="Ink 10">
+                  <a:extLst>
+                    <a:ext uri="{FF2B5EF4-FFF2-40B4-BE49-F238E27FC236}">
+                      <a16:creationId xmlns:a16="http://schemas.microsoft.com/office/drawing/2014/main" id="{B0BDE871-0C99-C8DF-10BA-0810346F48C3}"/>
+                    </a:ext>
+                  </a:extLst>
+                </p:cNvPr>
+                <p:cNvPicPr/>
+                <p:nvPr/>
+              </p:nvPicPr>
+              <p:blipFill>
+                <a:blip r:embed="rId12"/>
+                <a:stretch>
+                  <a:fillRect/>
+                </a:stretch>
+              </p:blipFill>
+              <p:spPr>
+                <a:xfrm>
+                  <a:off x="10543176" y="3266856"/>
+                  <a:ext cx="525960" cy="244080"/>
+                </a:xfrm>
+                <a:prstGeom prst="rect">
+                  <a:avLst/>
+                </a:prstGeom>
+              </p:spPr>
+            </p:pic>
+          </mc:Fallback>
+        </mc:AlternateContent>
+      </p:grpSp>
+      <p:grpSp>
+        <p:nvGrpSpPr>
+          <p:cNvPr id="17" name="Group 16">
+            <a:extLst>
+              <a:ext uri="{FF2B5EF4-FFF2-40B4-BE49-F238E27FC236}">
+                <a16:creationId xmlns:a16="http://schemas.microsoft.com/office/drawing/2014/main" id="{237DB1F0-C459-5BCD-1F57-BD227FB53986}"/>
+              </a:ext>
+            </a:extLst>
+          </p:cNvPr>
+          <p:cNvGrpSpPr/>
+          <p:nvPr/>
+        </p:nvGrpSpPr>
+        <p:grpSpPr>
+          <a:xfrm>
+            <a:off x="493776" y="3154536"/>
+            <a:ext cx="1773720" cy="1115280"/>
+            <a:chOff x="493776" y="3154536"/>
+            <a:chExt cx="1773720" cy="1115280"/>
+          </a:xfrm>
+        </p:grpSpPr>
+        <mc:AlternateContent xmlns:mc="http://schemas.openxmlformats.org/markup-compatibility/2006">
+          <mc:Choice xmlns:p14="http://schemas.microsoft.com/office/powerpoint/2010/main" Requires="p14">
+            <p:contentPart p14:bwMode="auto" r:id="rId13">
+              <p14:nvContentPartPr>
+                <p14:cNvPr id="13" name="Ink 12">
+                  <a:extLst>
+                    <a:ext uri="{FF2B5EF4-FFF2-40B4-BE49-F238E27FC236}">
+                      <a16:creationId xmlns:a16="http://schemas.microsoft.com/office/drawing/2014/main" id="{49694280-A365-45AB-643C-25212BA77638}"/>
+                    </a:ext>
+                  </a:extLst>
+                </p14:cNvPr>
+                <p14:cNvContentPartPr/>
+                <p14:nvPr/>
+              </p14:nvContentPartPr>
+              <p14:xfrm>
+                <a:off x="493776" y="3209256"/>
+                <a:ext cx="326160" cy="695880"/>
+              </p14:xfrm>
+            </p:contentPart>
+          </mc:Choice>
+          <mc:Fallback>
+            <p:pic>
+              <p:nvPicPr>
+                <p:cNvPr id="13" name="Ink 12">
+                  <a:extLst>
+                    <a:ext uri="{FF2B5EF4-FFF2-40B4-BE49-F238E27FC236}">
+                      <a16:creationId xmlns:a16="http://schemas.microsoft.com/office/drawing/2014/main" id="{49694280-A365-45AB-643C-25212BA77638}"/>
+                    </a:ext>
+                  </a:extLst>
+                </p:cNvPr>
+                <p:cNvPicPr/>
+                <p:nvPr/>
+              </p:nvPicPr>
+              <p:blipFill>
+                <a:blip r:embed="rId14"/>
+                <a:stretch>
+                  <a:fillRect/>
+                </a:stretch>
+              </p:blipFill>
+              <p:spPr>
+                <a:xfrm>
+                  <a:off x="484776" y="3200616"/>
+                  <a:ext cx="343800" cy="713520"/>
+                </a:xfrm>
+                <a:prstGeom prst="rect">
+                  <a:avLst/>
+                </a:prstGeom>
+              </p:spPr>
+            </p:pic>
+          </mc:Fallback>
+        </mc:AlternateContent>
+        <mc:AlternateContent xmlns:mc="http://schemas.openxmlformats.org/markup-compatibility/2006">
+          <mc:Choice xmlns:p14="http://schemas.microsoft.com/office/powerpoint/2010/main" Requires="p14">
+            <p:contentPart p14:bwMode="auto" r:id="rId15">
+              <p14:nvContentPartPr>
+                <p14:cNvPr id="14" name="Ink 13">
+                  <a:extLst>
+                    <a:ext uri="{FF2B5EF4-FFF2-40B4-BE49-F238E27FC236}">
+                      <a16:creationId xmlns:a16="http://schemas.microsoft.com/office/drawing/2014/main" id="{860E770A-E980-1EF6-64F4-C1DE21CC254F}"/>
+                    </a:ext>
+                  </a:extLst>
+                </p14:cNvPr>
+                <p14:cNvContentPartPr/>
+                <p14:nvPr/>
+              </p14:nvContentPartPr>
+              <p14:xfrm>
+                <a:off x="822816" y="3392136"/>
+                <a:ext cx="377640" cy="776520"/>
+              </p14:xfrm>
+            </p:contentPart>
+          </mc:Choice>
+          <mc:Fallback>
+            <p:pic>
+              <p:nvPicPr>
+                <p:cNvPr id="14" name="Ink 13">
+                  <a:extLst>
+                    <a:ext uri="{FF2B5EF4-FFF2-40B4-BE49-F238E27FC236}">
+                      <a16:creationId xmlns:a16="http://schemas.microsoft.com/office/drawing/2014/main" id="{860E770A-E980-1EF6-64F4-C1DE21CC254F}"/>
+                    </a:ext>
+                  </a:extLst>
+                </p:cNvPr>
+                <p:cNvPicPr/>
+                <p:nvPr/>
+              </p:nvPicPr>
+              <p:blipFill>
+                <a:blip r:embed="rId16"/>
+                <a:stretch>
+                  <a:fillRect/>
+                </a:stretch>
+              </p:blipFill>
+              <p:spPr>
+                <a:xfrm>
+                  <a:off x="814176" y="3383136"/>
+                  <a:ext cx="395280" cy="794160"/>
+                </a:xfrm>
+                <a:prstGeom prst="rect">
+                  <a:avLst/>
+                </a:prstGeom>
+              </p:spPr>
+            </p:pic>
+          </mc:Fallback>
+        </mc:AlternateContent>
+        <mc:AlternateContent xmlns:mc="http://schemas.openxmlformats.org/markup-compatibility/2006">
+          <mc:Choice xmlns:p14="http://schemas.microsoft.com/office/powerpoint/2010/main" Requires="p14">
+            <p:contentPart p14:bwMode="auto" r:id="rId17">
+              <p14:nvContentPartPr>
+                <p14:cNvPr id="15" name="Ink 14">
+                  <a:extLst>
+                    <a:ext uri="{FF2B5EF4-FFF2-40B4-BE49-F238E27FC236}">
+                      <a16:creationId xmlns:a16="http://schemas.microsoft.com/office/drawing/2014/main" id="{B5899B91-2B05-9B53-96F7-0F1561CBE4FF}"/>
+                    </a:ext>
+                  </a:extLst>
+                </p14:cNvPr>
+                <p14:cNvContentPartPr/>
+                <p14:nvPr/>
+              </p14:nvContentPartPr>
+              <p14:xfrm>
+                <a:off x="1225296" y="3154536"/>
+                <a:ext cx="489240" cy="1115280"/>
+              </p14:xfrm>
+            </p:contentPart>
+          </mc:Choice>
+          <mc:Fallback>
+            <p:pic>
+              <p:nvPicPr>
+                <p:cNvPr id="15" name="Ink 14">
+                  <a:extLst>
+                    <a:ext uri="{FF2B5EF4-FFF2-40B4-BE49-F238E27FC236}">
+                      <a16:creationId xmlns:a16="http://schemas.microsoft.com/office/drawing/2014/main" id="{B5899B91-2B05-9B53-96F7-0F1561CBE4FF}"/>
+                    </a:ext>
+                  </a:extLst>
+                </p:cNvPr>
+                <p:cNvPicPr/>
+                <p:nvPr/>
+              </p:nvPicPr>
+              <p:blipFill>
+                <a:blip r:embed="rId18"/>
+                <a:stretch>
+                  <a:fillRect/>
+                </a:stretch>
+              </p:blipFill>
+              <p:spPr>
+                <a:xfrm>
+                  <a:off x="1216296" y="3145536"/>
+                  <a:ext cx="506880" cy="1132920"/>
+                </a:xfrm>
+                <a:prstGeom prst="rect">
+                  <a:avLst/>
+                </a:prstGeom>
+              </p:spPr>
+            </p:pic>
+          </mc:Fallback>
+        </mc:AlternateContent>
+        <mc:AlternateContent xmlns:mc="http://schemas.openxmlformats.org/markup-compatibility/2006">
+          <mc:Choice xmlns:p14="http://schemas.microsoft.com/office/powerpoint/2010/main" Requires="p14">
+            <p:contentPart p14:bwMode="auto" r:id="rId19">
+              <p14:nvContentPartPr>
+                <p14:cNvPr id="16" name="Ink 15">
+                  <a:extLst>
+                    <a:ext uri="{FF2B5EF4-FFF2-40B4-BE49-F238E27FC236}">
+                      <a16:creationId xmlns:a16="http://schemas.microsoft.com/office/drawing/2014/main" id="{E5F4C3D1-92C8-476A-DFB3-7CFFE9BC3D5D}"/>
+                    </a:ext>
+                  </a:extLst>
+                </p14:cNvPr>
+                <p14:cNvContentPartPr/>
+                <p14:nvPr/>
+              </p14:nvContentPartPr>
+              <p14:xfrm>
+                <a:off x="1747656" y="3503376"/>
+                <a:ext cx="519840" cy="750960"/>
+              </p14:xfrm>
+            </p:contentPart>
+          </mc:Choice>
+          <mc:Fallback>
+            <p:pic>
+              <p:nvPicPr>
+                <p:cNvPr id="16" name="Ink 15">
+                  <a:extLst>
+                    <a:ext uri="{FF2B5EF4-FFF2-40B4-BE49-F238E27FC236}">
+                      <a16:creationId xmlns:a16="http://schemas.microsoft.com/office/drawing/2014/main" id="{E5F4C3D1-92C8-476A-DFB3-7CFFE9BC3D5D}"/>
+                    </a:ext>
+                  </a:extLst>
+                </p:cNvPr>
+                <p:cNvPicPr/>
+                <p:nvPr/>
+              </p:nvPicPr>
+              <p:blipFill>
+                <a:blip r:embed="rId20"/>
+                <a:stretch>
+                  <a:fillRect/>
+                </a:stretch>
+              </p:blipFill>
+              <p:spPr>
+                <a:xfrm>
+                  <a:off x="1739016" y="3494736"/>
+                  <a:ext cx="537480" cy="768600"/>
+                </a:xfrm>
+                <a:prstGeom prst="rect">
+                  <a:avLst/>
+                </a:prstGeom>
+              </p:spPr>
+            </p:pic>
+          </mc:Fallback>
+        </mc:AlternateContent>
+      </p:grpSp>
     </p:spTree>
   </p:cSld>
   <p:clrMapOvr>
@@ -29077,6 +32301,945 @@
           </a:p>
         </p:txBody>
       </p:sp>
+      <p:grpSp>
+        <p:nvGrpSpPr>
+          <p:cNvPr id="27" name="Group 26">
+            <a:extLst>
+              <a:ext uri="{FF2B5EF4-FFF2-40B4-BE49-F238E27FC236}">
+                <a16:creationId xmlns:a16="http://schemas.microsoft.com/office/drawing/2014/main" id="{6D09C346-1556-1D09-5A2D-04B76BCD946D}"/>
+              </a:ext>
+            </a:extLst>
+          </p:cNvPr>
+          <p:cNvGrpSpPr/>
+          <p:nvPr/>
+        </p:nvGrpSpPr>
+        <p:grpSpPr>
+          <a:xfrm>
+            <a:off x="6080976" y="913536"/>
+            <a:ext cx="2960640" cy="2172600"/>
+            <a:chOff x="6080976" y="913536"/>
+            <a:chExt cx="2960640" cy="2172600"/>
+          </a:xfrm>
+        </p:grpSpPr>
+        <mc:AlternateContent xmlns:mc="http://schemas.openxmlformats.org/markup-compatibility/2006">
+          <mc:Choice xmlns:p14="http://schemas.microsoft.com/office/powerpoint/2010/main" Requires="p14">
+            <p:contentPart p14:bwMode="auto" r:id="rId2">
+              <p14:nvContentPartPr>
+                <p14:cNvPr id="4" name="Ink 3">
+                  <a:extLst>
+                    <a:ext uri="{FF2B5EF4-FFF2-40B4-BE49-F238E27FC236}">
+                      <a16:creationId xmlns:a16="http://schemas.microsoft.com/office/drawing/2014/main" id="{8967C009-CF53-865E-BCD1-B5345B95605B}"/>
+                    </a:ext>
+                  </a:extLst>
+                </p14:cNvPr>
+                <p14:cNvContentPartPr/>
+                <p14:nvPr/>
+              </p14:nvContentPartPr>
+              <p14:xfrm>
+                <a:off x="6906456" y="913536"/>
+                <a:ext cx="992880" cy="688680"/>
+              </p14:xfrm>
+            </p:contentPart>
+          </mc:Choice>
+          <mc:Fallback>
+            <p:pic>
+              <p:nvPicPr>
+                <p:cNvPr id="4" name="Ink 3">
+                  <a:extLst>
+                    <a:ext uri="{FF2B5EF4-FFF2-40B4-BE49-F238E27FC236}">
+                      <a16:creationId xmlns:a16="http://schemas.microsoft.com/office/drawing/2014/main" id="{8967C009-CF53-865E-BCD1-B5345B95605B}"/>
+                    </a:ext>
+                  </a:extLst>
+                </p:cNvPr>
+                <p:cNvPicPr/>
+                <p:nvPr/>
+              </p:nvPicPr>
+              <p:blipFill>
+                <a:blip r:embed="rId3"/>
+                <a:stretch>
+                  <a:fillRect/>
+                </a:stretch>
+              </p:blipFill>
+              <p:spPr>
+                <a:xfrm>
+                  <a:off x="6897456" y="904896"/>
+                  <a:ext cx="1010520" cy="706320"/>
+                </a:xfrm>
+                <a:prstGeom prst="rect">
+                  <a:avLst/>
+                </a:prstGeom>
+              </p:spPr>
+            </p:pic>
+          </mc:Fallback>
+        </mc:AlternateContent>
+        <mc:AlternateContent xmlns:mc="http://schemas.openxmlformats.org/markup-compatibility/2006">
+          <mc:Choice xmlns:p14="http://schemas.microsoft.com/office/powerpoint/2010/main" Requires="p14">
+            <p:contentPart p14:bwMode="auto" r:id="rId4">
+              <p14:nvContentPartPr>
+                <p14:cNvPr id="5" name="Ink 4">
+                  <a:extLst>
+                    <a:ext uri="{FF2B5EF4-FFF2-40B4-BE49-F238E27FC236}">
+                      <a16:creationId xmlns:a16="http://schemas.microsoft.com/office/drawing/2014/main" id="{17200CD0-A65B-7A84-8F03-8BDC2E111236}"/>
+                    </a:ext>
+                  </a:extLst>
+                </p14:cNvPr>
+                <p14:cNvContentPartPr/>
+                <p14:nvPr/>
+              </p14:nvContentPartPr>
+              <p14:xfrm>
+                <a:off x="6736536" y="1225296"/>
+                <a:ext cx="368280" cy="718200"/>
+              </p14:xfrm>
+            </p:contentPart>
+          </mc:Choice>
+          <mc:Fallback>
+            <p:pic>
+              <p:nvPicPr>
+                <p:cNvPr id="5" name="Ink 4">
+                  <a:extLst>
+                    <a:ext uri="{FF2B5EF4-FFF2-40B4-BE49-F238E27FC236}">
+                      <a16:creationId xmlns:a16="http://schemas.microsoft.com/office/drawing/2014/main" id="{17200CD0-A65B-7A84-8F03-8BDC2E111236}"/>
+                    </a:ext>
+                  </a:extLst>
+                </p:cNvPr>
+                <p:cNvPicPr/>
+                <p:nvPr/>
+              </p:nvPicPr>
+              <p:blipFill>
+                <a:blip r:embed="rId5"/>
+                <a:stretch>
+                  <a:fillRect/>
+                </a:stretch>
+              </p:blipFill>
+              <p:spPr>
+                <a:xfrm>
+                  <a:off x="6727896" y="1216296"/>
+                  <a:ext cx="385920" cy="735840"/>
+                </a:xfrm>
+                <a:prstGeom prst="rect">
+                  <a:avLst/>
+                </a:prstGeom>
+              </p:spPr>
+            </p:pic>
+          </mc:Fallback>
+        </mc:AlternateContent>
+        <mc:AlternateContent xmlns:mc="http://schemas.openxmlformats.org/markup-compatibility/2006">
+          <mc:Choice xmlns:p14="http://schemas.microsoft.com/office/powerpoint/2010/main" Requires="p14">
+            <p:contentPart p14:bwMode="auto" r:id="rId6">
+              <p14:nvContentPartPr>
+                <p14:cNvPr id="6" name="Ink 5">
+                  <a:extLst>
+                    <a:ext uri="{FF2B5EF4-FFF2-40B4-BE49-F238E27FC236}">
+                      <a16:creationId xmlns:a16="http://schemas.microsoft.com/office/drawing/2014/main" id="{9E88F687-CE39-1E95-1C38-5075CA8D884D}"/>
+                    </a:ext>
+                  </a:extLst>
+                </p14:cNvPr>
+                <p14:cNvContentPartPr/>
+                <p14:nvPr/>
+              </p14:nvContentPartPr>
+              <p14:xfrm>
+                <a:off x="7324056" y="1481256"/>
+                <a:ext cx="209520" cy="1403280"/>
+              </p14:xfrm>
+            </p:contentPart>
+          </mc:Choice>
+          <mc:Fallback>
+            <p:pic>
+              <p:nvPicPr>
+                <p:cNvPr id="6" name="Ink 5">
+                  <a:extLst>
+                    <a:ext uri="{FF2B5EF4-FFF2-40B4-BE49-F238E27FC236}">
+                      <a16:creationId xmlns:a16="http://schemas.microsoft.com/office/drawing/2014/main" id="{9E88F687-CE39-1E95-1C38-5075CA8D884D}"/>
+                    </a:ext>
+                  </a:extLst>
+                </p:cNvPr>
+                <p:cNvPicPr/>
+                <p:nvPr/>
+              </p:nvPicPr>
+              <p:blipFill>
+                <a:blip r:embed="rId7"/>
+                <a:stretch>
+                  <a:fillRect/>
+                </a:stretch>
+              </p:blipFill>
+              <p:spPr>
+                <a:xfrm>
+                  <a:off x="7315416" y="1472616"/>
+                  <a:ext cx="227160" cy="1420920"/>
+                </a:xfrm>
+                <a:prstGeom prst="rect">
+                  <a:avLst/>
+                </a:prstGeom>
+              </p:spPr>
+            </p:pic>
+          </mc:Fallback>
+        </mc:AlternateContent>
+        <mc:AlternateContent xmlns:mc="http://schemas.openxmlformats.org/markup-compatibility/2006">
+          <mc:Choice xmlns:p14="http://schemas.microsoft.com/office/powerpoint/2010/main" Requires="p14">
+            <p:contentPart p14:bwMode="auto" r:id="rId8">
+              <p14:nvContentPartPr>
+                <p14:cNvPr id="7" name="Ink 6">
+                  <a:extLst>
+                    <a:ext uri="{FF2B5EF4-FFF2-40B4-BE49-F238E27FC236}">
+                      <a16:creationId xmlns:a16="http://schemas.microsoft.com/office/drawing/2014/main" id="{DF4398EF-E77F-43E4-6D01-5C685539BE06}"/>
+                    </a:ext>
+                  </a:extLst>
+                </p14:cNvPr>
+                <p14:cNvContentPartPr/>
+                <p14:nvPr/>
+              </p14:nvContentPartPr>
+              <p14:xfrm>
+                <a:off x="7607376" y="1344096"/>
+                <a:ext cx="1130400" cy="1506600"/>
+              </p14:xfrm>
+            </p:contentPart>
+          </mc:Choice>
+          <mc:Fallback>
+            <p:pic>
+              <p:nvPicPr>
+                <p:cNvPr id="7" name="Ink 6">
+                  <a:extLst>
+                    <a:ext uri="{FF2B5EF4-FFF2-40B4-BE49-F238E27FC236}">
+                      <a16:creationId xmlns:a16="http://schemas.microsoft.com/office/drawing/2014/main" id="{DF4398EF-E77F-43E4-6D01-5C685539BE06}"/>
+                    </a:ext>
+                  </a:extLst>
+                </p:cNvPr>
+                <p:cNvPicPr/>
+                <p:nvPr/>
+              </p:nvPicPr>
+              <p:blipFill>
+                <a:blip r:embed="rId9"/>
+                <a:stretch>
+                  <a:fillRect/>
+                </a:stretch>
+              </p:blipFill>
+              <p:spPr>
+                <a:xfrm>
+                  <a:off x="7598736" y="1335096"/>
+                  <a:ext cx="1148040" cy="1524240"/>
+                </a:xfrm>
+                <a:prstGeom prst="rect">
+                  <a:avLst/>
+                </a:prstGeom>
+              </p:spPr>
+            </p:pic>
+          </mc:Fallback>
+        </mc:AlternateContent>
+        <mc:AlternateContent xmlns:mc="http://schemas.openxmlformats.org/markup-compatibility/2006">
+          <mc:Choice xmlns:p14="http://schemas.microsoft.com/office/powerpoint/2010/main" Requires="p14">
+            <p:contentPart p14:bwMode="auto" r:id="rId10">
+              <p14:nvContentPartPr>
+                <p14:cNvPr id="8" name="Ink 7">
+                  <a:extLst>
+                    <a:ext uri="{FF2B5EF4-FFF2-40B4-BE49-F238E27FC236}">
+                      <a16:creationId xmlns:a16="http://schemas.microsoft.com/office/drawing/2014/main" id="{0AC01C67-D0EA-DAC0-6398-EFE6AAE94727}"/>
+                    </a:ext>
+                  </a:extLst>
+                </p14:cNvPr>
+                <p14:cNvContentPartPr/>
+                <p14:nvPr/>
+              </p14:nvContentPartPr>
+              <p14:xfrm>
+                <a:off x="6588216" y="1929456"/>
+                <a:ext cx="86760" cy="124560"/>
+              </p14:xfrm>
+            </p:contentPart>
+          </mc:Choice>
+          <mc:Fallback>
+            <p:pic>
+              <p:nvPicPr>
+                <p:cNvPr id="8" name="Ink 7">
+                  <a:extLst>
+                    <a:ext uri="{FF2B5EF4-FFF2-40B4-BE49-F238E27FC236}">
+                      <a16:creationId xmlns:a16="http://schemas.microsoft.com/office/drawing/2014/main" id="{0AC01C67-D0EA-DAC0-6398-EFE6AAE94727}"/>
+                    </a:ext>
+                  </a:extLst>
+                </p:cNvPr>
+                <p:cNvPicPr/>
+                <p:nvPr/>
+              </p:nvPicPr>
+              <p:blipFill>
+                <a:blip r:embed="rId11"/>
+                <a:stretch>
+                  <a:fillRect/>
+                </a:stretch>
+              </p:blipFill>
+              <p:spPr>
+                <a:xfrm>
+                  <a:off x="6579576" y="1920456"/>
+                  <a:ext cx="104400" cy="142200"/>
+                </a:xfrm>
+                <a:prstGeom prst="rect">
+                  <a:avLst/>
+                </a:prstGeom>
+              </p:spPr>
+            </p:pic>
+          </mc:Fallback>
+        </mc:AlternateContent>
+        <mc:AlternateContent xmlns:mc="http://schemas.openxmlformats.org/markup-compatibility/2006">
+          <mc:Choice xmlns:p14="http://schemas.microsoft.com/office/powerpoint/2010/main" Requires="p14">
+            <p:contentPart p14:bwMode="auto" r:id="rId12">
+              <p14:nvContentPartPr>
+                <p14:cNvPr id="9" name="Ink 8">
+                  <a:extLst>
+                    <a:ext uri="{FF2B5EF4-FFF2-40B4-BE49-F238E27FC236}">
+                      <a16:creationId xmlns:a16="http://schemas.microsoft.com/office/drawing/2014/main" id="{04F530D4-4002-279F-31D6-466831A4ABA6}"/>
+                    </a:ext>
+                  </a:extLst>
+                </p14:cNvPr>
+                <p14:cNvContentPartPr/>
+                <p14:nvPr/>
+              </p14:nvContentPartPr>
+              <p14:xfrm>
+                <a:off x="6182496" y="1847016"/>
+                <a:ext cx="593280" cy="959400"/>
+              </p14:xfrm>
+            </p:contentPart>
+          </mc:Choice>
+          <mc:Fallback>
+            <p:pic>
+              <p:nvPicPr>
+                <p:cNvPr id="9" name="Ink 8">
+                  <a:extLst>
+                    <a:ext uri="{FF2B5EF4-FFF2-40B4-BE49-F238E27FC236}">
+                      <a16:creationId xmlns:a16="http://schemas.microsoft.com/office/drawing/2014/main" id="{04F530D4-4002-279F-31D6-466831A4ABA6}"/>
+                    </a:ext>
+                  </a:extLst>
+                </p:cNvPr>
+                <p:cNvPicPr/>
+                <p:nvPr/>
+              </p:nvPicPr>
+              <p:blipFill>
+                <a:blip r:embed="rId13"/>
+                <a:stretch>
+                  <a:fillRect/>
+                </a:stretch>
+              </p:blipFill>
+              <p:spPr>
+                <a:xfrm>
+                  <a:off x="6173496" y="1838016"/>
+                  <a:ext cx="610920" cy="977040"/>
+                </a:xfrm>
+                <a:prstGeom prst="rect">
+                  <a:avLst/>
+                </a:prstGeom>
+              </p:spPr>
+            </p:pic>
+          </mc:Fallback>
+        </mc:AlternateContent>
+        <mc:AlternateContent xmlns:mc="http://schemas.openxmlformats.org/markup-compatibility/2006">
+          <mc:Choice xmlns:p14="http://schemas.microsoft.com/office/powerpoint/2010/main" Requires="p14">
+            <p:contentPart p14:bwMode="auto" r:id="rId14">
+              <p14:nvContentPartPr>
+                <p14:cNvPr id="11" name="Ink 10">
+                  <a:extLst>
+                    <a:ext uri="{FF2B5EF4-FFF2-40B4-BE49-F238E27FC236}">
+                      <a16:creationId xmlns:a16="http://schemas.microsoft.com/office/drawing/2014/main" id="{3D8D2C22-67AA-23CD-FC59-D5DD7BC2AC21}"/>
+                    </a:ext>
+                  </a:extLst>
+                </p14:cNvPr>
+                <p14:cNvContentPartPr/>
+                <p14:nvPr/>
+              </p14:nvContentPartPr>
+              <p14:xfrm>
+                <a:off x="6080976" y="2788776"/>
+                <a:ext cx="361800" cy="297360"/>
+              </p14:xfrm>
+            </p:contentPart>
+          </mc:Choice>
+          <mc:Fallback>
+            <p:pic>
+              <p:nvPicPr>
+                <p:cNvPr id="11" name="Ink 10">
+                  <a:extLst>
+                    <a:ext uri="{FF2B5EF4-FFF2-40B4-BE49-F238E27FC236}">
+                      <a16:creationId xmlns:a16="http://schemas.microsoft.com/office/drawing/2014/main" id="{3D8D2C22-67AA-23CD-FC59-D5DD7BC2AC21}"/>
+                    </a:ext>
+                  </a:extLst>
+                </p:cNvPr>
+                <p:cNvPicPr/>
+                <p:nvPr/>
+              </p:nvPicPr>
+              <p:blipFill>
+                <a:blip r:embed="rId15"/>
+                <a:stretch>
+                  <a:fillRect/>
+                </a:stretch>
+              </p:blipFill>
+              <p:spPr>
+                <a:xfrm>
+                  <a:off x="6071976" y="2779776"/>
+                  <a:ext cx="379440" cy="315000"/>
+                </a:xfrm>
+                <a:prstGeom prst="rect">
+                  <a:avLst/>
+                </a:prstGeom>
+              </p:spPr>
+            </p:pic>
+          </mc:Fallback>
+        </mc:AlternateContent>
+        <mc:AlternateContent xmlns:mc="http://schemas.openxmlformats.org/markup-compatibility/2006">
+          <mc:Choice xmlns:p14="http://schemas.microsoft.com/office/powerpoint/2010/main" Requires="p14">
+            <p:contentPart p14:bwMode="auto" r:id="rId16">
+              <p14:nvContentPartPr>
+                <p14:cNvPr id="12" name="Ink 11">
+                  <a:extLst>
+                    <a:ext uri="{FF2B5EF4-FFF2-40B4-BE49-F238E27FC236}">
+                      <a16:creationId xmlns:a16="http://schemas.microsoft.com/office/drawing/2014/main" id="{AD360F19-34C6-1F3C-F5C9-95D6AA4164AF}"/>
+                    </a:ext>
+                  </a:extLst>
+                </p14:cNvPr>
+                <p14:cNvContentPartPr/>
+                <p14:nvPr/>
+              </p14:nvContentPartPr>
+              <p14:xfrm>
+                <a:off x="6181056" y="1410696"/>
+                <a:ext cx="1318680" cy="1552320"/>
+              </p14:xfrm>
+            </p:contentPart>
+          </mc:Choice>
+          <mc:Fallback>
+            <p:pic>
+              <p:nvPicPr>
+                <p:cNvPr id="12" name="Ink 11">
+                  <a:extLst>
+                    <a:ext uri="{FF2B5EF4-FFF2-40B4-BE49-F238E27FC236}">
+                      <a16:creationId xmlns:a16="http://schemas.microsoft.com/office/drawing/2014/main" id="{AD360F19-34C6-1F3C-F5C9-95D6AA4164AF}"/>
+                    </a:ext>
+                  </a:extLst>
+                </p:cNvPr>
+                <p:cNvPicPr/>
+                <p:nvPr/>
+              </p:nvPicPr>
+              <p:blipFill>
+                <a:blip r:embed="rId17"/>
+                <a:stretch>
+                  <a:fillRect/>
+                </a:stretch>
+              </p:blipFill>
+              <p:spPr>
+                <a:xfrm>
+                  <a:off x="6172056" y="1402056"/>
+                  <a:ext cx="1336320" cy="1569960"/>
+                </a:xfrm>
+                <a:prstGeom prst="rect">
+                  <a:avLst/>
+                </a:prstGeom>
+              </p:spPr>
+            </p:pic>
+          </mc:Fallback>
+        </mc:AlternateContent>
+        <mc:AlternateContent xmlns:mc="http://schemas.openxmlformats.org/markup-compatibility/2006">
+          <mc:Choice xmlns:p14="http://schemas.microsoft.com/office/powerpoint/2010/main" Requires="p14">
+            <p:contentPart p14:bwMode="auto" r:id="rId18">
+              <p14:nvContentPartPr>
+                <p14:cNvPr id="13" name="Ink 12">
+                  <a:extLst>
+                    <a:ext uri="{FF2B5EF4-FFF2-40B4-BE49-F238E27FC236}">
+                      <a16:creationId xmlns:a16="http://schemas.microsoft.com/office/drawing/2014/main" id="{1325CB8F-A9E1-5CB3-BEAE-9557AC9ABEC2}"/>
+                    </a:ext>
+                  </a:extLst>
+                </p14:cNvPr>
+                <p14:cNvContentPartPr/>
+                <p14:nvPr/>
+              </p14:nvContentPartPr>
+              <p14:xfrm>
+                <a:off x="7398216" y="2649456"/>
+                <a:ext cx="698040" cy="362160"/>
+              </p14:xfrm>
+            </p:contentPart>
+          </mc:Choice>
+          <mc:Fallback>
+            <p:pic>
+              <p:nvPicPr>
+                <p:cNvPr id="13" name="Ink 12">
+                  <a:extLst>
+                    <a:ext uri="{FF2B5EF4-FFF2-40B4-BE49-F238E27FC236}">
+                      <a16:creationId xmlns:a16="http://schemas.microsoft.com/office/drawing/2014/main" id="{1325CB8F-A9E1-5CB3-BEAE-9557AC9ABEC2}"/>
+                    </a:ext>
+                  </a:extLst>
+                </p:cNvPr>
+                <p:cNvPicPr/>
+                <p:nvPr/>
+              </p:nvPicPr>
+              <p:blipFill>
+                <a:blip r:embed="rId19"/>
+                <a:stretch>
+                  <a:fillRect/>
+                </a:stretch>
+              </p:blipFill>
+              <p:spPr>
+                <a:xfrm>
+                  <a:off x="7389216" y="2640816"/>
+                  <a:ext cx="715680" cy="379800"/>
+                </a:xfrm>
+                <a:prstGeom prst="rect">
+                  <a:avLst/>
+                </a:prstGeom>
+              </p:spPr>
+            </p:pic>
+          </mc:Fallback>
+        </mc:AlternateContent>
+        <mc:AlternateContent xmlns:mc="http://schemas.openxmlformats.org/markup-compatibility/2006">
+          <mc:Choice xmlns:p14="http://schemas.microsoft.com/office/powerpoint/2010/main" Requires="p14">
+            <p:contentPart p14:bwMode="auto" r:id="rId20">
+              <p14:nvContentPartPr>
+                <p14:cNvPr id="15" name="Ink 14">
+                  <a:extLst>
+                    <a:ext uri="{FF2B5EF4-FFF2-40B4-BE49-F238E27FC236}">
+                      <a16:creationId xmlns:a16="http://schemas.microsoft.com/office/drawing/2014/main" id="{E53430AA-6362-772E-F710-B4FD7375E78A}"/>
+                    </a:ext>
+                  </a:extLst>
+                </p14:cNvPr>
+                <p14:cNvContentPartPr/>
+                <p14:nvPr/>
+              </p14:nvContentPartPr>
+              <p14:xfrm>
+                <a:off x="7274376" y="1161216"/>
+                <a:ext cx="142560" cy="302040"/>
+              </p14:xfrm>
+            </p:contentPart>
+          </mc:Choice>
+          <mc:Fallback>
+            <p:pic>
+              <p:nvPicPr>
+                <p:cNvPr id="15" name="Ink 14">
+                  <a:extLst>
+                    <a:ext uri="{FF2B5EF4-FFF2-40B4-BE49-F238E27FC236}">
+                      <a16:creationId xmlns:a16="http://schemas.microsoft.com/office/drawing/2014/main" id="{E53430AA-6362-772E-F710-B4FD7375E78A}"/>
+                    </a:ext>
+                  </a:extLst>
+                </p:cNvPr>
+                <p:cNvPicPr/>
+                <p:nvPr/>
+              </p:nvPicPr>
+              <p:blipFill>
+                <a:blip r:embed="rId21"/>
+                <a:stretch>
+                  <a:fillRect/>
+                </a:stretch>
+              </p:blipFill>
+              <p:spPr>
+                <a:xfrm>
+                  <a:off x="7265736" y="1152576"/>
+                  <a:ext cx="160200" cy="319680"/>
+                </a:xfrm>
+                <a:prstGeom prst="rect">
+                  <a:avLst/>
+                </a:prstGeom>
+              </p:spPr>
+            </p:pic>
+          </mc:Fallback>
+        </mc:AlternateContent>
+        <mc:AlternateContent xmlns:mc="http://schemas.openxmlformats.org/markup-compatibility/2006">
+          <mc:Choice xmlns:p14="http://schemas.microsoft.com/office/powerpoint/2010/main" Requires="p14">
+            <p:contentPart p14:bwMode="auto" r:id="rId22">
+              <p14:nvContentPartPr>
+                <p14:cNvPr id="17" name="Ink 16">
+                  <a:extLst>
+                    <a:ext uri="{FF2B5EF4-FFF2-40B4-BE49-F238E27FC236}">
+                      <a16:creationId xmlns:a16="http://schemas.microsoft.com/office/drawing/2014/main" id="{AAF43777-FDBC-F61F-B9C9-31C53D41B5A5}"/>
+                    </a:ext>
+                  </a:extLst>
+                </p14:cNvPr>
+                <p14:cNvContentPartPr/>
+                <p14:nvPr/>
+              </p14:nvContentPartPr>
+              <p14:xfrm>
+                <a:off x="6488856" y="2733696"/>
+                <a:ext cx="192960" cy="239040"/>
+              </p14:xfrm>
+            </p:contentPart>
+          </mc:Choice>
+          <mc:Fallback>
+            <p:pic>
+              <p:nvPicPr>
+                <p:cNvPr id="17" name="Ink 16">
+                  <a:extLst>
+                    <a:ext uri="{FF2B5EF4-FFF2-40B4-BE49-F238E27FC236}">
+                      <a16:creationId xmlns:a16="http://schemas.microsoft.com/office/drawing/2014/main" id="{AAF43777-FDBC-F61F-B9C9-31C53D41B5A5}"/>
+                    </a:ext>
+                  </a:extLst>
+                </p:cNvPr>
+                <p:cNvPicPr/>
+                <p:nvPr/>
+              </p:nvPicPr>
+              <p:blipFill>
+                <a:blip r:embed="rId23"/>
+                <a:stretch>
+                  <a:fillRect/>
+                </a:stretch>
+              </p:blipFill>
+              <p:spPr>
+                <a:xfrm>
+                  <a:off x="6480216" y="2725056"/>
+                  <a:ext cx="210600" cy="256680"/>
+                </a:xfrm>
+                <a:prstGeom prst="rect">
+                  <a:avLst/>
+                </a:prstGeom>
+              </p:spPr>
+            </p:pic>
+          </mc:Fallback>
+        </mc:AlternateContent>
+        <mc:AlternateContent xmlns:mc="http://schemas.openxmlformats.org/markup-compatibility/2006">
+          <mc:Choice xmlns:p14="http://schemas.microsoft.com/office/powerpoint/2010/main" Requires="p14">
+            <p:contentPart p14:bwMode="auto" r:id="rId24">
+              <p14:nvContentPartPr>
+                <p14:cNvPr id="19" name="Ink 18">
+                  <a:extLst>
+                    <a:ext uri="{FF2B5EF4-FFF2-40B4-BE49-F238E27FC236}">
+                      <a16:creationId xmlns:a16="http://schemas.microsoft.com/office/drawing/2014/main" id="{1B360A91-9D7D-1D8A-1278-0214E37E9C08}"/>
+                    </a:ext>
+                  </a:extLst>
+                </p14:cNvPr>
+                <p14:cNvContentPartPr/>
+                <p14:nvPr/>
+              </p14:nvContentPartPr>
+              <p14:xfrm>
+                <a:off x="7798536" y="2404656"/>
+                <a:ext cx="147600" cy="192240"/>
+              </p14:xfrm>
+            </p:contentPart>
+          </mc:Choice>
+          <mc:Fallback>
+            <p:pic>
+              <p:nvPicPr>
+                <p:cNvPr id="19" name="Ink 18">
+                  <a:extLst>
+                    <a:ext uri="{FF2B5EF4-FFF2-40B4-BE49-F238E27FC236}">
+                      <a16:creationId xmlns:a16="http://schemas.microsoft.com/office/drawing/2014/main" id="{1B360A91-9D7D-1D8A-1278-0214E37E9C08}"/>
+                    </a:ext>
+                  </a:extLst>
+                </p:cNvPr>
+                <p:cNvPicPr/>
+                <p:nvPr/>
+              </p:nvPicPr>
+              <p:blipFill>
+                <a:blip r:embed="rId25"/>
+                <a:stretch>
+                  <a:fillRect/>
+                </a:stretch>
+              </p:blipFill>
+              <p:spPr>
+                <a:xfrm>
+                  <a:off x="7789536" y="2395656"/>
+                  <a:ext cx="165240" cy="209880"/>
+                </a:xfrm>
+                <a:prstGeom prst="rect">
+                  <a:avLst/>
+                </a:prstGeom>
+              </p:spPr>
+            </p:pic>
+          </mc:Fallback>
+        </mc:AlternateContent>
+        <mc:AlternateContent xmlns:mc="http://schemas.openxmlformats.org/markup-compatibility/2006">
+          <mc:Choice xmlns:p14="http://schemas.microsoft.com/office/powerpoint/2010/main" Requires="p14">
+            <p:contentPart p14:bwMode="auto" r:id="rId26">
+              <p14:nvContentPartPr>
+                <p14:cNvPr id="21" name="Ink 20">
+                  <a:extLst>
+                    <a:ext uri="{FF2B5EF4-FFF2-40B4-BE49-F238E27FC236}">
+                      <a16:creationId xmlns:a16="http://schemas.microsoft.com/office/drawing/2014/main" id="{22910057-D194-5028-0947-F0D8CA718CC2}"/>
+                    </a:ext>
+                  </a:extLst>
+                </p14:cNvPr>
+                <p14:cNvContentPartPr/>
+                <p14:nvPr/>
+              </p14:nvContentPartPr>
+              <p14:xfrm>
+                <a:off x="8712576" y="2621376"/>
+                <a:ext cx="329040" cy="287280"/>
+              </p14:xfrm>
+            </p:contentPart>
+          </mc:Choice>
+          <mc:Fallback>
+            <p:pic>
+              <p:nvPicPr>
+                <p:cNvPr id="21" name="Ink 20">
+                  <a:extLst>
+                    <a:ext uri="{FF2B5EF4-FFF2-40B4-BE49-F238E27FC236}">
+                      <a16:creationId xmlns:a16="http://schemas.microsoft.com/office/drawing/2014/main" id="{22910057-D194-5028-0947-F0D8CA718CC2}"/>
+                    </a:ext>
+                  </a:extLst>
+                </p:cNvPr>
+                <p:cNvPicPr/>
+                <p:nvPr/>
+              </p:nvPicPr>
+              <p:blipFill>
+                <a:blip r:embed="rId27"/>
+                <a:stretch>
+                  <a:fillRect/>
+                </a:stretch>
+              </p:blipFill>
+              <p:spPr>
+                <a:xfrm>
+                  <a:off x="8703576" y="2612736"/>
+                  <a:ext cx="346680" cy="304920"/>
+                </a:xfrm>
+                <a:prstGeom prst="rect">
+                  <a:avLst/>
+                </a:prstGeom>
+              </p:spPr>
+            </p:pic>
+          </mc:Fallback>
+        </mc:AlternateContent>
+        <mc:AlternateContent xmlns:mc="http://schemas.openxmlformats.org/markup-compatibility/2006">
+          <mc:Choice xmlns:p14="http://schemas.microsoft.com/office/powerpoint/2010/main" Requires="p14">
+            <p:contentPart p14:bwMode="auto" r:id="rId28">
+              <p14:nvContentPartPr>
+                <p14:cNvPr id="22" name="Ink 21">
+                  <a:extLst>
+                    <a:ext uri="{FF2B5EF4-FFF2-40B4-BE49-F238E27FC236}">
+                      <a16:creationId xmlns:a16="http://schemas.microsoft.com/office/drawing/2014/main" id="{3C682F7E-DB68-E14A-6B35-13008554A74F}"/>
+                    </a:ext>
+                  </a:extLst>
+                </p14:cNvPr>
+                <p14:cNvContentPartPr/>
+                <p14:nvPr/>
+              </p14:nvContentPartPr>
+              <p14:xfrm>
+                <a:off x="8750736" y="2632536"/>
+                <a:ext cx="109080" cy="28440"/>
+              </p14:xfrm>
+            </p:contentPart>
+          </mc:Choice>
+          <mc:Fallback>
+            <p:pic>
+              <p:nvPicPr>
+                <p:cNvPr id="22" name="Ink 21">
+                  <a:extLst>
+                    <a:ext uri="{FF2B5EF4-FFF2-40B4-BE49-F238E27FC236}">
+                      <a16:creationId xmlns:a16="http://schemas.microsoft.com/office/drawing/2014/main" id="{3C682F7E-DB68-E14A-6B35-13008554A74F}"/>
+                    </a:ext>
+                  </a:extLst>
+                </p:cNvPr>
+                <p:cNvPicPr/>
+                <p:nvPr/>
+              </p:nvPicPr>
+              <p:blipFill>
+                <a:blip r:embed="rId29"/>
+                <a:stretch>
+                  <a:fillRect/>
+                </a:stretch>
+              </p:blipFill>
+              <p:spPr>
+                <a:xfrm>
+                  <a:off x="8741736" y="2623536"/>
+                  <a:ext cx="126720" cy="46080"/>
+                </a:xfrm>
+                <a:prstGeom prst="rect">
+                  <a:avLst/>
+                </a:prstGeom>
+              </p:spPr>
+            </p:pic>
+          </mc:Fallback>
+        </mc:AlternateContent>
+        <mc:AlternateContent xmlns:mc="http://schemas.openxmlformats.org/markup-compatibility/2006">
+          <mc:Choice xmlns:p14="http://schemas.microsoft.com/office/powerpoint/2010/main" Requires="p14">
+            <p:contentPart p14:bwMode="auto" r:id="rId30">
+              <p14:nvContentPartPr>
+                <p14:cNvPr id="23" name="Ink 22">
+                  <a:extLst>
+                    <a:ext uri="{FF2B5EF4-FFF2-40B4-BE49-F238E27FC236}">
+                      <a16:creationId xmlns:a16="http://schemas.microsoft.com/office/drawing/2014/main" id="{65BB6AE4-3FFB-E744-FA9D-D76848D41953}"/>
+                    </a:ext>
+                  </a:extLst>
+                </p14:cNvPr>
+                <p14:cNvContentPartPr/>
+                <p14:nvPr/>
+              </p14:nvContentPartPr>
+              <p14:xfrm>
+                <a:off x="8834616" y="2386296"/>
+                <a:ext cx="190440" cy="112680"/>
+              </p14:xfrm>
+            </p:contentPart>
+          </mc:Choice>
+          <mc:Fallback>
+            <p:pic>
+              <p:nvPicPr>
+                <p:cNvPr id="23" name="Ink 22">
+                  <a:extLst>
+                    <a:ext uri="{FF2B5EF4-FFF2-40B4-BE49-F238E27FC236}">
+                      <a16:creationId xmlns:a16="http://schemas.microsoft.com/office/drawing/2014/main" id="{65BB6AE4-3FFB-E744-FA9D-D76848D41953}"/>
+                    </a:ext>
+                  </a:extLst>
+                </p:cNvPr>
+                <p:cNvPicPr/>
+                <p:nvPr/>
+              </p:nvPicPr>
+              <p:blipFill>
+                <a:blip r:embed="rId31"/>
+                <a:stretch>
+                  <a:fillRect/>
+                </a:stretch>
+              </p:blipFill>
+              <p:spPr>
+                <a:xfrm>
+                  <a:off x="8825976" y="2377656"/>
+                  <a:ext cx="208080" cy="130320"/>
+                </a:xfrm>
+                <a:prstGeom prst="rect">
+                  <a:avLst/>
+                </a:prstGeom>
+              </p:spPr>
+            </p:pic>
+          </mc:Fallback>
+        </mc:AlternateContent>
+        <mc:AlternateContent xmlns:mc="http://schemas.openxmlformats.org/markup-compatibility/2006">
+          <mc:Choice xmlns:p14="http://schemas.microsoft.com/office/powerpoint/2010/main" Requires="p14">
+            <p:contentPart p14:bwMode="auto" r:id="rId32">
+              <p14:nvContentPartPr>
+                <p14:cNvPr id="25" name="Ink 24">
+                  <a:extLst>
+                    <a:ext uri="{FF2B5EF4-FFF2-40B4-BE49-F238E27FC236}">
+                      <a16:creationId xmlns:a16="http://schemas.microsoft.com/office/drawing/2014/main" id="{B3AB1A4B-ABEB-C06C-5807-694E111F8D76}"/>
+                    </a:ext>
+                  </a:extLst>
+                </p14:cNvPr>
+                <p14:cNvContentPartPr/>
+                <p14:nvPr/>
+              </p14:nvContentPartPr>
+              <p14:xfrm>
+                <a:off x="8458056" y="1236096"/>
+                <a:ext cx="209520" cy="473400"/>
+              </p14:xfrm>
+            </p:contentPart>
+          </mc:Choice>
+          <mc:Fallback>
+            <p:pic>
+              <p:nvPicPr>
+                <p:cNvPr id="25" name="Ink 24">
+                  <a:extLst>
+                    <a:ext uri="{FF2B5EF4-FFF2-40B4-BE49-F238E27FC236}">
+                      <a16:creationId xmlns:a16="http://schemas.microsoft.com/office/drawing/2014/main" id="{B3AB1A4B-ABEB-C06C-5807-694E111F8D76}"/>
+                    </a:ext>
+                  </a:extLst>
+                </p:cNvPr>
+                <p:cNvPicPr/>
+                <p:nvPr/>
+              </p:nvPicPr>
+              <p:blipFill>
+                <a:blip r:embed="rId33"/>
+                <a:stretch>
+                  <a:fillRect/>
+                </a:stretch>
+              </p:blipFill>
+              <p:spPr>
+                <a:xfrm>
+                  <a:off x="8449416" y="1227096"/>
+                  <a:ext cx="227160" cy="491040"/>
+                </a:xfrm>
+                <a:prstGeom prst="rect">
+                  <a:avLst/>
+                </a:prstGeom>
+              </p:spPr>
+            </p:pic>
+          </mc:Fallback>
+        </mc:AlternateContent>
+        <mc:AlternateContent xmlns:mc="http://schemas.openxmlformats.org/markup-compatibility/2006">
+          <mc:Choice xmlns:p14="http://schemas.microsoft.com/office/powerpoint/2010/main" Requires="p14">
+            <p:contentPart p14:bwMode="auto" r:id="rId34">
+              <p14:nvContentPartPr>
+                <p14:cNvPr id="26" name="Ink 25">
+                  <a:extLst>
+                    <a:ext uri="{FF2B5EF4-FFF2-40B4-BE49-F238E27FC236}">
+                      <a16:creationId xmlns:a16="http://schemas.microsoft.com/office/drawing/2014/main" id="{48E45D23-63FA-A57C-87CB-4FEFCBA32F81}"/>
+                    </a:ext>
+                  </a:extLst>
+                </p14:cNvPr>
+                <p14:cNvContentPartPr/>
+                <p14:nvPr/>
+              </p14:nvContentPartPr>
+              <p14:xfrm>
+                <a:off x="6705216" y="2432376"/>
+                <a:ext cx="79560" cy="286200"/>
+              </p14:xfrm>
+            </p:contentPart>
+          </mc:Choice>
+          <mc:Fallback>
+            <p:pic>
+              <p:nvPicPr>
+                <p:cNvPr id="26" name="Ink 25">
+                  <a:extLst>
+                    <a:ext uri="{FF2B5EF4-FFF2-40B4-BE49-F238E27FC236}">
+                      <a16:creationId xmlns:a16="http://schemas.microsoft.com/office/drawing/2014/main" id="{48E45D23-63FA-A57C-87CB-4FEFCBA32F81}"/>
+                    </a:ext>
+                  </a:extLst>
+                </p:cNvPr>
+                <p:cNvPicPr/>
+                <p:nvPr/>
+              </p:nvPicPr>
+              <p:blipFill>
+                <a:blip r:embed="rId35"/>
+                <a:stretch>
+                  <a:fillRect/>
+                </a:stretch>
+              </p:blipFill>
+              <p:spPr>
+                <a:xfrm>
+                  <a:off x="6696576" y="2423376"/>
+                  <a:ext cx="97200" cy="303840"/>
+                </a:xfrm>
+                <a:prstGeom prst="rect">
+                  <a:avLst/>
+                </a:prstGeom>
+              </p:spPr>
+            </p:pic>
+          </mc:Fallback>
+        </mc:AlternateContent>
+      </p:grpSp>
+      <mc:AlternateContent xmlns:mc="http://schemas.openxmlformats.org/markup-compatibility/2006">
+        <mc:Choice xmlns:p14="http://schemas.microsoft.com/office/powerpoint/2010/main" Requires="p14">
+          <p:contentPart p14:bwMode="auto" r:id="rId36">
+            <p14:nvContentPartPr>
+              <p14:cNvPr id="28" name="Ink 27">
+                <a:extLst>
+                  <a:ext uri="{FF2B5EF4-FFF2-40B4-BE49-F238E27FC236}">
+                    <a16:creationId xmlns:a16="http://schemas.microsoft.com/office/drawing/2014/main" id="{742786E1-A36D-C32B-29C0-76BCD89CAB06}"/>
+                  </a:ext>
+                </a:extLst>
+              </p14:cNvPr>
+              <p14:cNvContentPartPr/>
+              <p14:nvPr/>
+            </p14:nvContentPartPr>
+            <p14:xfrm>
+              <a:off x="1014696" y="1529496"/>
+              <a:ext cx="398160" cy="214560"/>
+            </p14:xfrm>
+          </p:contentPart>
+        </mc:Choice>
+        <mc:Fallback>
+          <p:pic>
+            <p:nvPicPr>
+              <p:cNvPr id="28" name="Ink 27">
+                <a:extLst>
+                  <a:ext uri="{FF2B5EF4-FFF2-40B4-BE49-F238E27FC236}">
+                    <a16:creationId xmlns:a16="http://schemas.microsoft.com/office/drawing/2014/main" id="{742786E1-A36D-C32B-29C0-76BCD89CAB06}"/>
+                  </a:ext>
+                </a:extLst>
+              </p:cNvPr>
+              <p:cNvPicPr/>
+              <p:nvPr/>
+            </p:nvPicPr>
+            <p:blipFill>
+              <a:blip r:embed="rId37"/>
+              <a:stretch>
+                <a:fillRect/>
+              </a:stretch>
+            </p:blipFill>
+            <p:spPr>
+              <a:xfrm>
+                <a:off x="1006056" y="1520496"/>
+                <a:ext cx="415800" cy="232200"/>
+              </a:xfrm>
+              <a:prstGeom prst="rect">
+                <a:avLst/>
+              </a:prstGeom>
+            </p:spPr>
+          </p:pic>
+        </mc:Fallback>
+      </mc:AlternateContent>
     </p:spTree>
   </p:cSld>
   <p:clrMapOvr>
@@ -30906,6 +35069,477 @@
           </a:p>
         </p:txBody>
       </p:sp>
+      <p:grpSp>
+        <p:nvGrpSpPr>
+          <p:cNvPr id="7" name="Group 6">
+            <a:extLst>
+              <a:ext uri="{FF2B5EF4-FFF2-40B4-BE49-F238E27FC236}">
+                <a16:creationId xmlns:a16="http://schemas.microsoft.com/office/drawing/2014/main" id="{F05FBC7D-E0B3-1057-C0CF-C8D9DA6D50DA}"/>
+              </a:ext>
+            </a:extLst>
+          </p:cNvPr>
+          <p:cNvGrpSpPr/>
+          <p:nvPr/>
+        </p:nvGrpSpPr>
+        <p:grpSpPr>
+          <a:xfrm>
+            <a:off x="301536" y="2540376"/>
+            <a:ext cx="375480" cy="248400"/>
+            <a:chOff x="301536" y="2540376"/>
+            <a:chExt cx="375480" cy="248400"/>
+          </a:xfrm>
+        </p:grpSpPr>
+        <mc:AlternateContent xmlns:mc="http://schemas.openxmlformats.org/markup-compatibility/2006">
+          <mc:Choice xmlns:p14="http://schemas.microsoft.com/office/powerpoint/2010/main" Requires="p14">
+            <p:contentPart p14:bwMode="auto" r:id="rId3">
+              <p14:nvContentPartPr>
+                <p14:cNvPr id="5" name="Ink 4">
+                  <a:extLst>
+                    <a:ext uri="{FF2B5EF4-FFF2-40B4-BE49-F238E27FC236}">
+                      <a16:creationId xmlns:a16="http://schemas.microsoft.com/office/drawing/2014/main" id="{7BEAA857-AAF6-D00F-B5FC-4E30D3D8E21C}"/>
+                    </a:ext>
+                  </a:extLst>
+                </p14:cNvPr>
+                <p14:cNvContentPartPr/>
+                <p14:nvPr/>
+              </p14:nvContentPartPr>
+              <p14:xfrm>
+                <a:off x="301536" y="2611296"/>
+                <a:ext cx="299880" cy="177480"/>
+              </p14:xfrm>
+            </p:contentPart>
+          </mc:Choice>
+          <mc:Fallback>
+            <p:pic>
+              <p:nvPicPr>
+                <p:cNvPr id="5" name="Ink 4">
+                  <a:extLst>
+                    <a:ext uri="{FF2B5EF4-FFF2-40B4-BE49-F238E27FC236}">
+                      <a16:creationId xmlns:a16="http://schemas.microsoft.com/office/drawing/2014/main" id="{7BEAA857-AAF6-D00F-B5FC-4E30D3D8E21C}"/>
+                    </a:ext>
+                  </a:extLst>
+                </p:cNvPr>
+                <p:cNvPicPr/>
+                <p:nvPr/>
+              </p:nvPicPr>
+              <p:blipFill>
+                <a:blip r:embed="rId4"/>
+                <a:stretch>
+                  <a:fillRect/>
+                </a:stretch>
+              </p:blipFill>
+              <p:spPr>
+                <a:xfrm>
+                  <a:off x="292536" y="2602656"/>
+                  <a:ext cx="317520" cy="195120"/>
+                </a:xfrm>
+                <a:prstGeom prst="rect">
+                  <a:avLst/>
+                </a:prstGeom>
+              </p:spPr>
+            </p:pic>
+          </mc:Fallback>
+        </mc:AlternateContent>
+        <mc:AlternateContent xmlns:mc="http://schemas.openxmlformats.org/markup-compatibility/2006">
+          <mc:Choice xmlns:p14="http://schemas.microsoft.com/office/powerpoint/2010/main" Requires="p14">
+            <p:contentPart p14:bwMode="auto" r:id="rId5">
+              <p14:nvContentPartPr>
+                <p14:cNvPr id="6" name="Ink 5">
+                  <a:extLst>
+                    <a:ext uri="{FF2B5EF4-FFF2-40B4-BE49-F238E27FC236}">
+                      <a16:creationId xmlns:a16="http://schemas.microsoft.com/office/drawing/2014/main" id="{F1092DDC-54F0-0EAD-298B-F1C1D54352A8}"/>
+                    </a:ext>
+                  </a:extLst>
+                </p14:cNvPr>
+                <p14:cNvContentPartPr/>
+                <p14:nvPr/>
+              </p14:nvContentPartPr>
+              <p14:xfrm>
+                <a:off x="539496" y="2540376"/>
+                <a:ext cx="137520" cy="167040"/>
+              </p14:xfrm>
+            </p:contentPart>
+          </mc:Choice>
+          <mc:Fallback>
+            <p:pic>
+              <p:nvPicPr>
+                <p:cNvPr id="6" name="Ink 5">
+                  <a:extLst>
+                    <a:ext uri="{FF2B5EF4-FFF2-40B4-BE49-F238E27FC236}">
+                      <a16:creationId xmlns:a16="http://schemas.microsoft.com/office/drawing/2014/main" id="{F1092DDC-54F0-0EAD-298B-F1C1D54352A8}"/>
+                    </a:ext>
+                  </a:extLst>
+                </p:cNvPr>
+                <p:cNvPicPr/>
+                <p:nvPr/>
+              </p:nvPicPr>
+              <p:blipFill>
+                <a:blip r:embed="rId6"/>
+                <a:stretch>
+                  <a:fillRect/>
+                </a:stretch>
+              </p:blipFill>
+              <p:spPr>
+                <a:xfrm>
+                  <a:off x="530856" y="2531736"/>
+                  <a:ext cx="155160" cy="184680"/>
+                </a:xfrm>
+                <a:prstGeom prst="rect">
+                  <a:avLst/>
+                </a:prstGeom>
+              </p:spPr>
+            </p:pic>
+          </mc:Fallback>
+        </mc:AlternateContent>
+      </p:grpSp>
+      <p:grpSp>
+        <p:nvGrpSpPr>
+          <p:cNvPr id="10" name="Group 9">
+            <a:extLst>
+              <a:ext uri="{FF2B5EF4-FFF2-40B4-BE49-F238E27FC236}">
+                <a16:creationId xmlns:a16="http://schemas.microsoft.com/office/drawing/2014/main" id="{984F325C-7824-3414-968B-1B6386078CE6}"/>
+              </a:ext>
+            </a:extLst>
+          </p:cNvPr>
+          <p:cNvGrpSpPr/>
+          <p:nvPr/>
+        </p:nvGrpSpPr>
+        <p:grpSpPr>
+          <a:xfrm>
+            <a:off x="292536" y="4269456"/>
+            <a:ext cx="385560" cy="551520"/>
+            <a:chOff x="292536" y="4269456"/>
+            <a:chExt cx="385560" cy="551520"/>
+          </a:xfrm>
+        </p:grpSpPr>
+        <mc:AlternateContent xmlns:mc="http://schemas.openxmlformats.org/markup-compatibility/2006">
+          <mc:Choice xmlns:p14="http://schemas.microsoft.com/office/powerpoint/2010/main" Requires="p14">
+            <p:contentPart p14:bwMode="auto" r:id="rId7">
+              <p14:nvContentPartPr>
+                <p14:cNvPr id="8" name="Ink 7">
+                  <a:extLst>
+                    <a:ext uri="{FF2B5EF4-FFF2-40B4-BE49-F238E27FC236}">
+                      <a16:creationId xmlns:a16="http://schemas.microsoft.com/office/drawing/2014/main" id="{39EA789C-A377-6BCA-A0F1-E42E413378C4}"/>
+                    </a:ext>
+                  </a:extLst>
+                </p14:cNvPr>
+                <p14:cNvContentPartPr/>
+                <p14:nvPr/>
+              </p14:nvContentPartPr>
+              <p14:xfrm>
+                <a:off x="292536" y="4385016"/>
+                <a:ext cx="313560" cy="132120"/>
+              </p14:xfrm>
+            </p:contentPart>
+          </mc:Choice>
+          <mc:Fallback>
+            <p:pic>
+              <p:nvPicPr>
+                <p:cNvPr id="8" name="Ink 7">
+                  <a:extLst>
+                    <a:ext uri="{FF2B5EF4-FFF2-40B4-BE49-F238E27FC236}">
+                      <a16:creationId xmlns:a16="http://schemas.microsoft.com/office/drawing/2014/main" id="{39EA789C-A377-6BCA-A0F1-E42E413378C4}"/>
+                    </a:ext>
+                  </a:extLst>
+                </p:cNvPr>
+                <p:cNvPicPr/>
+                <p:nvPr/>
+              </p:nvPicPr>
+              <p:blipFill>
+                <a:blip r:embed="rId8"/>
+                <a:stretch>
+                  <a:fillRect/>
+                </a:stretch>
+              </p:blipFill>
+              <p:spPr>
+                <a:xfrm>
+                  <a:off x="283536" y="4376376"/>
+                  <a:ext cx="331200" cy="149760"/>
+                </a:xfrm>
+                <a:prstGeom prst="rect">
+                  <a:avLst/>
+                </a:prstGeom>
+              </p:spPr>
+            </p:pic>
+          </mc:Fallback>
+        </mc:AlternateContent>
+        <mc:AlternateContent xmlns:mc="http://schemas.openxmlformats.org/markup-compatibility/2006">
+          <mc:Choice xmlns:p14="http://schemas.microsoft.com/office/powerpoint/2010/main" Requires="p14">
+            <p:contentPart p14:bwMode="auto" r:id="rId9">
+              <p14:nvContentPartPr>
+                <p14:cNvPr id="9" name="Ink 8">
+                  <a:extLst>
+                    <a:ext uri="{FF2B5EF4-FFF2-40B4-BE49-F238E27FC236}">
+                      <a16:creationId xmlns:a16="http://schemas.microsoft.com/office/drawing/2014/main" id="{8D72B767-7355-3877-B725-477CE7A54365}"/>
+                    </a:ext>
+                  </a:extLst>
+                </p14:cNvPr>
+                <p14:cNvContentPartPr/>
+                <p14:nvPr/>
+              </p14:nvContentPartPr>
+              <p14:xfrm>
+                <a:off x="374976" y="4269456"/>
+                <a:ext cx="303120" cy="551520"/>
+              </p14:xfrm>
+            </p:contentPart>
+          </mc:Choice>
+          <mc:Fallback>
+            <p:pic>
+              <p:nvPicPr>
+                <p:cNvPr id="9" name="Ink 8">
+                  <a:extLst>
+                    <a:ext uri="{FF2B5EF4-FFF2-40B4-BE49-F238E27FC236}">
+                      <a16:creationId xmlns:a16="http://schemas.microsoft.com/office/drawing/2014/main" id="{8D72B767-7355-3877-B725-477CE7A54365}"/>
+                    </a:ext>
+                  </a:extLst>
+                </p:cNvPr>
+                <p:cNvPicPr/>
+                <p:nvPr/>
+              </p:nvPicPr>
+              <p:blipFill>
+                <a:blip r:embed="rId10"/>
+                <a:stretch>
+                  <a:fillRect/>
+                </a:stretch>
+              </p:blipFill>
+              <p:spPr>
+                <a:xfrm>
+                  <a:off x="365976" y="4260816"/>
+                  <a:ext cx="320760" cy="569160"/>
+                </a:xfrm>
+                <a:prstGeom prst="rect">
+                  <a:avLst/>
+                </a:prstGeom>
+              </p:spPr>
+            </p:pic>
+          </mc:Fallback>
+        </mc:AlternateContent>
+      </p:grpSp>
+      <p:grpSp>
+        <p:nvGrpSpPr>
+          <p:cNvPr id="16" name="Group 15">
+            <a:extLst>
+              <a:ext uri="{FF2B5EF4-FFF2-40B4-BE49-F238E27FC236}">
+                <a16:creationId xmlns:a16="http://schemas.microsoft.com/office/drawing/2014/main" id="{DACA5772-7549-A898-1170-6AFF7A6536B1}"/>
+              </a:ext>
+            </a:extLst>
+          </p:cNvPr>
+          <p:cNvGrpSpPr/>
+          <p:nvPr/>
+        </p:nvGrpSpPr>
+        <p:grpSpPr>
+          <a:xfrm>
+            <a:off x="10012536" y="272016"/>
+            <a:ext cx="1428480" cy="706680"/>
+            <a:chOff x="10012536" y="272016"/>
+            <a:chExt cx="1428480" cy="706680"/>
+          </a:xfrm>
+        </p:grpSpPr>
+        <mc:AlternateContent xmlns:mc="http://schemas.openxmlformats.org/markup-compatibility/2006">
+          <mc:Choice xmlns:p14="http://schemas.microsoft.com/office/powerpoint/2010/main" Requires="p14">
+            <p:contentPart p14:bwMode="auto" r:id="rId11">
+              <p14:nvContentPartPr>
+                <p14:cNvPr id="11" name="Ink 10">
+                  <a:extLst>
+                    <a:ext uri="{FF2B5EF4-FFF2-40B4-BE49-F238E27FC236}">
+                      <a16:creationId xmlns:a16="http://schemas.microsoft.com/office/drawing/2014/main" id="{20A3C3EE-59AA-2C0E-E3EC-F3BF583EDEA6}"/>
+                    </a:ext>
+                  </a:extLst>
+                </p14:cNvPr>
+                <p14:cNvContentPartPr/>
+                <p14:nvPr/>
+              </p14:nvContentPartPr>
+              <p14:xfrm>
+                <a:off x="10012536" y="550296"/>
+                <a:ext cx="379800" cy="428400"/>
+              </p14:xfrm>
+            </p:contentPart>
+          </mc:Choice>
+          <mc:Fallback>
+            <p:pic>
+              <p:nvPicPr>
+                <p:cNvPr id="11" name="Ink 10">
+                  <a:extLst>
+                    <a:ext uri="{FF2B5EF4-FFF2-40B4-BE49-F238E27FC236}">
+                      <a16:creationId xmlns:a16="http://schemas.microsoft.com/office/drawing/2014/main" id="{20A3C3EE-59AA-2C0E-E3EC-F3BF583EDEA6}"/>
+                    </a:ext>
+                  </a:extLst>
+                </p:cNvPr>
+                <p:cNvPicPr/>
+                <p:nvPr/>
+              </p:nvPicPr>
+              <p:blipFill>
+                <a:blip r:embed="rId12"/>
+                <a:stretch>
+                  <a:fillRect/>
+                </a:stretch>
+              </p:blipFill>
+              <p:spPr>
+                <a:xfrm>
+                  <a:off x="10003536" y="541296"/>
+                  <a:ext cx="397440" cy="446040"/>
+                </a:xfrm>
+                <a:prstGeom prst="rect">
+                  <a:avLst/>
+                </a:prstGeom>
+              </p:spPr>
+            </p:pic>
+          </mc:Fallback>
+        </mc:AlternateContent>
+        <mc:AlternateContent xmlns:mc="http://schemas.openxmlformats.org/markup-compatibility/2006">
+          <mc:Choice xmlns:p14="http://schemas.microsoft.com/office/powerpoint/2010/main" Requires="p14">
+            <p:contentPart p14:bwMode="auto" r:id="rId13">
+              <p14:nvContentPartPr>
+                <p14:cNvPr id="12" name="Ink 11">
+                  <a:extLst>
+                    <a:ext uri="{FF2B5EF4-FFF2-40B4-BE49-F238E27FC236}">
+                      <a16:creationId xmlns:a16="http://schemas.microsoft.com/office/drawing/2014/main" id="{A40A3590-7001-2577-762B-68BC5C56F838}"/>
+                    </a:ext>
+                  </a:extLst>
+                </p14:cNvPr>
+                <p14:cNvContentPartPr/>
+                <p14:nvPr/>
+              </p14:nvContentPartPr>
+              <p14:xfrm>
+                <a:off x="10429056" y="301536"/>
+                <a:ext cx="1011960" cy="618840"/>
+              </p14:xfrm>
+            </p:contentPart>
+          </mc:Choice>
+          <mc:Fallback>
+            <p:pic>
+              <p:nvPicPr>
+                <p:cNvPr id="12" name="Ink 11">
+                  <a:extLst>
+                    <a:ext uri="{FF2B5EF4-FFF2-40B4-BE49-F238E27FC236}">
+                      <a16:creationId xmlns:a16="http://schemas.microsoft.com/office/drawing/2014/main" id="{A40A3590-7001-2577-762B-68BC5C56F838}"/>
+                    </a:ext>
+                  </a:extLst>
+                </p:cNvPr>
+                <p:cNvPicPr/>
+                <p:nvPr/>
+              </p:nvPicPr>
+              <p:blipFill>
+                <a:blip r:embed="rId14"/>
+                <a:stretch>
+                  <a:fillRect/>
+                </a:stretch>
+              </p:blipFill>
+              <p:spPr>
+                <a:xfrm>
+                  <a:off x="10420416" y="292896"/>
+                  <a:ext cx="1029600" cy="636480"/>
+                </a:xfrm>
+                <a:prstGeom prst="rect">
+                  <a:avLst/>
+                </a:prstGeom>
+              </p:spPr>
+            </p:pic>
+          </mc:Fallback>
+        </mc:AlternateContent>
+        <mc:AlternateContent xmlns:mc="http://schemas.openxmlformats.org/markup-compatibility/2006">
+          <mc:Choice xmlns:p14="http://schemas.microsoft.com/office/powerpoint/2010/main" Requires="p14">
+            <p:contentPart p14:bwMode="auto" r:id="rId15">
+              <p14:nvContentPartPr>
+                <p14:cNvPr id="13" name="Ink 12">
+                  <a:extLst>
+                    <a:ext uri="{FF2B5EF4-FFF2-40B4-BE49-F238E27FC236}">
+                      <a16:creationId xmlns:a16="http://schemas.microsoft.com/office/drawing/2014/main" id="{D7D6142E-5C61-A11A-1EBD-94B44B78F9B9}"/>
+                    </a:ext>
+                  </a:extLst>
+                </p14:cNvPr>
+                <p14:cNvContentPartPr/>
+                <p14:nvPr/>
+              </p14:nvContentPartPr>
+              <p14:xfrm>
+                <a:off x="10533816" y="272016"/>
+                <a:ext cx="642960" cy="130680"/>
+              </p14:xfrm>
+            </p:contentPart>
+          </mc:Choice>
+          <mc:Fallback>
+            <p:pic>
+              <p:nvPicPr>
+                <p:cNvPr id="13" name="Ink 12">
+                  <a:extLst>
+                    <a:ext uri="{FF2B5EF4-FFF2-40B4-BE49-F238E27FC236}">
+                      <a16:creationId xmlns:a16="http://schemas.microsoft.com/office/drawing/2014/main" id="{D7D6142E-5C61-A11A-1EBD-94B44B78F9B9}"/>
+                    </a:ext>
+                  </a:extLst>
+                </p:cNvPr>
+                <p:cNvPicPr/>
+                <p:nvPr/>
+              </p:nvPicPr>
+              <p:blipFill>
+                <a:blip r:embed="rId16"/>
+                <a:stretch>
+                  <a:fillRect/>
+                </a:stretch>
+              </p:blipFill>
+              <p:spPr>
+                <a:xfrm>
+                  <a:off x="10525176" y="263376"/>
+                  <a:ext cx="660600" cy="148320"/>
+                </a:xfrm>
+                <a:prstGeom prst="rect">
+                  <a:avLst/>
+                </a:prstGeom>
+              </p:spPr>
+            </p:pic>
+          </mc:Fallback>
+        </mc:AlternateContent>
+        <mc:AlternateContent xmlns:mc="http://schemas.openxmlformats.org/markup-compatibility/2006">
+          <mc:Choice xmlns:p14="http://schemas.microsoft.com/office/powerpoint/2010/main" Requires="p14">
+            <p:contentPart p14:bwMode="auto" r:id="rId17">
+              <p14:nvContentPartPr>
+                <p14:cNvPr id="15" name="Ink 14">
+                  <a:extLst>
+                    <a:ext uri="{FF2B5EF4-FFF2-40B4-BE49-F238E27FC236}">
+                      <a16:creationId xmlns:a16="http://schemas.microsoft.com/office/drawing/2014/main" id="{0D81DEA2-892A-CDC8-6158-1D862EDA3F9C}"/>
+                    </a:ext>
+                  </a:extLst>
+                </p14:cNvPr>
+                <p14:cNvContentPartPr/>
+                <p14:nvPr/>
+              </p14:nvContentPartPr>
+              <p14:xfrm>
+                <a:off x="10674216" y="557496"/>
+                <a:ext cx="235080" cy="272880"/>
+              </p14:xfrm>
+            </p:contentPart>
+          </mc:Choice>
+          <mc:Fallback>
+            <p:pic>
+              <p:nvPicPr>
+                <p:cNvPr id="15" name="Ink 14">
+                  <a:extLst>
+                    <a:ext uri="{FF2B5EF4-FFF2-40B4-BE49-F238E27FC236}">
+                      <a16:creationId xmlns:a16="http://schemas.microsoft.com/office/drawing/2014/main" id="{0D81DEA2-892A-CDC8-6158-1D862EDA3F9C}"/>
+                    </a:ext>
+                  </a:extLst>
+                </p:cNvPr>
+                <p:cNvPicPr/>
+                <p:nvPr/>
+              </p:nvPicPr>
+              <p:blipFill>
+                <a:blip r:embed="rId18"/>
+                <a:stretch>
+                  <a:fillRect/>
+                </a:stretch>
+              </p:blipFill>
+              <p:spPr>
+                <a:xfrm>
+                  <a:off x="10665216" y="548856"/>
+                  <a:ext cx="252720" cy="290520"/>
+                </a:xfrm>
+                <a:prstGeom prst="rect">
+                  <a:avLst/>
+                </a:prstGeom>
+              </p:spPr>
+            </p:pic>
+          </mc:Fallback>
+        </mc:AlternateContent>
+      </p:grpSp>
     </p:spTree>
   </p:cSld>
   <p:clrMapOvr>
